--- a/2014黑客马拉松_N-Monitor.pptx
+++ b/2014黑客马拉松_N-Monitor.pptx
@@ -6,21 +6,20 @@
     <p:sldMasterId id="2147483802" r:id="rId7"/>
   </p:sldMasterIdLst>
   <p:notesMasterIdLst>
-    <p:notesMasterId r:id="rId17"/>
+    <p:notesMasterId r:id="rId16"/>
   </p:notesMasterIdLst>
   <p:handoutMasterIdLst>
-    <p:handoutMasterId r:id="rId18"/>
+    <p:handoutMasterId r:id="rId17"/>
   </p:handoutMasterIdLst>
   <p:sldIdLst>
     <p:sldId id="274" r:id="rId8"/>
-    <p:sldId id="467" r:id="rId9"/>
-    <p:sldId id="468" r:id="rId10"/>
-    <p:sldId id="368" r:id="rId11"/>
-    <p:sldId id="465" r:id="rId12"/>
-    <p:sldId id="463" r:id="rId13"/>
-    <p:sldId id="464" r:id="rId14"/>
-    <p:sldId id="462" r:id="rId15"/>
-    <p:sldId id="277" r:id="rId16"/>
+    <p:sldId id="470" r:id="rId9"/>
+    <p:sldId id="467" r:id="rId10"/>
+    <p:sldId id="468" r:id="rId11"/>
+    <p:sldId id="469" r:id="rId12"/>
+    <p:sldId id="471" r:id="rId13"/>
+    <p:sldId id="472" r:id="rId14"/>
+    <p:sldId id="277" r:id="rId15"/>
   </p:sldIdLst>
   <p:sldSz cx="9144000" cy="6858000" type="screen4x3"/>
   <p:notesSz cx="6858000" cy="9144000"/>
@@ -235,7 +234,7 @@
             <a:fld id="{1FE38435-2ABF-45DB-B7A9-B439EE6DD70C}" type="datetimeFigureOut">
               <a:rPr lang="en-US" smtClean="0"/>
               <a:pPr/>
-              <a:t>6/6/2014</a:t>
+              <a:t>6/9/2014</a:t>
             </a:fld>
             <a:endParaRPr lang="en-US"/>
           </a:p>
@@ -402,7 +401,7 @@
             <a:fld id="{97C583BB-6ECD-4078-9C43-740A3209AF65}" type="datetimeFigureOut">
               <a:rPr lang="en-US" smtClean="0"/>
               <a:pPr/>
-              <a:t>6/6/2014</a:t>
+              <a:t>6/9/2014</a:t>
             </a:fld>
             <a:endParaRPr lang="en-US"/>
           </a:p>
@@ -4641,28 +4640,40 @@
           <a:p>
             <a:r>
               <a:rPr lang="en-US" altLang="zh-CN" dirty="0" smtClean="0">
-                <a:latin typeface="微软雅黑" pitchFamily="34" charset="-122"/>
+                <a:latin typeface="Times New Roman" panose="02020603050405020304" pitchFamily="18" charset="0"/>
                 <a:ea typeface="微软雅黑" pitchFamily="34" charset="-122"/>
+                <a:cs typeface="Times New Roman" panose="02020603050405020304" pitchFamily="18" charset="0"/>
               </a:rPr>
               <a:t>2014 </a:t>
             </a:r>
             <a:r>
-              <a:rPr lang="zh-CN" altLang="en-US" dirty="0" smtClean="0">
-                <a:latin typeface="微软雅黑" pitchFamily="34" charset="-122"/>
+              <a:rPr lang="en-US" altLang="zh-CN" dirty="0" err="1" smtClean="0">
+                <a:latin typeface="Times New Roman" panose="02020603050405020304" pitchFamily="18" charset="0"/>
                 <a:ea typeface="微软雅黑" pitchFamily="34" charset="-122"/>
+                <a:cs typeface="Times New Roman" panose="02020603050405020304" pitchFamily="18" charset="0"/>
               </a:rPr>
-              <a:t>黑客马拉松</a:t>
-            </a:r>
-            <a:r>
-              <a:rPr lang="en-US" altLang="zh-CN" smtClean="0">
-                <a:latin typeface="微软雅黑" pitchFamily="34" charset="-122"/>
+              <a:t>Hackathon</a:t>
+            </a:r>
+            <a:r>
+              <a:rPr lang="en-US" altLang="zh-CN" dirty="0" smtClean="0">
+                <a:latin typeface="Times New Roman" panose="02020603050405020304" pitchFamily="18" charset="0"/>
                 <a:ea typeface="微软雅黑" pitchFamily="34" charset="-122"/>
+                <a:cs typeface="Times New Roman" panose="02020603050405020304" pitchFamily="18" charset="0"/>
               </a:rPr>
-              <a:t>: N-Monitor </a:t>
+              <a:t>: </a:t>
+            </a:r>
+            <a:r>
+              <a:rPr lang="en-US" altLang="zh-CN" dirty="0" smtClean="0">
+                <a:latin typeface="Times New Roman" panose="02020603050405020304" pitchFamily="18" charset="0"/>
+                <a:ea typeface="微软雅黑" pitchFamily="34" charset="-122"/>
+                <a:cs typeface="Times New Roman" panose="02020603050405020304" pitchFamily="18" charset="0"/>
+              </a:rPr>
+              <a:t>N-Monitor </a:t>
             </a:r>
             <a:endParaRPr lang="en-US" dirty="0">
-              <a:latin typeface="微软雅黑" pitchFamily="34" charset="-122"/>
+              <a:latin typeface="Times New Roman" panose="02020603050405020304" pitchFamily="18" charset="0"/>
               <a:ea typeface="微软雅黑" pitchFamily="34" charset="-122"/>
+              <a:cs typeface="Times New Roman" panose="02020603050405020304" pitchFamily="18" charset="0"/>
             </a:endParaRPr>
           </a:p>
         </p:txBody>
@@ -4838,32 +4849,53 @@
             <p:ph type="title"/>
           </p:nvPr>
         </p:nvSpPr>
-        <p:spPr/>
+        <p:spPr>
+          <a:xfrm>
+            <a:off x="1665355" y="448330"/>
+            <a:ext cx="7208643" cy="540000"/>
+          </a:xfrm>
+        </p:spPr>
         <p:txBody>
           <a:bodyPr/>
           <a:lstStyle/>
           <a:p>
+            <a:r>
+              <a:rPr lang="en-US" altLang="zh-CN" b="0" dirty="0" smtClean="0">
+                <a:latin typeface="Times New Roman" panose="02020603050405020304" pitchFamily="18" charset="0"/>
+                <a:cs typeface="Times New Roman" panose="02020603050405020304" pitchFamily="18" charset="0"/>
+              </a:rPr>
+              <a:t>Scenario</a:t>
+            </a:r>
+            <a:r>
+              <a:rPr lang="en-US" altLang="zh-CN" dirty="0" smtClean="0"/>
+              <a:t>	</a:t>
+            </a:r>
             <a:endParaRPr lang="zh-CN" altLang="en-US" dirty="0"/>
           </a:p>
         </p:txBody>
       </p:sp>
       <p:sp>
         <p:nvSpPr>
-          <p:cNvPr id="61" name="Oval 60"/>
+          <p:cNvPr id="4" name="Rectangle 3"/>
           <p:cNvSpPr/>
           <p:nvPr/>
         </p:nvSpPr>
         <p:spPr>
           <a:xfrm>
-            <a:off x="2895600" y="2743200"/>
-            <a:ext cx="3276600" cy="1905000"/>
-          </a:xfrm>
-          <a:prstGeom prst="ellipse">
+            <a:off x="590797" y="1219200"/>
+            <a:ext cx="7924800" cy="4419600"/>
+          </a:xfrm>
+          <a:prstGeom prst="rect">
             <a:avLst/>
           </a:prstGeom>
           <a:noFill/>
           <a:ln>
-            <a:prstDash val="sysDash"/>
+            <a:solidFill>
+              <a:schemeClr val="accent1">
+                <a:shade val="50000"/>
+              </a:schemeClr>
+            </a:solidFill>
+            <a:prstDash val="dash"/>
           </a:ln>
         </p:spPr>
         <p:style>
@@ -4891,16 +4923,479 @@
           </a:p>
         </p:txBody>
       </p:sp>
+      <p:pic>
+        <p:nvPicPr>
+          <p:cNvPr id="5" name="Picture 4"/>
+          <p:cNvPicPr>
+            <a:picLocks noChangeAspect="1"/>
+          </p:cNvPicPr>
+          <p:nvPr/>
+        </p:nvPicPr>
+        <p:blipFill>
+          <a:blip r:embed="rId2">
+            <a:extLst>
+              <a:ext uri="{28A0092B-C50C-407E-A947-70E740481C1C}">
+                <a14:useLocalDpi xmlns:a14="http://schemas.microsoft.com/office/drawing/2010/main" val="0"/>
+              </a:ext>
+            </a:extLst>
+          </a:blip>
+          <a:stretch>
+            <a:fillRect/>
+          </a:stretch>
+        </p:blipFill>
+        <p:spPr>
+          <a:xfrm rot="2952884">
+            <a:off x="6832789" y="1505519"/>
+            <a:ext cx="1395351" cy="1395351"/>
+          </a:xfrm>
+          <a:prstGeom prst="rect">
+            <a:avLst/>
+          </a:prstGeom>
+        </p:spPr>
+      </p:pic>
+      <p:pic>
+        <p:nvPicPr>
+          <p:cNvPr id="6" name="Picture 5"/>
+          <p:cNvPicPr>
+            <a:picLocks noChangeAspect="1"/>
+          </p:cNvPicPr>
+          <p:nvPr/>
+        </p:nvPicPr>
+        <p:blipFill>
+          <a:blip r:embed="rId3">
+            <a:extLst>
+              <a:ext uri="{28A0092B-C50C-407E-A947-70E740481C1C}">
+                <a14:useLocalDpi xmlns:a14="http://schemas.microsoft.com/office/drawing/2010/main" val="0"/>
+              </a:ext>
+            </a:extLst>
+          </a:blip>
+          <a:stretch>
+            <a:fillRect/>
+          </a:stretch>
+        </p:blipFill>
+        <p:spPr>
+          <a:xfrm rot="19481044">
+            <a:off x="5444716" y="3546642"/>
+            <a:ext cx="1335406" cy="1335406"/>
+          </a:xfrm>
+          <a:prstGeom prst="rect">
+            <a:avLst/>
+          </a:prstGeom>
+        </p:spPr>
+      </p:pic>
+      <p:pic>
+        <p:nvPicPr>
+          <p:cNvPr id="7" name="Picture 6"/>
+          <p:cNvPicPr>
+            <a:picLocks noChangeAspect="1"/>
+          </p:cNvPicPr>
+          <p:nvPr/>
+        </p:nvPicPr>
+        <p:blipFill>
+          <a:blip r:embed="rId4">
+            <a:extLst>
+              <a:ext uri="{28A0092B-C50C-407E-A947-70E740481C1C}">
+                <a14:useLocalDpi xmlns:a14="http://schemas.microsoft.com/office/drawing/2010/main" val="0"/>
+              </a:ext>
+            </a:extLst>
+          </a:blip>
+          <a:stretch>
+            <a:fillRect/>
+          </a:stretch>
+        </p:blipFill>
+        <p:spPr>
+          <a:xfrm>
+            <a:off x="997403" y="1408877"/>
+            <a:ext cx="1335907" cy="1590365"/>
+          </a:xfrm>
+          <a:prstGeom prst="rect">
+            <a:avLst/>
+          </a:prstGeom>
+        </p:spPr>
+      </p:pic>
+      <p:pic>
+        <p:nvPicPr>
+          <p:cNvPr id="8" name="Picture 7"/>
+          <p:cNvPicPr>
+            <a:picLocks noChangeAspect="1"/>
+          </p:cNvPicPr>
+          <p:nvPr/>
+        </p:nvPicPr>
+        <p:blipFill>
+          <a:blip r:embed="rId5">
+            <a:extLst>
+              <a:ext uri="{28A0092B-C50C-407E-A947-70E740481C1C}">
+                <a14:useLocalDpi xmlns:a14="http://schemas.microsoft.com/office/drawing/2010/main" val="0"/>
+              </a:ext>
+            </a:extLst>
+          </a:blip>
+          <a:stretch>
+            <a:fillRect/>
+          </a:stretch>
+        </p:blipFill>
+        <p:spPr>
+          <a:xfrm rot="811774">
+            <a:off x="3601668" y="1436070"/>
+            <a:ext cx="1674788" cy="1674788"/>
+          </a:xfrm>
+          <a:prstGeom prst="rect">
+            <a:avLst/>
+          </a:prstGeom>
+        </p:spPr>
+      </p:pic>
+      <p:pic>
+        <p:nvPicPr>
+          <p:cNvPr id="9" name="Picture 8"/>
+          <p:cNvPicPr>
+            <a:picLocks noChangeAspect="1"/>
+          </p:cNvPicPr>
+          <p:nvPr/>
+        </p:nvPicPr>
+        <p:blipFill>
+          <a:blip r:embed="rId6">
+            <a:extLst>
+              <a:ext uri="{28A0092B-C50C-407E-A947-70E740481C1C}">
+                <a14:useLocalDpi xmlns:a14="http://schemas.microsoft.com/office/drawing/2010/main" val="0"/>
+              </a:ext>
+            </a:extLst>
+          </a:blip>
+          <a:stretch>
+            <a:fillRect/>
+          </a:stretch>
+        </p:blipFill>
+        <p:spPr>
+          <a:xfrm>
+            <a:off x="2537086" y="3579186"/>
+            <a:ext cx="1171149" cy="1534257"/>
+          </a:xfrm>
+          <a:prstGeom prst="rect">
+            <a:avLst/>
+          </a:prstGeom>
+        </p:spPr>
+      </p:pic>
+      <p:sp>
+        <p:nvSpPr>
+          <p:cNvPr id="10" name="TextBox 9"/>
+          <p:cNvSpPr txBox="1"/>
+          <p:nvPr/>
+        </p:nvSpPr>
+        <p:spPr>
+          <a:xfrm>
+            <a:off x="2537086" y="5867400"/>
+            <a:ext cx="3911648" cy="461665"/>
+          </a:xfrm>
+          <a:prstGeom prst="rect">
+            <a:avLst/>
+          </a:prstGeom>
+          <a:noFill/>
+        </p:spPr>
+        <p:txBody>
+          <a:bodyPr wrap="none" rtlCol="0">
+            <a:spAutoFit/>
+          </a:bodyPr>
+          <a:lstStyle/>
+          <a:p>
+            <a:r>
+              <a:rPr lang="en-US" altLang="zh-CN" dirty="0" smtClean="0">
+                <a:latin typeface="Times New Roman" panose="02020603050405020304" pitchFamily="18" charset="0"/>
+                <a:cs typeface="Times New Roman" panose="02020603050405020304" pitchFamily="18" charset="0"/>
+              </a:rPr>
+              <a:t>How to manage this CHAOS?</a:t>
+            </a:r>
+            <a:endParaRPr lang="zh-CN" altLang="en-US" dirty="0">
+              <a:latin typeface="Times New Roman" panose="02020603050405020304" pitchFamily="18" charset="0"/>
+              <a:cs typeface="Times New Roman" panose="02020603050405020304" pitchFamily="18" charset="0"/>
+            </a:endParaRPr>
+          </a:p>
+        </p:txBody>
+      </p:sp>
+      <p:sp>
+        <p:nvSpPr>
+          <p:cNvPr id="11" name="TextBox 10"/>
+          <p:cNvSpPr txBox="1"/>
+          <p:nvPr/>
+        </p:nvSpPr>
+        <p:spPr>
+          <a:xfrm>
+            <a:off x="888271" y="3080097"/>
+            <a:ext cx="1669597" cy="338554"/>
+          </a:xfrm>
+          <a:prstGeom prst="rect">
+            <a:avLst/>
+          </a:prstGeom>
+          <a:noFill/>
+        </p:spPr>
+        <p:txBody>
+          <a:bodyPr wrap="square" rtlCol="0">
+            <a:spAutoFit/>
+          </a:bodyPr>
+          <a:lstStyle/>
+          <a:p>
+            <a:r>
+              <a:rPr lang="en-US" altLang="zh-CN" sz="1600" dirty="0" smtClean="0">
+                <a:latin typeface="Times New Roman" panose="02020603050405020304" pitchFamily="18" charset="0"/>
+                <a:cs typeface="Times New Roman" panose="02020603050405020304" pitchFamily="18" charset="0"/>
+              </a:rPr>
+              <a:t>Financial System</a:t>
+            </a:r>
+            <a:endParaRPr lang="zh-CN" altLang="en-US" sz="1600" dirty="0">
+              <a:latin typeface="Times New Roman" panose="02020603050405020304" pitchFamily="18" charset="0"/>
+              <a:cs typeface="Times New Roman" panose="02020603050405020304" pitchFamily="18" charset="0"/>
+            </a:endParaRPr>
+          </a:p>
+        </p:txBody>
+      </p:sp>
+      <p:sp>
+        <p:nvSpPr>
+          <p:cNvPr id="12" name="TextBox 11"/>
+          <p:cNvSpPr txBox="1"/>
+          <p:nvPr/>
+        </p:nvSpPr>
+        <p:spPr>
+          <a:xfrm rot="998847">
+            <a:off x="3292830" y="3080096"/>
+            <a:ext cx="1669597" cy="338554"/>
+          </a:xfrm>
+          <a:prstGeom prst="rect">
+            <a:avLst/>
+          </a:prstGeom>
+          <a:noFill/>
+        </p:spPr>
+        <p:txBody>
+          <a:bodyPr wrap="square" rtlCol="0">
+            <a:spAutoFit/>
+          </a:bodyPr>
+          <a:lstStyle/>
+          <a:p>
+            <a:r>
+              <a:rPr lang="en-US" altLang="zh-CN" sz="1600" dirty="0" smtClean="0">
+                <a:latin typeface="Times New Roman" panose="02020603050405020304" pitchFamily="18" charset="0"/>
+                <a:cs typeface="Times New Roman" panose="02020603050405020304" pitchFamily="18" charset="0"/>
+              </a:rPr>
+              <a:t>CRM System</a:t>
+            </a:r>
+            <a:endParaRPr lang="zh-CN" altLang="en-US" sz="1600" dirty="0">
+              <a:latin typeface="Times New Roman" panose="02020603050405020304" pitchFamily="18" charset="0"/>
+              <a:cs typeface="Times New Roman" panose="02020603050405020304" pitchFamily="18" charset="0"/>
+            </a:endParaRPr>
+          </a:p>
+        </p:txBody>
+      </p:sp>
+      <p:sp>
+        <p:nvSpPr>
+          <p:cNvPr id="13" name="TextBox 12"/>
+          <p:cNvSpPr txBox="1"/>
+          <p:nvPr/>
+        </p:nvSpPr>
+        <p:spPr>
+          <a:xfrm>
+            <a:off x="2333310" y="5207703"/>
+            <a:ext cx="1933889" cy="338554"/>
+          </a:xfrm>
+          <a:prstGeom prst="rect">
+            <a:avLst/>
+          </a:prstGeom>
+          <a:noFill/>
+        </p:spPr>
+        <p:txBody>
+          <a:bodyPr wrap="square" rtlCol="0">
+            <a:spAutoFit/>
+          </a:bodyPr>
+          <a:lstStyle/>
+          <a:p>
+            <a:r>
+              <a:rPr lang="en-US" altLang="zh-CN" sz="1600" dirty="0" smtClean="0">
+                <a:latin typeface="Times New Roman" panose="02020603050405020304" pitchFamily="18" charset="0"/>
+                <a:cs typeface="Times New Roman" panose="02020603050405020304" pitchFamily="18" charset="0"/>
+              </a:rPr>
+              <a:t>Daily Record System</a:t>
+            </a:r>
+            <a:endParaRPr lang="zh-CN" altLang="en-US" sz="1600" dirty="0">
+              <a:latin typeface="Times New Roman" panose="02020603050405020304" pitchFamily="18" charset="0"/>
+              <a:cs typeface="Times New Roman" panose="02020603050405020304" pitchFamily="18" charset="0"/>
+            </a:endParaRPr>
+          </a:p>
+        </p:txBody>
+      </p:sp>
+      <p:sp>
+        <p:nvSpPr>
+          <p:cNvPr id="14" name="TextBox 13"/>
+          <p:cNvSpPr txBox="1"/>
+          <p:nvPr/>
+        </p:nvSpPr>
+        <p:spPr>
+          <a:xfrm rot="19166913">
+            <a:off x="5663297" y="4664597"/>
+            <a:ext cx="2080521" cy="338554"/>
+          </a:xfrm>
+          <a:prstGeom prst="rect">
+            <a:avLst/>
+          </a:prstGeom>
+          <a:noFill/>
+        </p:spPr>
+        <p:txBody>
+          <a:bodyPr wrap="square" rtlCol="0">
+            <a:spAutoFit/>
+          </a:bodyPr>
+          <a:lstStyle/>
+          <a:p>
+            <a:r>
+              <a:rPr lang="en-US" altLang="zh-CN" sz="1600" dirty="0" smtClean="0">
+                <a:latin typeface="Times New Roman" panose="02020603050405020304" pitchFamily="18" charset="0"/>
+                <a:cs typeface="Times New Roman" panose="02020603050405020304" pitchFamily="18" charset="0"/>
+              </a:rPr>
+              <a:t>Inter-message System</a:t>
+            </a:r>
+            <a:endParaRPr lang="zh-CN" altLang="en-US" sz="1600" dirty="0">
+              <a:latin typeface="Times New Roman" panose="02020603050405020304" pitchFamily="18" charset="0"/>
+              <a:cs typeface="Times New Roman" panose="02020603050405020304" pitchFamily="18" charset="0"/>
+            </a:endParaRPr>
+          </a:p>
+        </p:txBody>
+      </p:sp>
+      <p:sp>
+        <p:nvSpPr>
+          <p:cNvPr id="15" name="TextBox 14"/>
+          <p:cNvSpPr txBox="1"/>
+          <p:nvPr/>
+        </p:nvSpPr>
+        <p:spPr>
+          <a:xfrm rot="3245580">
+            <a:off x="6373834" y="2606969"/>
+            <a:ext cx="793541" cy="338554"/>
+          </a:xfrm>
+          <a:prstGeom prst="rect">
+            <a:avLst/>
+          </a:prstGeom>
+          <a:noFill/>
+        </p:spPr>
+        <p:txBody>
+          <a:bodyPr wrap="square" rtlCol="0">
+            <a:spAutoFit/>
+          </a:bodyPr>
+          <a:lstStyle/>
+          <a:p>
+            <a:r>
+              <a:rPr lang="en-US" altLang="zh-CN" sz="1600" dirty="0" smtClean="0">
+                <a:latin typeface="Times New Roman" panose="02020603050405020304" pitchFamily="18" charset="0"/>
+                <a:cs typeface="Times New Roman" panose="02020603050405020304" pitchFamily="18" charset="0"/>
+              </a:rPr>
+              <a:t>ERP</a:t>
+            </a:r>
+            <a:endParaRPr lang="zh-CN" altLang="en-US" sz="1600" dirty="0">
+              <a:latin typeface="Times New Roman" panose="02020603050405020304" pitchFamily="18" charset="0"/>
+              <a:cs typeface="Times New Roman" panose="02020603050405020304" pitchFamily="18" charset="0"/>
+            </a:endParaRPr>
+          </a:p>
+        </p:txBody>
+      </p:sp>
+      <p:pic>
+        <p:nvPicPr>
+          <p:cNvPr id="16" name="Picture 15"/>
+          <p:cNvPicPr>
+            <a:picLocks noChangeAspect="1"/>
+          </p:cNvPicPr>
+          <p:nvPr/>
+        </p:nvPicPr>
+        <p:blipFill>
+          <a:blip r:embed="rId4" cstate="print">
+            <a:extLst>
+              <a:ext uri="{28A0092B-C50C-407E-A947-70E740481C1C}">
+                <a14:useLocalDpi xmlns:a14="http://schemas.microsoft.com/office/drawing/2010/main" val="0"/>
+              </a:ext>
+            </a:extLst>
+          </a:blip>
+          <a:stretch>
+            <a:fillRect/>
+          </a:stretch>
+        </p:blipFill>
+        <p:spPr>
+          <a:xfrm rot="2950983">
+            <a:off x="5463968" y="2203194"/>
+            <a:ext cx="819858" cy="976021"/>
+          </a:xfrm>
+          <a:prstGeom prst="rect">
+            <a:avLst/>
+          </a:prstGeom>
+        </p:spPr>
+      </p:pic>
+      <p:pic>
+        <p:nvPicPr>
+          <p:cNvPr id="17" name="Picture 16"/>
+          <p:cNvPicPr>
+            <a:picLocks noChangeAspect="1"/>
+          </p:cNvPicPr>
+          <p:nvPr/>
+        </p:nvPicPr>
+        <p:blipFill>
+          <a:blip r:embed="rId6" cstate="print">
+            <a:extLst>
+              <a:ext uri="{28A0092B-C50C-407E-A947-70E740481C1C}">
+                <a14:useLocalDpi xmlns:a14="http://schemas.microsoft.com/office/drawing/2010/main" val="0"/>
+              </a:ext>
+            </a:extLst>
+          </a:blip>
+          <a:stretch>
+            <a:fillRect/>
+          </a:stretch>
+        </p:blipFill>
+        <p:spPr>
+          <a:xfrm rot="17874620">
+            <a:off x="7124095" y="3055312"/>
+            <a:ext cx="799783" cy="1047750"/>
+          </a:xfrm>
+          <a:prstGeom prst="rect">
+            <a:avLst/>
+          </a:prstGeom>
+        </p:spPr>
+      </p:pic>
+      <p:pic>
+        <p:nvPicPr>
+          <p:cNvPr id="18" name="Picture 17"/>
+          <p:cNvPicPr>
+            <a:picLocks noChangeAspect="1"/>
+          </p:cNvPicPr>
+          <p:nvPr/>
+        </p:nvPicPr>
+        <p:blipFill>
+          <a:blip r:embed="rId3" cstate="print">
+            <a:extLst>
+              <a:ext uri="{28A0092B-C50C-407E-A947-70E740481C1C}">
+                <a14:useLocalDpi xmlns:a14="http://schemas.microsoft.com/office/drawing/2010/main" val="0"/>
+              </a:ext>
+            </a:extLst>
+          </a:blip>
+          <a:stretch>
+            <a:fillRect/>
+          </a:stretch>
+        </p:blipFill>
+        <p:spPr>
+          <a:xfrm rot="8893151">
+            <a:off x="1217681" y="4024000"/>
+            <a:ext cx="895350" cy="895350"/>
+          </a:xfrm>
+          <a:prstGeom prst="rect">
+            <a:avLst/>
+          </a:prstGeom>
+        </p:spPr>
+      </p:pic>
     </p:spTree>
     <p:extLst>
       <p:ext uri="{BB962C8B-B14F-4D97-AF65-F5344CB8AC3E}">
-        <p14:creationId xmlns:p14="http://schemas.microsoft.com/office/powerpoint/2010/main" val="195979748"/>
+        <p14:creationId xmlns:p14="http://schemas.microsoft.com/office/powerpoint/2010/main" val="3181840629"/>
       </p:ext>
     </p:extLst>
   </p:cSld>
   <p:clrMapOvr>
     <a:masterClrMapping/>
   </p:clrMapOvr>
+  <p:timing>
+    <p:tnLst>
+      <p:par>
+        <p:cTn id="1" dur="indefinite" restart="never" nodeType="tmRoot"/>
+      </p:par>
+    </p:tnLst>
+  </p:timing>
 </p:sld>
 </file>
 
@@ -4923,37 +5418,22 @@
       </p:grpSpPr>
       <p:sp>
         <p:nvSpPr>
-          <p:cNvPr id="2" name="Title 1"/>
-          <p:cNvSpPr>
-            <a:spLocks noGrp="1"/>
-          </p:cNvSpPr>
-          <p:nvPr>
-            <p:ph type="title"/>
-          </p:nvPr>
-        </p:nvSpPr>
-        <p:spPr/>
-        <p:txBody>
-          <a:bodyPr/>
-          <a:lstStyle/>
-          <a:p>
-            <a:endParaRPr lang="zh-CN" altLang="en-US" dirty="0"/>
-          </a:p>
-        </p:txBody>
-      </p:sp>
-      <p:sp>
-        <p:nvSpPr>
-          <p:cNvPr id="4" name="Rounded Rectangle 3"/>
+          <p:cNvPr id="61" name="Oval 60"/>
           <p:cNvSpPr/>
           <p:nvPr/>
         </p:nvSpPr>
         <p:spPr>
           <a:xfrm>
-            <a:off x="3124200" y="1528260"/>
-            <a:ext cx="1752600" cy="838200"/>
-          </a:xfrm>
-          <a:prstGeom prst="roundRect">
-            <a:avLst/>
-          </a:prstGeom>
+            <a:off x="2895600" y="2743200"/>
+            <a:ext cx="3276600" cy="1905000"/>
+          </a:xfrm>
+          <a:prstGeom prst="ellipse">
+            <a:avLst/>
+          </a:prstGeom>
+          <a:noFill/>
+          <a:ln>
+            <a:prstDash val="sysDash"/>
+          </a:ln>
         </p:spPr>
         <p:style>
           <a:lnRef idx="2">
@@ -4976,28 +5456,48 @@
           <a:lstStyle/>
           <a:p>
             <a:pPr algn="ctr"/>
-            <a:r>
-              <a:rPr lang="en-US" altLang="zh-CN" dirty="0" smtClean="0"/>
-              <a:t>Monitor1</a:t>
-            </a:r>
-            <a:endParaRPr lang="zh-CN" altLang="en-US" dirty="0"/>
+            <a:endParaRPr lang="zh-CN" altLang="en-US">
+              <a:solidFill>
+                <a:schemeClr val="tx1"/>
+              </a:solidFill>
+              <a:latin typeface="Times New Roman" panose="02020603050405020304" pitchFamily="18" charset="0"/>
+              <a:cs typeface="Times New Roman" panose="02020603050405020304" pitchFamily="18" charset="0"/>
+            </a:endParaRPr>
           </a:p>
         </p:txBody>
       </p:sp>
       <p:sp>
         <p:nvSpPr>
-          <p:cNvPr id="5" name="Rounded Rectangle 4"/>
+          <p:cNvPr id="3" name="Oval 2"/>
           <p:cNvSpPr/>
           <p:nvPr/>
         </p:nvSpPr>
         <p:spPr>
           <a:xfrm>
-            <a:off x="6523534" y="1371600"/>
-            <a:ext cx="1325066" cy="838199"/>
-          </a:xfrm>
-          <a:prstGeom prst="roundRect">
-            <a:avLst/>
-          </a:prstGeom>
+            <a:off x="3883925" y="2910385"/>
+            <a:ext cx="1295400" cy="647700"/>
+          </a:xfrm>
+          <a:prstGeom prst="ellipse">
+            <a:avLst/>
+          </a:prstGeom>
+          <a:gradFill flip="none" rotWithShape="1">
+            <a:gsLst>
+              <a:gs pos="0">
+                <a:srgbClr val="FE786E"/>
+              </a:gs>
+              <a:gs pos="50000">
+                <a:srgbClr val="FEA6A6"/>
+              </a:gs>
+              <a:gs pos="100000">
+                <a:srgbClr val="FFEFEF"/>
+              </a:gs>
+            </a:gsLst>
+            <a:lin ang="2700000" scaled="1"/>
+            <a:tileRect/>
+          </a:gradFill>
+          <a:ln>
+            <a:noFill/>
+          </a:ln>
         </p:spPr>
         <p:style>
           <a:lnRef idx="2">
@@ -5021,27 +5521,57 @@
           <a:p>
             <a:pPr algn="ctr"/>
             <a:r>
-              <a:rPr lang="en-US" altLang="zh-CN" dirty="0" smtClean="0"/>
-              <a:t>Tomcat App1</a:t>
-            </a:r>
-            <a:endParaRPr lang="zh-CN" altLang="en-US" dirty="0"/>
+              <a:rPr lang="en-US" altLang="zh-CN" sz="1600" dirty="0" smtClean="0">
+                <a:solidFill>
+                  <a:schemeClr val="tx1"/>
+                </a:solidFill>
+                <a:latin typeface="Times New Roman" panose="02020603050405020304" pitchFamily="18" charset="0"/>
+                <a:cs typeface="Times New Roman" panose="02020603050405020304" pitchFamily="18" charset="0"/>
+              </a:rPr>
+              <a:t>Monitor</a:t>
+            </a:r>
+            <a:endParaRPr lang="zh-CN" altLang="en-US" sz="1600" dirty="0">
+              <a:solidFill>
+                <a:schemeClr val="tx1"/>
+              </a:solidFill>
+              <a:latin typeface="Times New Roman" panose="02020603050405020304" pitchFamily="18" charset="0"/>
+              <a:cs typeface="Times New Roman" panose="02020603050405020304" pitchFamily="18" charset="0"/>
+            </a:endParaRPr>
           </a:p>
         </p:txBody>
       </p:sp>
       <p:sp>
         <p:nvSpPr>
-          <p:cNvPr id="6" name="Rounded Rectangle 5"/>
+          <p:cNvPr id="5" name="Oval 4"/>
           <p:cNvSpPr/>
           <p:nvPr/>
         </p:nvSpPr>
         <p:spPr>
           <a:xfrm>
-            <a:off x="6523534" y="3200400"/>
-            <a:ext cx="1325066" cy="838199"/>
-          </a:xfrm>
-          <a:prstGeom prst="roundRect">
-            <a:avLst/>
-          </a:prstGeom>
+            <a:off x="3202105" y="3572870"/>
+            <a:ext cx="1295400" cy="647700"/>
+          </a:xfrm>
+          <a:prstGeom prst="ellipse">
+            <a:avLst/>
+          </a:prstGeom>
+          <a:gradFill flip="none" rotWithShape="1">
+            <a:gsLst>
+              <a:gs pos="0">
+                <a:srgbClr val="FE786E"/>
+              </a:gs>
+              <a:gs pos="50000">
+                <a:srgbClr val="FEA6A6"/>
+              </a:gs>
+              <a:gs pos="100000">
+                <a:srgbClr val="FFEFEF"/>
+              </a:gs>
+            </a:gsLst>
+            <a:lin ang="2700000" scaled="1"/>
+            <a:tileRect/>
+          </a:gradFill>
+          <a:ln>
+            <a:noFill/>
+          </a:ln>
         </p:spPr>
         <p:style>
           <a:lnRef idx="2">
@@ -5065,10 +5595,146 @@
           <a:p>
             <a:pPr algn="ctr"/>
             <a:r>
-              <a:rPr lang="en-US" altLang="zh-CN" dirty="0" smtClean="0"/>
-              <a:t>node App1</a:t>
-            </a:r>
-            <a:endParaRPr lang="zh-CN" altLang="en-US" dirty="0"/>
+              <a:rPr lang="en-US" altLang="zh-CN" sz="1600" dirty="0" smtClean="0">
+                <a:solidFill>
+                  <a:schemeClr val="tx1"/>
+                </a:solidFill>
+                <a:latin typeface="Times New Roman" panose="02020603050405020304" pitchFamily="18" charset="0"/>
+                <a:cs typeface="Times New Roman" panose="02020603050405020304" pitchFamily="18" charset="0"/>
+              </a:rPr>
+              <a:t>Monitor</a:t>
+            </a:r>
+            <a:endParaRPr lang="zh-CN" altLang="en-US" sz="1600" dirty="0">
+              <a:solidFill>
+                <a:schemeClr val="tx1"/>
+              </a:solidFill>
+              <a:latin typeface="Times New Roman" panose="02020603050405020304" pitchFamily="18" charset="0"/>
+              <a:cs typeface="Times New Roman" panose="02020603050405020304" pitchFamily="18" charset="0"/>
+            </a:endParaRPr>
+          </a:p>
+        </p:txBody>
+      </p:sp>
+      <p:sp>
+        <p:nvSpPr>
+          <p:cNvPr id="6" name="Oval 5"/>
+          <p:cNvSpPr/>
+          <p:nvPr/>
+        </p:nvSpPr>
+        <p:spPr>
+          <a:xfrm>
+            <a:off x="4629434" y="3572870"/>
+            <a:ext cx="1295400" cy="647700"/>
+          </a:xfrm>
+          <a:prstGeom prst="ellipse">
+            <a:avLst/>
+          </a:prstGeom>
+          <a:gradFill flip="none" rotWithShape="1">
+            <a:gsLst>
+              <a:gs pos="0">
+                <a:srgbClr val="FE786E"/>
+              </a:gs>
+              <a:gs pos="50000">
+                <a:srgbClr val="FEA6A6"/>
+              </a:gs>
+              <a:gs pos="100000">
+                <a:srgbClr val="FFEFEF"/>
+              </a:gs>
+            </a:gsLst>
+            <a:lin ang="2700000" scaled="1"/>
+            <a:tileRect/>
+          </a:gradFill>
+          <a:ln>
+            <a:noFill/>
+          </a:ln>
+        </p:spPr>
+        <p:style>
+          <a:lnRef idx="2">
+            <a:schemeClr val="accent1">
+              <a:shade val="50000"/>
+            </a:schemeClr>
+          </a:lnRef>
+          <a:fillRef idx="1">
+            <a:schemeClr val="accent1"/>
+          </a:fillRef>
+          <a:effectRef idx="0">
+            <a:schemeClr val="accent1"/>
+          </a:effectRef>
+          <a:fontRef idx="minor">
+            <a:schemeClr val="lt1"/>
+          </a:fontRef>
+        </p:style>
+        <p:txBody>
+          <a:bodyPr rtlCol="0" anchor="ctr"/>
+          <a:lstStyle/>
+          <a:p>
+            <a:pPr algn="ctr"/>
+            <a:r>
+              <a:rPr lang="en-US" altLang="zh-CN" sz="1600" dirty="0" smtClean="0">
+                <a:solidFill>
+                  <a:schemeClr val="tx1"/>
+                </a:solidFill>
+                <a:latin typeface="Times New Roman" panose="02020603050405020304" pitchFamily="18" charset="0"/>
+                <a:cs typeface="Times New Roman" panose="02020603050405020304" pitchFamily="18" charset="0"/>
+              </a:rPr>
+              <a:t>Monitor</a:t>
+            </a:r>
+            <a:endParaRPr lang="zh-CN" altLang="en-US" sz="1600" dirty="0">
+              <a:solidFill>
+                <a:schemeClr val="tx1"/>
+              </a:solidFill>
+              <a:latin typeface="Times New Roman" panose="02020603050405020304" pitchFamily="18" charset="0"/>
+              <a:cs typeface="Times New Roman" panose="02020603050405020304" pitchFamily="18" charset="0"/>
+            </a:endParaRPr>
+          </a:p>
+        </p:txBody>
+      </p:sp>
+      <p:sp>
+        <p:nvSpPr>
+          <p:cNvPr id="4" name="Rectangle 3"/>
+          <p:cNvSpPr/>
+          <p:nvPr/>
+        </p:nvSpPr>
+        <p:spPr>
+          <a:xfrm>
+            <a:off x="6186985" y="1143000"/>
+            <a:ext cx="2514600" cy="1938835"/>
+          </a:xfrm>
+          <a:prstGeom prst="rect">
+            <a:avLst/>
+          </a:prstGeom>
+          <a:noFill/>
+          <a:ln>
+            <a:prstDash val="dash"/>
+          </a:ln>
+        </p:spPr>
+        <p:style>
+          <a:lnRef idx="2">
+            <a:schemeClr val="accent1">
+              <a:shade val="50000"/>
+            </a:schemeClr>
+          </a:lnRef>
+          <a:fillRef idx="1">
+            <a:schemeClr val="accent1"/>
+          </a:fillRef>
+          <a:effectRef idx="0">
+            <a:schemeClr val="accent1"/>
+          </a:effectRef>
+          <a:fontRef idx="minor">
+            <a:schemeClr val="lt1"/>
+          </a:fontRef>
+        </p:style>
+        <p:txBody>
+          <a:bodyPr rtlCol="0" anchor="ctr"/>
+          <a:lstStyle/>
+          <a:p>
+            <a:pPr algn="ctr"/>
+            <a:endParaRPr lang="zh-CN" altLang="en-US">
+              <a:solidFill>
+                <a:schemeClr val="tx1"/>
+              </a:solidFill>
+              <a:latin typeface="Times New Roman" panose="02020603050405020304" pitchFamily="18" charset="0"/>
+              <a:cs typeface="Times New Roman" panose="02020603050405020304" pitchFamily="18" charset="0"/>
+            </a:endParaRPr>
           </a:p>
         </p:txBody>
       </p:sp>
@@ -5080,12 +5746,39 @@
         </p:nvSpPr>
         <p:spPr>
           <a:xfrm>
-            <a:off x="6523534" y="5105400"/>
-            <a:ext cx="1325066" cy="838199"/>
+            <a:off x="6491785" y="1371600"/>
+            <a:ext cx="1905000" cy="609600"/>
           </a:xfrm>
           <a:prstGeom prst="roundRect">
             <a:avLst/>
           </a:prstGeom>
+          <a:gradFill flip="none" rotWithShape="1">
+            <a:gsLst>
+              <a:gs pos="0">
+                <a:schemeClr val="accent1">
+                  <a:tint val="66000"/>
+                  <a:satMod val="160000"/>
+                </a:schemeClr>
+              </a:gs>
+              <a:gs pos="50000">
+                <a:schemeClr val="accent1">
+                  <a:tint val="44500"/>
+                  <a:satMod val="160000"/>
+                </a:schemeClr>
+              </a:gs>
+              <a:gs pos="100000">
+                <a:schemeClr val="accent1">
+                  <a:tint val="23500"/>
+                  <a:satMod val="160000"/>
+                </a:schemeClr>
+              </a:gs>
+            </a:gsLst>
+            <a:lin ang="2700000" scaled="1"/>
+            <a:tileRect/>
+          </a:gradFill>
+          <a:ln>
+            <a:noFill/>
+          </a:ln>
         </p:spPr>
         <p:style>
           <a:lnRef idx="2">
@@ -5109,27 +5802,66 @@
           <a:p>
             <a:pPr algn="ctr"/>
             <a:r>
-              <a:rPr lang="en-US" altLang="zh-CN" dirty="0" smtClean="0"/>
-              <a:t>node App1</a:t>
-            </a:r>
-            <a:endParaRPr lang="zh-CN" altLang="en-US" dirty="0"/>
+              <a:rPr lang="en-US" altLang="zh-CN" dirty="0" smtClean="0">
+                <a:solidFill>
+                  <a:schemeClr val="tx1"/>
+                </a:solidFill>
+                <a:latin typeface="Times New Roman" panose="02020603050405020304" pitchFamily="18" charset="0"/>
+                <a:cs typeface="Times New Roman" panose="02020603050405020304" pitchFamily="18" charset="0"/>
+              </a:rPr>
+              <a:t>App 1</a:t>
+            </a:r>
+            <a:endParaRPr lang="zh-CN" altLang="en-US" dirty="0">
+              <a:solidFill>
+                <a:schemeClr val="tx1"/>
+              </a:solidFill>
+              <a:latin typeface="Times New Roman" panose="02020603050405020304" pitchFamily="18" charset="0"/>
+              <a:cs typeface="Times New Roman" panose="02020603050405020304" pitchFamily="18" charset="0"/>
+            </a:endParaRPr>
           </a:p>
         </p:txBody>
       </p:sp>
       <p:sp>
         <p:nvSpPr>
-          <p:cNvPr id="8" name="Rounded Rectangle 7"/>
+          <p:cNvPr id="9" name="Rounded Rectangle 8"/>
           <p:cNvSpPr/>
           <p:nvPr/>
         </p:nvSpPr>
         <p:spPr>
           <a:xfrm>
-            <a:off x="6066098" y="2209799"/>
-            <a:ext cx="1792737" cy="464593"/>
+            <a:off x="6491785" y="2300785"/>
+            <a:ext cx="1905000" cy="609600"/>
           </a:xfrm>
           <a:prstGeom prst="roundRect">
             <a:avLst/>
           </a:prstGeom>
+          <a:gradFill flip="none" rotWithShape="1">
+            <a:gsLst>
+              <a:gs pos="0">
+                <a:schemeClr val="accent3">
+                  <a:lumMod val="60000"/>
+                  <a:lumOff val="40000"/>
+                </a:schemeClr>
+              </a:gs>
+              <a:gs pos="50000">
+                <a:schemeClr val="accent3">
+                  <a:lumMod val="40000"/>
+                  <a:lumOff val="60000"/>
+                </a:schemeClr>
+              </a:gs>
+              <a:gs pos="100000">
+                <a:schemeClr val="accent3">
+                  <a:lumMod val="20000"/>
+                  <a:lumOff val="80000"/>
+                </a:schemeClr>
+              </a:gs>
+            </a:gsLst>
+            <a:lin ang="2700000" scaled="1"/>
+            <a:tileRect/>
+          </a:gradFill>
+          <a:ln>
+            <a:noFill/>
+          </a:ln>
         </p:spPr>
         <p:style>
           <a:lnRef idx="2">
@@ -5153,27 +5885,43 @@
           <a:p>
             <a:pPr algn="ctr"/>
             <a:r>
-              <a:rPr lang="en-US" altLang="zh-CN" dirty="0" smtClean="0"/>
-              <a:t>starter</a:t>
-            </a:r>
-            <a:endParaRPr lang="zh-CN" altLang="en-US" dirty="0"/>
+              <a:rPr lang="en-US" altLang="zh-CN" dirty="0" smtClean="0">
+                <a:solidFill>
+                  <a:schemeClr val="tx1"/>
+                </a:solidFill>
+                <a:latin typeface="Times New Roman" panose="02020603050405020304" pitchFamily="18" charset="0"/>
+                <a:cs typeface="Times New Roman" panose="02020603050405020304" pitchFamily="18" charset="0"/>
+              </a:rPr>
+              <a:t>App 2</a:t>
+            </a:r>
+            <a:endParaRPr lang="zh-CN" altLang="en-US" dirty="0">
+              <a:solidFill>
+                <a:schemeClr val="tx1"/>
+              </a:solidFill>
+              <a:latin typeface="Times New Roman" panose="02020603050405020304" pitchFamily="18" charset="0"/>
+              <a:cs typeface="Times New Roman" panose="02020603050405020304" pitchFamily="18" charset="0"/>
+            </a:endParaRPr>
           </a:p>
         </p:txBody>
       </p:sp>
       <p:sp>
         <p:nvSpPr>
-          <p:cNvPr id="9" name="Rounded Rectangle 8"/>
+          <p:cNvPr id="10" name="Rectangle 9"/>
           <p:cNvSpPr/>
           <p:nvPr/>
         </p:nvSpPr>
         <p:spPr>
           <a:xfrm>
-            <a:off x="6055862" y="4038599"/>
-            <a:ext cx="1792737" cy="464593"/>
-          </a:xfrm>
-          <a:prstGeom prst="roundRect">
-            <a:avLst/>
-          </a:prstGeom>
+            <a:off x="6186985" y="4114800"/>
+            <a:ext cx="2514600" cy="1938835"/>
+          </a:xfrm>
+          <a:prstGeom prst="rect">
+            <a:avLst/>
+          </a:prstGeom>
+          <a:noFill/>
+          <a:ln>
+            <a:prstDash val="dash"/>
+          </a:ln>
         </p:spPr>
         <p:style>
           <a:lnRef idx="2">
@@ -5196,28 +5944,57 @@
           <a:lstStyle/>
           <a:p>
             <a:pPr algn="ctr"/>
-            <a:r>
-              <a:rPr lang="en-US" altLang="zh-CN" dirty="0" smtClean="0"/>
-              <a:t>starter</a:t>
-            </a:r>
-            <a:endParaRPr lang="zh-CN" altLang="en-US" dirty="0"/>
+            <a:endParaRPr lang="zh-CN" altLang="en-US">
+              <a:solidFill>
+                <a:schemeClr val="tx1"/>
+              </a:solidFill>
+              <a:latin typeface="Times New Roman" panose="02020603050405020304" pitchFamily="18" charset="0"/>
+              <a:cs typeface="Times New Roman" panose="02020603050405020304" pitchFamily="18" charset="0"/>
+            </a:endParaRPr>
           </a:p>
         </p:txBody>
       </p:sp>
       <p:sp>
         <p:nvSpPr>
-          <p:cNvPr id="10" name="Rounded Rectangle 9"/>
+          <p:cNvPr id="11" name="Rounded Rectangle 10"/>
           <p:cNvSpPr/>
           <p:nvPr/>
         </p:nvSpPr>
         <p:spPr>
           <a:xfrm>
-            <a:off x="6055862" y="5943599"/>
-            <a:ext cx="1792737" cy="464593"/>
+            <a:off x="6491785" y="4343400"/>
+            <a:ext cx="1905000" cy="609600"/>
           </a:xfrm>
           <a:prstGeom prst="roundRect">
             <a:avLst/>
           </a:prstGeom>
+          <a:gradFill flip="none" rotWithShape="1">
+            <a:gsLst>
+              <a:gs pos="0">
+                <a:schemeClr val="accent1">
+                  <a:tint val="66000"/>
+                  <a:satMod val="160000"/>
+                </a:schemeClr>
+              </a:gs>
+              <a:gs pos="50000">
+                <a:schemeClr val="accent1">
+                  <a:tint val="44500"/>
+                  <a:satMod val="160000"/>
+                </a:schemeClr>
+              </a:gs>
+              <a:gs pos="100000">
+                <a:schemeClr val="accent1">
+                  <a:tint val="23500"/>
+                  <a:satMod val="160000"/>
+                </a:schemeClr>
+              </a:gs>
+            </a:gsLst>
+            <a:lin ang="2700000" scaled="1"/>
+            <a:tileRect/>
+          </a:gradFill>
+          <a:ln>
+            <a:noFill/>
+          </a:ln>
         </p:spPr>
         <p:style>
           <a:lnRef idx="2">
@@ -5241,27 +6018,57 @@
           <a:p>
             <a:pPr algn="ctr"/>
             <a:r>
-              <a:rPr lang="en-US" altLang="zh-CN" dirty="0" smtClean="0"/>
-              <a:t>starter</a:t>
-            </a:r>
-            <a:endParaRPr lang="zh-CN" altLang="en-US" dirty="0"/>
+              <a:rPr lang="en-US" altLang="zh-CN" dirty="0" smtClean="0">
+                <a:solidFill>
+                  <a:schemeClr val="tx1"/>
+                </a:solidFill>
+                <a:latin typeface="Times New Roman" panose="02020603050405020304" pitchFamily="18" charset="0"/>
+                <a:cs typeface="Times New Roman" panose="02020603050405020304" pitchFamily="18" charset="0"/>
+              </a:rPr>
+              <a:t>App 3</a:t>
+            </a:r>
+            <a:endParaRPr lang="zh-CN" altLang="en-US" dirty="0">
+              <a:solidFill>
+                <a:schemeClr val="tx1"/>
+              </a:solidFill>
+              <a:latin typeface="Times New Roman" panose="02020603050405020304" pitchFamily="18" charset="0"/>
+              <a:cs typeface="Times New Roman" panose="02020603050405020304" pitchFamily="18" charset="0"/>
+            </a:endParaRPr>
           </a:p>
         </p:txBody>
       </p:sp>
       <p:sp>
         <p:nvSpPr>
-          <p:cNvPr id="11" name="Rounded Rectangle 10"/>
+          <p:cNvPr id="12" name="Rounded Rectangle 11"/>
           <p:cNvSpPr/>
           <p:nvPr/>
         </p:nvSpPr>
         <p:spPr>
           <a:xfrm>
-            <a:off x="3124200" y="3316974"/>
-            <a:ext cx="1752600" cy="838200"/>
+            <a:off x="6491785" y="5272585"/>
+            <a:ext cx="1905000" cy="609600"/>
           </a:xfrm>
           <a:prstGeom prst="roundRect">
             <a:avLst/>
           </a:prstGeom>
+          <a:gradFill flip="none" rotWithShape="1">
+            <a:gsLst>
+              <a:gs pos="0">
+                <a:srgbClr val="7ED48C"/>
+              </a:gs>
+              <a:gs pos="50000">
+                <a:srgbClr val="B9EDBE"/>
+              </a:gs>
+              <a:gs pos="100000">
+                <a:srgbClr val="E1F7E2"/>
+              </a:gs>
+            </a:gsLst>
+            <a:lin ang="2700000" scaled="1"/>
+            <a:tileRect/>
+          </a:gradFill>
+          <a:ln>
+            <a:noFill/>
+          </a:ln>
         </p:spPr>
         <p:style>
           <a:lnRef idx="2">
@@ -5285,27 +6092,57 @@
           <a:p>
             <a:pPr algn="ctr"/>
             <a:r>
-              <a:rPr lang="en-US" altLang="zh-CN" dirty="0" smtClean="0"/>
-              <a:t>Monitor2</a:t>
-            </a:r>
-            <a:endParaRPr lang="zh-CN" altLang="en-US" dirty="0"/>
+              <a:rPr lang="en-US" altLang="zh-CN" dirty="0" smtClean="0">
+                <a:solidFill>
+                  <a:schemeClr val="tx1"/>
+                </a:solidFill>
+                <a:latin typeface="Times New Roman" panose="02020603050405020304" pitchFamily="18" charset="0"/>
+                <a:cs typeface="Times New Roman" panose="02020603050405020304" pitchFamily="18" charset="0"/>
+              </a:rPr>
+              <a:t>App 4</a:t>
+            </a:r>
+            <a:endParaRPr lang="zh-CN" altLang="en-US" dirty="0">
+              <a:solidFill>
+                <a:schemeClr val="tx1"/>
+              </a:solidFill>
+              <a:latin typeface="Times New Roman" panose="02020603050405020304" pitchFamily="18" charset="0"/>
+              <a:cs typeface="Times New Roman" panose="02020603050405020304" pitchFamily="18" charset="0"/>
+            </a:endParaRPr>
           </a:p>
         </p:txBody>
       </p:sp>
       <p:sp>
         <p:nvSpPr>
-          <p:cNvPr id="12" name="Rounded Rectangle 11"/>
+          <p:cNvPr id="13" name="Cloud 12"/>
           <p:cNvSpPr/>
           <p:nvPr/>
         </p:nvSpPr>
         <p:spPr>
           <a:xfrm>
-            <a:off x="3124200" y="5203206"/>
-            <a:ext cx="1752600" cy="838200"/>
-          </a:xfrm>
-          <a:prstGeom prst="roundRect">
-            <a:avLst/>
-          </a:prstGeom>
+            <a:off x="2211505" y="1143000"/>
+            <a:ext cx="1981200" cy="1316583"/>
+          </a:xfrm>
+          <a:prstGeom prst="cloud">
+            <a:avLst/>
+          </a:prstGeom>
+          <a:gradFill flip="none" rotWithShape="1">
+            <a:gsLst>
+              <a:gs pos="0">
+                <a:srgbClr val="F0F523"/>
+              </a:gs>
+              <a:gs pos="50000">
+                <a:srgbClr val="F2F995"/>
+              </a:gs>
+              <a:gs pos="100000">
+                <a:srgbClr val="F8FBD7"/>
+              </a:gs>
+            </a:gsLst>
+            <a:lin ang="2700000" scaled="1"/>
+            <a:tileRect/>
+          </a:gradFill>
+          <a:ln>
+            <a:noFill/>
+          </a:ln>
         </p:spPr>
         <p:style>
           <a:lnRef idx="2">
@@ -5329,27 +6166,430 @@
           <a:p>
             <a:pPr algn="ctr"/>
             <a:r>
-              <a:rPr lang="en-US" altLang="zh-CN" dirty="0" smtClean="0"/>
-              <a:t>Monitor3</a:t>
-            </a:r>
-            <a:endParaRPr lang="zh-CN" altLang="en-US" dirty="0"/>
+              <a:rPr lang="en-US" altLang="zh-CN" dirty="0" smtClean="0">
+                <a:solidFill>
+                  <a:schemeClr val="tx1"/>
+                </a:solidFill>
+                <a:latin typeface="Times New Roman" panose="02020603050405020304" pitchFamily="18" charset="0"/>
+                <a:cs typeface="Times New Roman" panose="02020603050405020304" pitchFamily="18" charset="0"/>
+              </a:rPr>
+              <a:t>MQTT Broker</a:t>
+            </a:r>
+            <a:endParaRPr lang="zh-CN" altLang="en-US" dirty="0">
+              <a:solidFill>
+                <a:schemeClr val="tx1"/>
+              </a:solidFill>
+              <a:latin typeface="Times New Roman" panose="02020603050405020304" pitchFamily="18" charset="0"/>
+              <a:cs typeface="Times New Roman" panose="02020603050405020304" pitchFamily="18" charset="0"/>
+            </a:endParaRPr>
+          </a:p>
+        </p:txBody>
+      </p:sp>
+      <p:grpSp>
+        <p:nvGrpSpPr>
+          <p:cNvPr id="18" name="Group 22"/>
+          <p:cNvGrpSpPr/>
+          <p:nvPr/>
+        </p:nvGrpSpPr>
+        <p:grpSpPr>
+          <a:xfrm>
+            <a:off x="636512" y="2605585"/>
+            <a:ext cx="1089267" cy="1291135"/>
+            <a:chOff x="6113216" y="1437832"/>
+            <a:chExt cx="2725984" cy="5191568"/>
+          </a:xfrm>
+        </p:grpSpPr>
+        <p:pic>
+          <p:nvPicPr>
+            <p:cNvPr id="19" name="Picture 2"/>
+            <p:cNvPicPr>
+              <a:picLocks noChangeAspect="1" noChangeArrowheads="1"/>
+            </p:cNvPicPr>
+            <p:nvPr/>
+          </p:nvPicPr>
+          <p:blipFill>
+            <a:blip r:embed="rId2" cstate="print"/>
+            <a:stretch>
+              <a:fillRect/>
+            </a:stretch>
+          </p:blipFill>
+          <p:spPr bwMode="auto">
+            <a:xfrm>
+              <a:off x="6113216" y="1437832"/>
+              <a:ext cx="2725984" cy="5191568"/>
+            </a:xfrm>
+            <a:prstGeom prst="rect">
+              <a:avLst/>
+            </a:prstGeom>
+            <a:noFill/>
+            <a:ln w="9525">
+              <a:noFill/>
+              <a:miter lim="800000"/>
+              <a:headEnd/>
+              <a:tailEnd/>
+            </a:ln>
+            <a:effectLst/>
+          </p:spPr>
+        </p:pic>
+        <p:pic>
+          <p:nvPicPr>
+            <p:cNvPr id="20" name="Picture 46"/>
+            <p:cNvPicPr>
+              <a:picLocks noChangeAspect="1"/>
+            </p:cNvPicPr>
+            <p:nvPr/>
+          </p:nvPicPr>
+          <p:blipFill>
+            <a:blip r:embed="rId3" cstate="print">
+              <a:extLst>
+                <a:ext uri="{28A0092B-C50C-407E-A947-70E740481C1C}">
+                  <a14:useLocalDpi xmlns:a14="http://schemas.microsoft.com/office/drawing/2010/main" val="0"/>
+                </a:ext>
+              </a:extLst>
+            </a:blip>
+            <a:stretch>
+              <a:fillRect/>
+            </a:stretch>
+          </p:blipFill>
+          <p:spPr>
+            <a:xfrm>
+              <a:off x="6352881" y="1747318"/>
+              <a:ext cx="2249424" cy="4033379"/>
+            </a:xfrm>
+            <a:prstGeom prst="rect">
+              <a:avLst/>
+            </a:prstGeom>
+          </p:spPr>
+        </p:pic>
+      </p:grpSp>
+      <p:cxnSp>
+        <p:nvCxnSpPr>
+          <p:cNvPr id="37" name="Elbow Connector 36"/>
+          <p:cNvCxnSpPr>
+            <a:stCxn id="9" idx="1"/>
+            <a:endCxn id="61" idx="7"/>
+          </p:cNvCxnSpPr>
+          <p:nvPr/>
+        </p:nvCxnSpPr>
+        <p:spPr>
+          <a:xfrm rot="10800000" flipV="1">
+            <a:off x="5692353" y="2605585"/>
+            <a:ext cx="799432" cy="416596"/>
+          </a:xfrm>
+          <a:prstGeom prst="bentConnector2">
+            <a:avLst/>
+          </a:prstGeom>
+          <a:ln>
+            <a:tailEnd type="arrow"/>
+          </a:ln>
+        </p:spPr>
+        <p:style>
+          <a:lnRef idx="1">
+            <a:schemeClr val="accent1"/>
+          </a:lnRef>
+          <a:fillRef idx="0">
+            <a:schemeClr val="accent1"/>
+          </a:fillRef>
+          <a:effectRef idx="0">
+            <a:schemeClr val="accent1"/>
+          </a:effectRef>
+          <a:fontRef idx="minor">
+            <a:schemeClr val="tx1"/>
+          </a:fontRef>
+        </p:style>
+      </p:cxnSp>
+      <p:cxnSp>
+        <p:nvCxnSpPr>
+          <p:cNvPr id="39" name="Elbow Connector 38"/>
+          <p:cNvCxnSpPr>
+            <a:stCxn id="7" idx="1"/>
+            <a:endCxn id="61" idx="0"/>
+          </p:cNvCxnSpPr>
+          <p:nvPr/>
+        </p:nvCxnSpPr>
+        <p:spPr>
+          <a:xfrm rot="10800000" flipV="1">
+            <a:off x="4533901" y="1676400"/>
+            <a:ext cx="1957885" cy="1066800"/>
+          </a:xfrm>
+          <a:prstGeom prst="bentConnector2">
+            <a:avLst/>
+          </a:prstGeom>
+          <a:ln>
+            <a:tailEnd type="arrow"/>
+          </a:ln>
+        </p:spPr>
+        <p:style>
+          <a:lnRef idx="1">
+            <a:schemeClr val="accent1"/>
+          </a:lnRef>
+          <a:fillRef idx="0">
+            <a:schemeClr val="accent1"/>
+          </a:fillRef>
+          <a:effectRef idx="0">
+            <a:schemeClr val="accent1"/>
+          </a:effectRef>
+          <a:fontRef idx="minor">
+            <a:schemeClr val="tx1"/>
+          </a:fontRef>
+        </p:style>
+      </p:cxnSp>
+      <p:cxnSp>
+        <p:nvCxnSpPr>
+          <p:cNvPr id="41" name="Elbow Connector 40"/>
+          <p:cNvCxnSpPr>
+            <a:stCxn id="11" idx="1"/>
+            <a:endCxn id="61" idx="5"/>
+          </p:cNvCxnSpPr>
+          <p:nvPr/>
+        </p:nvCxnSpPr>
+        <p:spPr>
+          <a:xfrm rot="10800000">
+            <a:off x="5692353" y="4369220"/>
+            <a:ext cx="799432" cy="278981"/>
+          </a:xfrm>
+          <a:prstGeom prst="bentConnector2">
+            <a:avLst/>
+          </a:prstGeom>
+          <a:ln>
+            <a:tailEnd type="arrow"/>
+          </a:ln>
+        </p:spPr>
+        <p:style>
+          <a:lnRef idx="1">
+            <a:schemeClr val="accent1"/>
+          </a:lnRef>
+          <a:fillRef idx="0">
+            <a:schemeClr val="accent1"/>
+          </a:fillRef>
+          <a:effectRef idx="0">
+            <a:schemeClr val="accent1"/>
+          </a:effectRef>
+          <a:fontRef idx="minor">
+            <a:schemeClr val="tx1"/>
+          </a:fontRef>
+        </p:style>
+      </p:cxnSp>
+      <p:cxnSp>
+        <p:nvCxnSpPr>
+          <p:cNvPr id="43" name="Elbow Connector 42"/>
+          <p:cNvCxnSpPr>
+            <a:stCxn id="12" idx="1"/>
+            <a:endCxn id="61" idx="4"/>
+          </p:cNvCxnSpPr>
+          <p:nvPr/>
+        </p:nvCxnSpPr>
+        <p:spPr>
+          <a:xfrm rot="10800000">
+            <a:off x="4533901" y="4648201"/>
+            <a:ext cx="1957885" cy="929185"/>
+          </a:xfrm>
+          <a:prstGeom prst="bentConnector2">
+            <a:avLst/>
+          </a:prstGeom>
+          <a:ln>
+            <a:tailEnd type="arrow"/>
+          </a:ln>
+        </p:spPr>
+        <p:style>
+          <a:lnRef idx="1">
+            <a:schemeClr val="accent1"/>
+          </a:lnRef>
+          <a:fillRef idx="0">
+            <a:schemeClr val="accent1"/>
+          </a:fillRef>
+          <a:effectRef idx="0">
+            <a:schemeClr val="accent1"/>
+          </a:effectRef>
+          <a:fontRef idx="minor">
+            <a:schemeClr val="tx1"/>
+          </a:fontRef>
+        </p:style>
+      </p:cxnSp>
+      <p:cxnSp>
+        <p:nvCxnSpPr>
+          <p:cNvPr id="45" name="Elbow Connector 44"/>
+          <p:cNvCxnSpPr>
+            <a:stCxn id="61" idx="1"/>
+            <a:endCxn id="13" idx="1"/>
+          </p:cNvCxnSpPr>
+          <p:nvPr/>
+        </p:nvCxnSpPr>
+        <p:spPr>
+          <a:xfrm rot="16200000" flipV="1">
+            <a:off x="3006776" y="2653510"/>
+            <a:ext cx="564000" cy="173342"/>
+          </a:xfrm>
+          <a:prstGeom prst="bentConnector3">
+            <a:avLst/>
+          </a:prstGeom>
+          <a:ln>
+            <a:tailEnd type="arrow"/>
+          </a:ln>
+        </p:spPr>
+        <p:style>
+          <a:lnRef idx="1">
+            <a:schemeClr val="accent1"/>
+          </a:lnRef>
+          <a:fillRef idx="0">
+            <a:schemeClr val="accent1"/>
+          </a:fillRef>
+          <a:effectRef idx="0">
+            <a:schemeClr val="accent1"/>
+          </a:effectRef>
+          <a:fontRef idx="minor">
+            <a:schemeClr val="tx1"/>
+          </a:fontRef>
+        </p:style>
+      </p:cxnSp>
+      <p:cxnSp>
+        <p:nvCxnSpPr>
+          <p:cNvPr id="47" name="Elbow Connector 46"/>
+          <p:cNvCxnSpPr>
+            <a:stCxn id="13" idx="2"/>
+            <a:endCxn id="19" idx="0"/>
+          </p:cNvCxnSpPr>
+          <p:nvPr/>
+        </p:nvCxnSpPr>
+        <p:spPr>
+          <a:xfrm rot="10800000" flipV="1">
+            <a:off x="1181146" y="1801291"/>
+            <a:ext cx="1036504" cy="804293"/>
+          </a:xfrm>
+          <a:prstGeom prst="bentConnector2">
+            <a:avLst/>
+          </a:prstGeom>
+          <a:ln>
+            <a:tailEnd type="arrow"/>
+          </a:ln>
+        </p:spPr>
+        <p:style>
+          <a:lnRef idx="1">
+            <a:schemeClr val="accent1"/>
+          </a:lnRef>
+          <a:fillRef idx="0">
+            <a:schemeClr val="accent1"/>
+          </a:fillRef>
+          <a:effectRef idx="0">
+            <a:schemeClr val="accent1"/>
+          </a:effectRef>
+          <a:fontRef idx="minor">
+            <a:schemeClr val="tx1"/>
+          </a:fontRef>
+        </p:style>
+      </p:cxnSp>
+      <p:sp>
+        <p:nvSpPr>
+          <p:cNvPr id="48" name="TextBox 47"/>
+          <p:cNvSpPr txBox="1"/>
+          <p:nvPr/>
+        </p:nvSpPr>
+        <p:spPr>
+          <a:xfrm>
+            <a:off x="6589724" y="3220211"/>
+            <a:ext cx="1568058" cy="461665"/>
+          </a:xfrm>
+          <a:prstGeom prst="rect">
+            <a:avLst/>
+          </a:prstGeom>
+          <a:noFill/>
+        </p:spPr>
+        <p:txBody>
+          <a:bodyPr wrap="none" rtlCol="0">
+            <a:spAutoFit/>
+          </a:bodyPr>
+          <a:lstStyle/>
+          <a:p>
+            <a:r>
+              <a:rPr lang="en-US" altLang="zh-CN" dirty="0" smtClean="0">
+                <a:latin typeface="Times New Roman" panose="02020603050405020304" pitchFamily="18" charset="0"/>
+                <a:cs typeface="Times New Roman" panose="02020603050405020304" pitchFamily="18" charset="0"/>
+              </a:rPr>
+              <a:t>Computer1</a:t>
+            </a:r>
+            <a:endParaRPr lang="zh-CN" altLang="en-US" dirty="0">
+              <a:latin typeface="Times New Roman" panose="02020603050405020304" pitchFamily="18" charset="0"/>
+              <a:cs typeface="Times New Roman" panose="02020603050405020304" pitchFamily="18" charset="0"/>
+            </a:endParaRPr>
           </a:p>
         </p:txBody>
       </p:sp>
       <p:sp>
         <p:nvSpPr>
-          <p:cNvPr id="13" name="Oval 12"/>
+          <p:cNvPr id="50" name="TextBox 49"/>
+          <p:cNvSpPr txBox="1"/>
+          <p:nvPr/>
+        </p:nvSpPr>
+        <p:spPr>
+          <a:xfrm>
+            <a:off x="6589724" y="6082829"/>
+            <a:ext cx="1568058" cy="461665"/>
+          </a:xfrm>
+          <a:prstGeom prst="rect">
+            <a:avLst/>
+          </a:prstGeom>
+          <a:noFill/>
+        </p:spPr>
+        <p:txBody>
+          <a:bodyPr wrap="none" rtlCol="0">
+            <a:spAutoFit/>
+          </a:bodyPr>
+          <a:lstStyle/>
+          <a:p>
+            <a:r>
+              <a:rPr lang="en-US" altLang="zh-CN" dirty="0" smtClean="0">
+                <a:latin typeface="Times New Roman" panose="02020603050405020304" pitchFamily="18" charset="0"/>
+                <a:cs typeface="Times New Roman" panose="02020603050405020304" pitchFamily="18" charset="0"/>
+              </a:rPr>
+              <a:t>Computer2</a:t>
+            </a:r>
+            <a:endParaRPr lang="zh-CN" altLang="en-US" dirty="0">
+              <a:latin typeface="Times New Roman" panose="02020603050405020304" pitchFamily="18" charset="0"/>
+              <a:cs typeface="Times New Roman" panose="02020603050405020304" pitchFamily="18" charset="0"/>
+            </a:endParaRPr>
+          </a:p>
+        </p:txBody>
+      </p:sp>
+      <p:sp>
+        <p:nvSpPr>
+          <p:cNvPr id="49" name="Rectangle 48"/>
           <p:cNvSpPr/>
           <p:nvPr/>
         </p:nvSpPr>
         <p:spPr>
           <a:xfrm>
-            <a:off x="952500" y="3306170"/>
-            <a:ext cx="1562100" cy="859808"/>
-          </a:xfrm>
-          <a:prstGeom prst="ellipse">
-            <a:avLst/>
-          </a:prstGeom>
+            <a:off x="631435" y="5178401"/>
+            <a:ext cx="201688" cy="188368"/>
+          </a:xfrm>
+          <a:prstGeom prst="rect">
+            <a:avLst/>
+          </a:prstGeom>
+          <a:gradFill>
+            <a:gsLst>
+              <a:gs pos="0">
+                <a:schemeClr val="accent3">
+                  <a:lumMod val="60000"/>
+                  <a:lumOff val="40000"/>
+                </a:schemeClr>
+              </a:gs>
+              <a:gs pos="50000">
+                <a:schemeClr val="accent3">
+                  <a:lumMod val="40000"/>
+                  <a:lumOff val="60000"/>
+                </a:schemeClr>
+              </a:gs>
+              <a:gs pos="100000">
+                <a:schemeClr val="accent3">
+                  <a:lumMod val="20000"/>
+                  <a:lumOff val="80000"/>
+                </a:schemeClr>
+              </a:gs>
+            </a:gsLst>
+            <a:lin ang="5400000" scaled="0"/>
+          </a:gradFill>
+          <a:ln>
+            <a:noFill/>
+          </a:ln>
         </p:spPr>
         <p:style>
           <a:lnRef idx="2">
@@ -5372,28 +6612,47 @@
           <a:lstStyle/>
           <a:p>
             <a:pPr algn="ctr"/>
-            <a:r>
-              <a:rPr lang="en-US" altLang="zh-CN" dirty="0" smtClean="0"/>
-              <a:t>Broker</a:t>
-            </a:r>
-            <a:endParaRPr lang="zh-CN" altLang="en-US" dirty="0"/>
+            <a:endParaRPr lang="zh-CN" altLang="en-US">
+              <a:solidFill>
+                <a:schemeClr val="tx1"/>
+              </a:solidFill>
+              <a:latin typeface="Times New Roman" panose="02020603050405020304" pitchFamily="18" charset="0"/>
+              <a:cs typeface="Times New Roman" panose="02020603050405020304" pitchFamily="18" charset="0"/>
+            </a:endParaRPr>
           </a:p>
         </p:txBody>
       </p:sp>
       <p:sp>
         <p:nvSpPr>
-          <p:cNvPr id="14" name="Rounded Rectangle 13"/>
+          <p:cNvPr id="52" name="Rectangle 51"/>
           <p:cNvSpPr/>
           <p:nvPr/>
         </p:nvSpPr>
         <p:spPr>
           <a:xfrm>
-            <a:off x="857250" y="1527971"/>
-            <a:ext cx="1752600" cy="838200"/>
-          </a:xfrm>
-          <a:prstGeom prst="roundRect">
-            <a:avLst/>
-          </a:prstGeom>
+            <a:off x="631435" y="5577387"/>
+            <a:ext cx="201688" cy="188368"/>
+          </a:xfrm>
+          <a:prstGeom prst="rect">
+            <a:avLst/>
+          </a:prstGeom>
+          <a:gradFill>
+            <a:gsLst>
+              <a:gs pos="0">
+                <a:srgbClr val="7ED48C"/>
+              </a:gs>
+              <a:gs pos="50000">
+                <a:srgbClr val="B9EDBE"/>
+              </a:gs>
+              <a:gs pos="100000">
+                <a:srgbClr val="E1F7E2"/>
+              </a:gs>
+            </a:gsLst>
+            <a:lin ang="5400000" scaled="0"/>
+          </a:gradFill>
+          <a:ln>
+            <a:noFill/>
+          </a:ln>
         </p:spPr>
         <p:style>
           <a:lnRef idx="2">
@@ -5416,172 +6675,135 @@
           <a:lstStyle/>
           <a:p>
             <a:pPr algn="ctr"/>
-            <a:r>
-              <a:rPr lang="en-US" altLang="zh-CN" dirty="0" smtClean="0"/>
-              <a:t>Mobile</a:t>
-            </a:r>
-            <a:endParaRPr lang="zh-CN" altLang="en-US" dirty="0"/>
+            <a:endParaRPr lang="zh-CN" altLang="en-US">
+              <a:solidFill>
+                <a:schemeClr val="tx1"/>
+              </a:solidFill>
+              <a:latin typeface="Times New Roman" panose="02020603050405020304" pitchFamily="18" charset="0"/>
+              <a:cs typeface="Times New Roman" panose="02020603050405020304" pitchFamily="18" charset="0"/>
+            </a:endParaRPr>
           </a:p>
         </p:txBody>
       </p:sp>
-      <p:cxnSp>
-        <p:nvCxnSpPr>
-          <p:cNvPr id="16" name="Straight Arrow Connector 15"/>
-          <p:cNvCxnSpPr>
-            <a:stCxn id="4" idx="1"/>
-            <a:endCxn id="13" idx="7"/>
-          </p:cNvCxnSpPr>
-          <p:nvPr/>
-        </p:nvCxnSpPr>
-        <p:spPr>
-          <a:xfrm flipH="1">
-            <a:off x="2285836" y="1947360"/>
-            <a:ext cx="838364" cy="1484726"/>
-          </a:xfrm>
-          <a:prstGeom prst="straightConnector1">
-            <a:avLst/>
-          </a:prstGeom>
-          <a:ln>
-            <a:tailEnd type="arrow"/>
-          </a:ln>
-        </p:spPr>
-        <p:style>
-          <a:lnRef idx="1">
-            <a:schemeClr val="accent1"/>
-          </a:lnRef>
-          <a:fillRef idx="0">
-            <a:schemeClr val="accent1"/>
-          </a:fillRef>
-          <a:effectRef idx="0">
-            <a:schemeClr val="accent1"/>
-          </a:effectRef>
-          <a:fontRef idx="minor">
-            <a:schemeClr val="tx1"/>
-          </a:fontRef>
-        </p:style>
-      </p:cxnSp>
-      <p:cxnSp>
-        <p:nvCxnSpPr>
-          <p:cNvPr id="18" name="Straight Arrow Connector 17"/>
-          <p:cNvCxnSpPr>
-            <a:stCxn id="11" idx="1"/>
-            <a:endCxn id="13" idx="6"/>
-          </p:cNvCxnSpPr>
-          <p:nvPr/>
-        </p:nvCxnSpPr>
-        <p:spPr>
-          <a:xfrm flipH="1">
-            <a:off x="2514600" y="3736074"/>
-            <a:ext cx="609600" cy="0"/>
-          </a:xfrm>
-          <a:prstGeom prst="straightConnector1">
-            <a:avLst/>
-          </a:prstGeom>
-          <a:ln>
-            <a:tailEnd type="arrow"/>
-          </a:ln>
-        </p:spPr>
-        <p:style>
-          <a:lnRef idx="1">
-            <a:schemeClr val="accent1"/>
-          </a:lnRef>
-          <a:fillRef idx="0">
-            <a:schemeClr val="accent1"/>
-          </a:fillRef>
-          <a:effectRef idx="0">
-            <a:schemeClr val="accent1"/>
-          </a:effectRef>
-          <a:fontRef idx="minor">
-            <a:schemeClr val="tx1"/>
-          </a:fontRef>
-        </p:style>
-      </p:cxnSp>
-      <p:cxnSp>
-        <p:nvCxnSpPr>
-          <p:cNvPr id="20" name="Straight Arrow Connector 19"/>
-          <p:cNvCxnSpPr>
-            <a:stCxn id="12" idx="1"/>
-            <a:endCxn id="13" idx="5"/>
-          </p:cNvCxnSpPr>
-          <p:nvPr/>
-        </p:nvCxnSpPr>
-        <p:spPr>
-          <a:xfrm flipH="1" flipV="1">
-            <a:off x="2285836" y="4040062"/>
-            <a:ext cx="838364" cy="1582244"/>
-          </a:xfrm>
-          <a:prstGeom prst="straightConnector1">
-            <a:avLst/>
-          </a:prstGeom>
-          <a:ln>
-            <a:tailEnd type="arrow"/>
-          </a:ln>
-        </p:spPr>
-        <p:style>
-          <a:lnRef idx="1">
-            <a:schemeClr val="accent1"/>
-          </a:lnRef>
-          <a:fillRef idx="0">
-            <a:schemeClr val="accent1"/>
-          </a:fillRef>
-          <a:effectRef idx="0">
-            <a:schemeClr val="accent1"/>
-          </a:effectRef>
-          <a:fontRef idx="minor">
-            <a:schemeClr val="tx1"/>
-          </a:fontRef>
-        </p:style>
-      </p:cxnSp>
-      <p:cxnSp>
-        <p:nvCxnSpPr>
-          <p:cNvPr id="22" name="Straight Arrow Connector 21"/>
-          <p:cNvCxnSpPr>
-            <a:stCxn id="13" idx="0"/>
-            <a:endCxn id="14" idx="2"/>
-          </p:cNvCxnSpPr>
-          <p:nvPr/>
-        </p:nvCxnSpPr>
-        <p:spPr>
-          <a:xfrm flipV="1">
-            <a:off x="1733550" y="2366171"/>
-            <a:ext cx="0" cy="939999"/>
-          </a:xfrm>
-          <a:prstGeom prst="straightConnector1">
-            <a:avLst/>
-          </a:prstGeom>
-          <a:ln>
-            <a:tailEnd type="arrow"/>
-          </a:ln>
-        </p:spPr>
-        <p:style>
-          <a:lnRef idx="1">
-            <a:schemeClr val="accent1"/>
-          </a:lnRef>
-          <a:fillRef idx="0">
-            <a:schemeClr val="accent1"/>
-          </a:fillRef>
-          <a:effectRef idx="0">
-            <a:schemeClr val="accent1"/>
-          </a:effectRef>
-          <a:fontRef idx="minor">
-            <a:schemeClr val="tx1"/>
-          </a:fontRef>
-        </p:style>
-      </p:cxnSp>
       <p:sp>
         <p:nvSpPr>
-          <p:cNvPr id="24" name="Rounded Rectangle 23"/>
+          <p:cNvPr id="51" name="TextBox 50"/>
+          <p:cNvSpPr txBox="1"/>
+          <p:nvPr/>
+        </p:nvSpPr>
+        <p:spPr>
+          <a:xfrm>
+            <a:off x="989479" y="5072530"/>
+            <a:ext cx="1982321" cy="400110"/>
+          </a:xfrm>
+          <a:prstGeom prst="rect">
+            <a:avLst/>
+          </a:prstGeom>
+          <a:noFill/>
+        </p:spPr>
+        <p:txBody>
+          <a:bodyPr wrap="square" rtlCol="0">
+            <a:spAutoFit/>
+          </a:bodyPr>
+          <a:lstStyle/>
+          <a:p>
+            <a:r>
+              <a:rPr lang="en-US" altLang="zh-CN" sz="2000" dirty="0" smtClean="0">
+                <a:latin typeface="Times New Roman" panose="02020603050405020304" pitchFamily="18" charset="0"/>
+                <a:cs typeface="Times New Roman" panose="02020603050405020304" pitchFamily="18" charset="0"/>
+              </a:rPr>
+              <a:t>Java Web App</a:t>
+            </a:r>
+            <a:endParaRPr lang="zh-CN" altLang="en-US" sz="2000" dirty="0">
+              <a:latin typeface="Times New Roman" panose="02020603050405020304" pitchFamily="18" charset="0"/>
+              <a:cs typeface="Times New Roman" panose="02020603050405020304" pitchFamily="18" charset="0"/>
+            </a:endParaRPr>
+          </a:p>
+        </p:txBody>
+      </p:sp>
+      <p:sp>
+        <p:nvSpPr>
+          <p:cNvPr id="54" name="TextBox 53"/>
+          <p:cNvSpPr txBox="1"/>
+          <p:nvPr/>
+        </p:nvSpPr>
+        <p:spPr>
+          <a:xfrm>
+            <a:off x="989479" y="5493560"/>
+            <a:ext cx="1677521" cy="400110"/>
+          </a:xfrm>
+          <a:prstGeom prst="rect">
+            <a:avLst/>
+          </a:prstGeom>
+          <a:noFill/>
+        </p:spPr>
+        <p:txBody>
+          <a:bodyPr wrap="square" rtlCol="0">
+            <a:spAutoFit/>
+          </a:bodyPr>
+          <a:lstStyle/>
+          <a:p>
+            <a:r>
+              <a:rPr lang="en-US" altLang="zh-CN" sz="2000" dirty="0" err="1" smtClean="0">
+                <a:latin typeface="Times New Roman" panose="02020603050405020304" pitchFamily="18" charset="0"/>
+                <a:cs typeface="Times New Roman" panose="02020603050405020304" pitchFamily="18" charset="0"/>
+              </a:rPr>
+              <a:t>Nodejs</a:t>
+            </a:r>
+            <a:r>
+              <a:rPr lang="en-US" altLang="zh-CN" sz="2000" dirty="0" smtClean="0">
+                <a:latin typeface="Times New Roman" panose="02020603050405020304" pitchFamily="18" charset="0"/>
+                <a:cs typeface="Times New Roman" panose="02020603050405020304" pitchFamily="18" charset="0"/>
+              </a:rPr>
+              <a:t> App</a:t>
+            </a:r>
+            <a:endParaRPr lang="zh-CN" altLang="en-US" sz="2000" dirty="0">
+              <a:latin typeface="Times New Roman" panose="02020603050405020304" pitchFamily="18" charset="0"/>
+              <a:cs typeface="Times New Roman" panose="02020603050405020304" pitchFamily="18" charset="0"/>
+            </a:endParaRPr>
+          </a:p>
+        </p:txBody>
+      </p:sp>
+      <p:sp>
+        <p:nvSpPr>
+          <p:cNvPr id="55" name="Rectangle 54"/>
           <p:cNvSpPr/>
           <p:nvPr/>
         </p:nvSpPr>
         <p:spPr>
           <a:xfrm>
-            <a:off x="6055862" y="1371600"/>
-            <a:ext cx="497338" cy="838199"/>
-          </a:xfrm>
-          <a:prstGeom prst="roundRect">
-            <a:avLst/>
-          </a:prstGeom>
+            <a:off x="646408" y="4778291"/>
+            <a:ext cx="201688" cy="188368"/>
+          </a:xfrm>
+          <a:prstGeom prst="rect">
+            <a:avLst/>
+          </a:prstGeom>
+          <a:gradFill>
+            <a:gsLst>
+              <a:gs pos="0">
+                <a:schemeClr val="accent1">
+                  <a:lumMod val="60000"/>
+                  <a:lumOff val="40000"/>
+                </a:schemeClr>
+              </a:gs>
+              <a:gs pos="50000">
+                <a:schemeClr val="accent1">
+                  <a:lumMod val="40000"/>
+                  <a:lumOff val="60000"/>
+                </a:schemeClr>
+              </a:gs>
+              <a:gs pos="100000">
+                <a:schemeClr val="accent1">
+                  <a:lumMod val="20000"/>
+                  <a:lumOff val="80000"/>
+                </a:schemeClr>
+              </a:gs>
+            </a:gsLst>
+            <a:lin ang="5400000" scaled="0"/>
+          </a:gradFill>
+          <a:ln>
+            <a:noFill/>
+          </a:ln>
         </p:spPr>
         <p:style>
           <a:lnRef idx="2">
@@ -5604,436 +6826,104 @@
           <a:lstStyle/>
           <a:p>
             <a:pPr algn="ctr"/>
-            <a:r>
-              <a:rPr lang="en-US" altLang="zh-CN" dirty="0"/>
-              <a:t>P</a:t>
-            </a:r>
-            <a:endParaRPr lang="zh-CN" altLang="en-US" dirty="0"/>
+            <a:endParaRPr lang="zh-CN" altLang="en-US">
+              <a:solidFill>
+                <a:schemeClr val="tx1"/>
+              </a:solidFill>
+              <a:latin typeface="Times New Roman" panose="02020603050405020304" pitchFamily="18" charset="0"/>
+              <a:cs typeface="Times New Roman" panose="02020603050405020304" pitchFamily="18" charset="0"/>
+            </a:endParaRPr>
           </a:p>
         </p:txBody>
       </p:sp>
       <p:sp>
         <p:nvSpPr>
-          <p:cNvPr id="25" name="Rounded Rectangle 24"/>
-          <p:cNvSpPr/>
+          <p:cNvPr id="56" name="TextBox 55"/>
+          <p:cNvSpPr txBox="1"/>
           <p:nvPr/>
         </p:nvSpPr>
         <p:spPr>
           <a:xfrm>
-            <a:off x="6055862" y="3200400"/>
-            <a:ext cx="487102" cy="838199"/>
-          </a:xfrm>
-          <a:prstGeom prst="roundRect">
-            <a:avLst/>
-          </a:prstGeom>
-        </p:spPr>
-        <p:style>
-          <a:lnRef idx="2">
-            <a:schemeClr val="accent1">
-              <a:shade val="50000"/>
-            </a:schemeClr>
-          </a:lnRef>
-          <a:fillRef idx="1">
-            <a:schemeClr val="accent1"/>
-          </a:fillRef>
-          <a:effectRef idx="0">
-            <a:schemeClr val="accent1"/>
-          </a:effectRef>
-          <a:fontRef idx="minor">
-            <a:schemeClr val="lt1"/>
-          </a:fontRef>
-        </p:style>
+            <a:off x="1004452" y="4672420"/>
+            <a:ext cx="1891148" cy="400110"/>
+          </a:xfrm>
+          <a:prstGeom prst="rect">
+            <a:avLst/>
+          </a:prstGeom>
+          <a:noFill/>
+        </p:spPr>
         <p:txBody>
-          <a:bodyPr rtlCol="0" anchor="ctr"/>
+          <a:bodyPr wrap="square" rtlCol="0">
+            <a:spAutoFit/>
+          </a:bodyPr>
           <a:lstStyle/>
           <a:p>
-            <a:pPr algn="ctr"/>
-            <a:r>
-              <a:rPr lang="en-US" altLang="zh-CN" dirty="0"/>
-              <a:t>P</a:t>
-            </a:r>
-            <a:endParaRPr lang="zh-CN" altLang="en-US" dirty="0"/>
+            <a:r>
+              <a:rPr lang="en-US" altLang="zh-CN" sz="2000" dirty="0" smtClean="0">
+                <a:latin typeface="Times New Roman" panose="02020603050405020304" pitchFamily="18" charset="0"/>
+                <a:cs typeface="Times New Roman" panose="02020603050405020304" pitchFamily="18" charset="0"/>
+              </a:rPr>
+              <a:t>Java Program</a:t>
+            </a:r>
+            <a:endParaRPr lang="zh-CN" altLang="en-US" sz="2000" dirty="0">
+              <a:latin typeface="Times New Roman" panose="02020603050405020304" pitchFamily="18" charset="0"/>
+              <a:cs typeface="Times New Roman" panose="02020603050405020304" pitchFamily="18" charset="0"/>
+            </a:endParaRPr>
           </a:p>
         </p:txBody>
       </p:sp>
       <p:sp>
         <p:nvSpPr>
-          <p:cNvPr id="26" name="Rounded Rectangle 25"/>
-          <p:cNvSpPr/>
-          <p:nvPr/>
+          <p:cNvPr id="57" name="Title 1"/>
+          <p:cNvSpPr>
+            <a:spLocks noGrp="1"/>
+          </p:cNvSpPr>
+          <p:nvPr>
+            <p:ph type="title"/>
+          </p:nvPr>
         </p:nvSpPr>
         <p:spPr>
           <a:xfrm>
-            <a:off x="6055862" y="5105400"/>
-            <a:ext cx="487102" cy="803754"/>
-          </a:xfrm>
-          <a:prstGeom prst="roundRect">
-            <a:avLst/>
-          </a:prstGeom>
-        </p:spPr>
-        <p:style>
-          <a:lnRef idx="2">
-            <a:schemeClr val="accent1">
-              <a:shade val="50000"/>
-            </a:schemeClr>
-          </a:lnRef>
-          <a:fillRef idx="1">
-            <a:schemeClr val="accent1"/>
-          </a:fillRef>
-          <a:effectRef idx="0">
-            <a:schemeClr val="accent1"/>
-          </a:effectRef>
-          <a:fontRef idx="minor">
-            <a:schemeClr val="lt1"/>
-          </a:fontRef>
-        </p:style>
+            <a:off x="1665355" y="448330"/>
+            <a:ext cx="7208643" cy="540000"/>
+          </a:xfrm>
+        </p:spPr>
         <p:txBody>
-          <a:bodyPr rtlCol="0" anchor="ctr"/>
+          <a:bodyPr/>
           <a:lstStyle/>
           <a:p>
-            <a:pPr algn="ctr"/>
-            <a:r>
-              <a:rPr lang="en-US" altLang="zh-CN" dirty="0"/>
-              <a:t>P</a:t>
+            <a:r>
+              <a:rPr lang="en-US" altLang="zh-CN" b="0" dirty="0" smtClean="0">
+                <a:latin typeface="Times New Roman" panose="02020603050405020304" pitchFamily="18" charset="0"/>
+                <a:cs typeface="Times New Roman" panose="02020603050405020304" pitchFamily="18" charset="0"/>
+              </a:rPr>
+              <a:t>Solution</a:t>
+            </a:r>
+            <a:r>
+              <a:rPr lang="en-US" altLang="zh-CN" dirty="0" smtClean="0"/>
+              <a:t>	</a:t>
             </a:r>
             <a:endParaRPr lang="zh-CN" altLang="en-US" dirty="0"/>
           </a:p>
         </p:txBody>
       </p:sp>
-      <p:cxnSp>
-        <p:nvCxnSpPr>
-          <p:cNvPr id="28" name="Straight Arrow Connector 27"/>
-          <p:cNvCxnSpPr>
-            <a:stCxn id="24" idx="1"/>
-            <a:endCxn id="4" idx="3"/>
-          </p:cNvCxnSpPr>
-          <p:nvPr/>
-        </p:nvCxnSpPr>
-        <p:spPr>
-          <a:xfrm flipH="1">
-            <a:off x="4876800" y="1790700"/>
-            <a:ext cx="1179062" cy="156660"/>
-          </a:xfrm>
-          <a:prstGeom prst="straightConnector1">
-            <a:avLst/>
-          </a:prstGeom>
-          <a:ln>
-            <a:tailEnd type="arrow"/>
-          </a:ln>
-        </p:spPr>
-        <p:style>
-          <a:lnRef idx="1">
-            <a:schemeClr val="accent1"/>
-          </a:lnRef>
-          <a:fillRef idx="0">
-            <a:schemeClr val="accent1"/>
-          </a:fillRef>
-          <a:effectRef idx="0">
-            <a:schemeClr val="accent1"/>
-          </a:effectRef>
-          <a:fontRef idx="minor">
-            <a:schemeClr val="tx1"/>
-          </a:fontRef>
-        </p:style>
-      </p:cxnSp>
-      <p:cxnSp>
-        <p:nvCxnSpPr>
-          <p:cNvPr id="30" name="Straight Arrow Connector 29"/>
-          <p:cNvCxnSpPr>
-            <a:stCxn id="24" idx="1"/>
-            <a:endCxn id="11" idx="3"/>
-          </p:cNvCxnSpPr>
-          <p:nvPr/>
-        </p:nvCxnSpPr>
-        <p:spPr>
-          <a:xfrm flipH="1">
-            <a:off x="4876800" y="1790700"/>
-            <a:ext cx="1179062" cy="1945374"/>
-          </a:xfrm>
-          <a:prstGeom prst="straightConnector1">
-            <a:avLst/>
-          </a:prstGeom>
-          <a:ln>
-            <a:tailEnd type="arrow"/>
-          </a:ln>
-        </p:spPr>
-        <p:style>
-          <a:lnRef idx="1">
-            <a:schemeClr val="accent1"/>
-          </a:lnRef>
-          <a:fillRef idx="0">
-            <a:schemeClr val="accent1"/>
-          </a:fillRef>
-          <a:effectRef idx="0">
-            <a:schemeClr val="accent1"/>
-          </a:effectRef>
-          <a:fontRef idx="minor">
-            <a:schemeClr val="tx1"/>
-          </a:fontRef>
-        </p:style>
-      </p:cxnSp>
-      <p:cxnSp>
-        <p:nvCxnSpPr>
-          <p:cNvPr id="32" name="Straight Arrow Connector 31"/>
-          <p:cNvCxnSpPr>
-            <a:stCxn id="24" idx="1"/>
-            <a:endCxn id="12" idx="3"/>
-          </p:cNvCxnSpPr>
-          <p:nvPr/>
-        </p:nvCxnSpPr>
-        <p:spPr>
-          <a:xfrm flipH="1">
-            <a:off x="4876800" y="1790700"/>
-            <a:ext cx="1179062" cy="3831606"/>
-          </a:xfrm>
-          <a:prstGeom prst="straightConnector1">
-            <a:avLst/>
-          </a:prstGeom>
-          <a:ln>
-            <a:tailEnd type="arrow"/>
-          </a:ln>
-        </p:spPr>
-        <p:style>
-          <a:lnRef idx="1">
-            <a:schemeClr val="accent1"/>
-          </a:lnRef>
-          <a:fillRef idx="0">
-            <a:schemeClr val="accent1"/>
-          </a:fillRef>
-          <a:effectRef idx="0">
-            <a:schemeClr val="accent1"/>
-          </a:effectRef>
-          <a:fontRef idx="minor">
-            <a:schemeClr val="tx1"/>
-          </a:fontRef>
-        </p:style>
-      </p:cxnSp>
-      <p:cxnSp>
-        <p:nvCxnSpPr>
-          <p:cNvPr id="34" name="Straight Arrow Connector 33"/>
-          <p:cNvCxnSpPr>
-            <a:stCxn id="25" idx="1"/>
-            <a:endCxn id="4" idx="3"/>
-          </p:cNvCxnSpPr>
-          <p:nvPr/>
-        </p:nvCxnSpPr>
-        <p:spPr>
-          <a:xfrm flipH="1" flipV="1">
-            <a:off x="4876800" y="1947360"/>
-            <a:ext cx="1179062" cy="1672140"/>
-          </a:xfrm>
-          <a:prstGeom prst="straightConnector1">
-            <a:avLst/>
-          </a:prstGeom>
-          <a:ln>
-            <a:tailEnd type="arrow"/>
-          </a:ln>
-        </p:spPr>
-        <p:style>
-          <a:lnRef idx="1">
-            <a:schemeClr val="accent1"/>
-          </a:lnRef>
-          <a:fillRef idx="0">
-            <a:schemeClr val="accent1"/>
-          </a:fillRef>
-          <a:effectRef idx="0">
-            <a:schemeClr val="accent1"/>
-          </a:effectRef>
-          <a:fontRef idx="minor">
-            <a:schemeClr val="tx1"/>
-          </a:fontRef>
-        </p:style>
-      </p:cxnSp>
-      <p:cxnSp>
-        <p:nvCxnSpPr>
-          <p:cNvPr id="36" name="Straight Arrow Connector 35"/>
-          <p:cNvCxnSpPr>
-            <a:stCxn id="25" idx="1"/>
-            <a:endCxn id="11" idx="3"/>
-          </p:cNvCxnSpPr>
-          <p:nvPr/>
-        </p:nvCxnSpPr>
-        <p:spPr>
-          <a:xfrm flipH="1">
-            <a:off x="4876800" y="3619500"/>
-            <a:ext cx="1179062" cy="116574"/>
-          </a:xfrm>
-          <a:prstGeom prst="straightConnector1">
-            <a:avLst/>
-          </a:prstGeom>
-          <a:ln>
-            <a:tailEnd type="arrow"/>
-          </a:ln>
-        </p:spPr>
-        <p:style>
-          <a:lnRef idx="1">
-            <a:schemeClr val="accent1"/>
-          </a:lnRef>
-          <a:fillRef idx="0">
-            <a:schemeClr val="accent1"/>
-          </a:fillRef>
-          <a:effectRef idx="0">
-            <a:schemeClr val="accent1"/>
-          </a:effectRef>
-          <a:fontRef idx="minor">
-            <a:schemeClr val="tx1"/>
-          </a:fontRef>
-        </p:style>
-      </p:cxnSp>
-      <p:cxnSp>
-        <p:nvCxnSpPr>
-          <p:cNvPr id="38" name="Straight Arrow Connector 37"/>
-          <p:cNvCxnSpPr>
-            <a:stCxn id="25" idx="1"/>
-            <a:endCxn id="12" idx="3"/>
-          </p:cNvCxnSpPr>
-          <p:nvPr/>
-        </p:nvCxnSpPr>
-        <p:spPr>
-          <a:xfrm flipH="1">
-            <a:off x="4876800" y="3619500"/>
-            <a:ext cx="1179062" cy="2002806"/>
-          </a:xfrm>
-          <a:prstGeom prst="straightConnector1">
-            <a:avLst/>
-          </a:prstGeom>
-          <a:ln>
-            <a:tailEnd type="arrow"/>
-          </a:ln>
-        </p:spPr>
-        <p:style>
-          <a:lnRef idx="1">
-            <a:schemeClr val="accent1"/>
-          </a:lnRef>
-          <a:fillRef idx="0">
-            <a:schemeClr val="accent1"/>
-          </a:fillRef>
-          <a:effectRef idx="0">
-            <a:schemeClr val="accent1"/>
-          </a:effectRef>
-          <a:fontRef idx="minor">
-            <a:schemeClr val="tx1"/>
-          </a:fontRef>
-        </p:style>
-      </p:cxnSp>
-      <p:cxnSp>
-        <p:nvCxnSpPr>
-          <p:cNvPr id="40" name="Straight Arrow Connector 39"/>
-          <p:cNvCxnSpPr>
-            <a:stCxn id="26" idx="1"/>
-            <a:endCxn id="4" idx="3"/>
-          </p:cNvCxnSpPr>
-          <p:nvPr/>
-        </p:nvCxnSpPr>
-        <p:spPr>
-          <a:xfrm flipH="1" flipV="1">
-            <a:off x="4876800" y="1947360"/>
-            <a:ext cx="1179062" cy="3559917"/>
-          </a:xfrm>
-          <a:prstGeom prst="straightConnector1">
-            <a:avLst/>
-          </a:prstGeom>
-          <a:ln>
-            <a:tailEnd type="arrow"/>
-          </a:ln>
-        </p:spPr>
-        <p:style>
-          <a:lnRef idx="1">
-            <a:schemeClr val="accent1"/>
-          </a:lnRef>
-          <a:fillRef idx="0">
-            <a:schemeClr val="accent1"/>
-          </a:fillRef>
-          <a:effectRef idx="0">
-            <a:schemeClr val="accent1"/>
-          </a:effectRef>
-          <a:fontRef idx="minor">
-            <a:schemeClr val="tx1"/>
-          </a:fontRef>
-        </p:style>
-      </p:cxnSp>
-      <p:cxnSp>
-        <p:nvCxnSpPr>
-          <p:cNvPr id="42" name="Straight Arrow Connector 41"/>
-          <p:cNvCxnSpPr>
-            <a:stCxn id="26" idx="1"/>
-            <a:endCxn id="11" idx="3"/>
-          </p:cNvCxnSpPr>
-          <p:nvPr/>
-        </p:nvCxnSpPr>
-        <p:spPr>
-          <a:xfrm flipH="1" flipV="1">
-            <a:off x="4876800" y="3736074"/>
-            <a:ext cx="1179062" cy="1771203"/>
-          </a:xfrm>
-          <a:prstGeom prst="straightConnector1">
-            <a:avLst/>
-          </a:prstGeom>
-          <a:ln>
-            <a:tailEnd type="arrow"/>
-          </a:ln>
-        </p:spPr>
-        <p:style>
-          <a:lnRef idx="1">
-            <a:schemeClr val="accent1"/>
-          </a:lnRef>
-          <a:fillRef idx="0">
-            <a:schemeClr val="accent1"/>
-          </a:fillRef>
-          <a:effectRef idx="0">
-            <a:schemeClr val="accent1"/>
-          </a:effectRef>
-          <a:fontRef idx="minor">
-            <a:schemeClr val="tx1"/>
-          </a:fontRef>
-        </p:style>
-      </p:cxnSp>
-      <p:cxnSp>
-        <p:nvCxnSpPr>
-          <p:cNvPr id="44" name="Straight Arrow Connector 43"/>
-          <p:cNvCxnSpPr>
-            <a:stCxn id="26" idx="1"/>
-            <a:endCxn id="12" idx="3"/>
-          </p:cNvCxnSpPr>
-          <p:nvPr/>
-        </p:nvCxnSpPr>
-        <p:spPr>
-          <a:xfrm flipH="1">
-            <a:off x="4876800" y="5507277"/>
-            <a:ext cx="1179062" cy="115029"/>
-          </a:xfrm>
-          <a:prstGeom prst="straightConnector1">
-            <a:avLst/>
-          </a:prstGeom>
-          <a:ln>
-            <a:tailEnd type="arrow"/>
-          </a:ln>
-        </p:spPr>
-        <p:style>
-          <a:lnRef idx="1">
-            <a:schemeClr val="accent1"/>
-          </a:lnRef>
-          <a:fillRef idx="0">
-            <a:schemeClr val="accent1"/>
-          </a:fillRef>
-          <a:effectRef idx="0">
-            <a:schemeClr val="accent1"/>
-          </a:effectRef>
-          <a:fontRef idx="minor">
-            <a:schemeClr val="tx1"/>
-          </a:fontRef>
-        </p:style>
-      </p:cxnSp>
     </p:spTree>
     <p:extLst>
       <p:ext uri="{BB962C8B-B14F-4D97-AF65-F5344CB8AC3E}">
-        <p14:creationId xmlns:p14="http://schemas.microsoft.com/office/powerpoint/2010/main" val="3758936088"/>
+        <p14:creationId xmlns:p14="http://schemas.microsoft.com/office/powerpoint/2010/main" val="195979748"/>
       </p:ext>
     </p:extLst>
   </p:cSld>
   <p:clrMapOvr>
     <a:masterClrMapping/>
   </p:clrMapOvr>
+  <p:timing>
+    <p:tnLst>
+      <p:par>
+        <p:cTn id="1" dur="indefinite" restart="never" nodeType="tmRoot"/>
+      </p:par>
+    </p:tnLst>
+  </p:timing>
 </p:sld>
 </file>
 
@@ -6056,1555 +6946,21 @@
       </p:grpSpPr>
       <p:sp>
         <p:nvSpPr>
-          <p:cNvPr id="6" name="Title 1"/>
-          <p:cNvSpPr>
-            <a:spLocks noGrp="1"/>
-          </p:cNvSpPr>
-          <p:nvPr>
-            <p:ph type="title"/>
-          </p:nvPr>
-        </p:nvSpPr>
-        <p:spPr>
-          <a:xfrm>
-            <a:off x="1527612" y="381000"/>
-            <a:ext cx="6397188" cy="540000"/>
-          </a:xfrm>
-        </p:spPr>
-        <p:txBody>
-          <a:bodyPr/>
-          <a:lstStyle/>
-          <a:p>
-            <a:r>
-              <a:rPr lang="en-US" altLang="zh-CN" dirty="0" smtClean="0">
-                <a:latin typeface="微软雅黑" panose="020B0503020204020204" pitchFamily="34" charset="-122"/>
-                <a:ea typeface="微软雅黑" panose="020B0503020204020204" pitchFamily="34" charset="-122"/>
-                <a:cs typeface="Microsoft Sans Serif" pitchFamily="34" charset="0"/>
-              </a:rPr>
-              <a:t>N-Integration</a:t>
-            </a:r>
-            <a:endParaRPr lang="en-US" dirty="0">
-              <a:latin typeface="微软雅黑" panose="020B0503020204020204" pitchFamily="34" charset="-122"/>
-              <a:ea typeface="微软雅黑" panose="020B0503020204020204" pitchFamily="34" charset="-122"/>
-              <a:cs typeface="Microsoft Sans Serif" pitchFamily="34" charset="0"/>
-            </a:endParaRPr>
-          </a:p>
-        </p:txBody>
-      </p:sp>
-      <p:sp>
-        <p:nvSpPr>
-          <p:cNvPr id="7" name="圆角矩形 6"/>
+          <p:cNvPr id="15" name="Rectangle 14"/>
           <p:cNvSpPr/>
           <p:nvPr/>
         </p:nvSpPr>
-        <p:spPr bwMode="auto">
-          <a:xfrm>
-            <a:off x="1259634" y="3501008"/>
-            <a:ext cx="6840758" cy="652865"/>
-          </a:xfrm>
-          <a:prstGeom prst="roundRect">
+        <p:spPr>
+          <a:xfrm>
+            <a:off x="4876800" y="2057400"/>
+            <a:ext cx="3581400" cy="3276600"/>
+          </a:xfrm>
+          <a:prstGeom prst="rect">
             <a:avLst/>
           </a:prstGeom>
           <a:noFill/>
-          <a:ln w="9525" cap="flat" cmpd="sng" algn="ctr">
-            <a:solidFill>
-              <a:schemeClr val="tx1"/>
-            </a:solidFill>
-            <a:prstDash val="solid"/>
-            <a:round/>
-            <a:headEnd type="none" w="med" len="med"/>
-            <a:tailEnd type="none" w="med" len="med"/>
-          </a:ln>
-          <a:effectLst/>
-        </p:spPr>
-        <p:txBody>
-          <a:bodyPr vert="horz" wrap="square" lIns="91440" tIns="45720" rIns="91440" bIns="45720" numCol="1" rtlCol="0" anchor="ctr" anchorCtr="0" compatLnSpc="1">
-            <a:prstTxWarp prst="textNoShape">
-              <a:avLst/>
-            </a:prstTxWarp>
-          </a:bodyPr>
-          <a:lstStyle/>
-          <a:p>
-            <a:pPr algn="ctr"/>
-            <a:r>
-              <a:rPr lang="en-US" altLang="zh-CN" dirty="0" smtClean="0">
-                <a:latin typeface="微软雅黑" pitchFamily="34" charset="-122"/>
-                <a:ea typeface="微软雅黑" pitchFamily="34" charset="-122"/>
-              </a:rPr>
-              <a:t>Message Broker(</a:t>
-            </a:r>
-            <a:r>
-              <a:rPr lang="en-US" altLang="zh-CN" dirty="0" err="1" smtClean="0">
-                <a:latin typeface="微软雅黑" pitchFamily="34" charset="-122"/>
-                <a:ea typeface="微软雅黑" pitchFamily="34" charset="-122"/>
-              </a:rPr>
-              <a:t>ActiveMQ</a:t>
-            </a:r>
-            <a:r>
-              <a:rPr lang="en-US" altLang="zh-CN" dirty="0" smtClean="0">
-                <a:latin typeface="微软雅黑" pitchFamily="34" charset="-122"/>
-                <a:ea typeface="微软雅黑" pitchFamily="34" charset="-122"/>
-              </a:rPr>
-              <a:t>)</a:t>
-            </a:r>
-            <a:endParaRPr lang="zh-CN" altLang="en-US" dirty="0">
-              <a:latin typeface="微软雅黑" pitchFamily="34" charset="-122"/>
-              <a:ea typeface="微软雅黑" pitchFamily="34" charset="-122"/>
-            </a:endParaRPr>
-          </a:p>
-        </p:txBody>
-      </p:sp>
-      <p:sp>
-        <p:nvSpPr>
-          <p:cNvPr id="8" name="圆角矩形 7"/>
-          <p:cNvSpPr/>
-          <p:nvPr/>
-        </p:nvSpPr>
-        <p:spPr bwMode="auto">
-          <a:xfrm>
-            <a:off x="5105400" y="1193923"/>
-            <a:ext cx="1388895" cy="792088"/>
-          </a:xfrm>
-          <a:prstGeom prst="roundRect">
-            <a:avLst/>
-          </a:prstGeom>
-          <a:solidFill>
-            <a:srgbClr val="FFC000"/>
-          </a:solidFill>
-          <a:ln w="9525" cap="flat" cmpd="sng" algn="ctr">
-            <a:solidFill>
-              <a:schemeClr val="bg1"/>
-            </a:solidFill>
-            <a:prstDash val="solid"/>
-            <a:round/>
-            <a:headEnd type="none" w="med" len="med"/>
-            <a:tailEnd type="none" w="med" len="med"/>
-          </a:ln>
-          <a:effectLst/>
-        </p:spPr>
-        <p:txBody>
-          <a:bodyPr vert="horz" wrap="square" lIns="91440" tIns="45720" rIns="91440" bIns="45720" numCol="1" rtlCol="0" anchor="ctr" anchorCtr="0" compatLnSpc="1">
-            <a:prstTxWarp prst="textNoShape">
-              <a:avLst/>
-            </a:prstTxWarp>
-          </a:bodyPr>
-          <a:lstStyle/>
-          <a:p>
-            <a:pPr algn="ctr"/>
-            <a:r>
-              <a:rPr lang="en-US" altLang="zh-CN" sz="2000" dirty="0" smtClean="0">
-                <a:solidFill>
-                  <a:schemeClr val="bg1"/>
-                </a:solidFill>
-                <a:latin typeface="微软雅黑" pitchFamily="34" charset="-122"/>
-                <a:ea typeface="微软雅黑" pitchFamily="34" charset="-122"/>
-              </a:rPr>
-              <a:t>Mobile</a:t>
-            </a:r>
-          </a:p>
-          <a:p>
-            <a:pPr algn="ctr"/>
-            <a:r>
-              <a:rPr lang="en-US" altLang="zh-CN" sz="2000" dirty="0" smtClean="0">
-                <a:solidFill>
-                  <a:schemeClr val="bg1"/>
-                </a:solidFill>
-                <a:latin typeface="微软雅黑" pitchFamily="34" charset="-122"/>
-                <a:ea typeface="微软雅黑" pitchFamily="34" charset="-122"/>
-              </a:rPr>
-              <a:t>Device</a:t>
-            </a:r>
-            <a:endParaRPr lang="zh-CN" altLang="en-US" sz="2000" dirty="0">
-              <a:solidFill>
-                <a:schemeClr val="bg1"/>
-              </a:solidFill>
-              <a:latin typeface="微软雅黑" pitchFamily="34" charset="-122"/>
-              <a:ea typeface="微软雅黑" pitchFamily="34" charset="-122"/>
-            </a:endParaRPr>
-          </a:p>
-        </p:txBody>
-      </p:sp>
-      <p:cxnSp>
-        <p:nvCxnSpPr>
-          <p:cNvPr id="9" name="直接连接符 78"/>
-          <p:cNvCxnSpPr/>
-          <p:nvPr/>
-        </p:nvCxnSpPr>
-        <p:spPr bwMode="auto">
-          <a:xfrm>
-            <a:off x="2195734" y="4153873"/>
-            <a:ext cx="2" cy="555218"/>
-          </a:xfrm>
-          <a:prstGeom prst="straightConnector1">
-            <a:avLst/>
-          </a:prstGeom>
-          <a:solidFill>
-            <a:schemeClr val="accent1"/>
-          </a:solidFill>
-          <a:ln w="28575" cap="flat" cmpd="sng" algn="ctr">
-            <a:solidFill>
-              <a:schemeClr val="tx1"/>
-            </a:solidFill>
-            <a:prstDash val="solid"/>
-            <a:round/>
-            <a:headEnd type="triangle" w="med" len="med"/>
-            <a:tailEnd type="triangle" w="med" len="med"/>
-          </a:ln>
-          <a:effectLst/>
-        </p:spPr>
-      </p:cxnSp>
-      <p:sp>
-        <p:nvSpPr>
-          <p:cNvPr id="11" name="Text Box 45"/>
-          <p:cNvSpPr txBox="1">
-            <a:spLocks noChangeArrowheads="1"/>
-          </p:cNvSpPr>
-          <p:nvPr/>
-        </p:nvSpPr>
-        <p:spPr bwMode="auto">
-          <a:xfrm>
-            <a:off x="1331640" y="5962674"/>
-            <a:ext cx="1872208" cy="307777"/>
-          </a:xfrm>
-          <a:prstGeom prst="rect">
-            <a:avLst/>
-          </a:prstGeom>
-          <a:noFill/>
-          <a:ln w="9525">
-            <a:noFill/>
-            <a:miter lim="800000"/>
-            <a:headEnd/>
-            <a:tailEnd/>
-          </a:ln>
-        </p:spPr>
-        <p:txBody>
-          <a:bodyPr wrap="square">
-            <a:spAutoFit/>
-          </a:bodyPr>
-          <a:lstStyle/>
-          <a:p>
-            <a:pPr algn="ctr">
-              <a:spcBef>
-                <a:spcPct val="50000"/>
-              </a:spcBef>
-            </a:pPr>
-            <a:r>
-              <a:rPr lang="en-US" altLang="zh-CN" sz="1400" dirty="0" smtClean="0">
-                <a:latin typeface="微软雅黑" pitchFamily="34" charset="-122"/>
-                <a:ea typeface="微软雅黑" pitchFamily="34" charset="-122"/>
-              </a:rPr>
-              <a:t>P-Process</a:t>
-            </a:r>
-            <a:endParaRPr lang="de-DE" sz="1400" dirty="0">
-              <a:latin typeface="微软雅黑" pitchFamily="34" charset="-122"/>
-              <a:ea typeface="微软雅黑" pitchFamily="34" charset="-122"/>
-            </a:endParaRPr>
-          </a:p>
-        </p:txBody>
-      </p:sp>
-      <p:sp>
-        <p:nvSpPr>
-          <p:cNvPr id="12" name="圆角矩形 11"/>
-          <p:cNvSpPr/>
-          <p:nvPr/>
-        </p:nvSpPr>
-        <p:spPr bwMode="auto">
-          <a:xfrm>
-            <a:off x="1547664" y="5157191"/>
-            <a:ext cx="1388895" cy="792088"/>
-          </a:xfrm>
-          <a:prstGeom prst="roundRect">
-            <a:avLst/>
-          </a:prstGeom>
-          <a:solidFill>
-            <a:srgbClr val="FFC000"/>
-          </a:solidFill>
-          <a:ln w="9525" cap="flat" cmpd="sng" algn="ctr">
-            <a:solidFill>
-              <a:schemeClr val="bg1"/>
-            </a:solidFill>
-            <a:prstDash val="solid"/>
-            <a:round/>
-            <a:headEnd type="none" w="med" len="med"/>
-            <a:tailEnd type="none" w="med" len="med"/>
-          </a:ln>
-          <a:effectLst/>
-        </p:spPr>
-        <p:txBody>
-          <a:bodyPr vert="horz" wrap="square" lIns="91440" tIns="45720" rIns="91440" bIns="45720" numCol="1" rtlCol="0" anchor="ctr" anchorCtr="0" compatLnSpc="1">
-            <a:prstTxWarp prst="textNoShape">
-              <a:avLst/>
-            </a:prstTxWarp>
-          </a:bodyPr>
-          <a:lstStyle/>
-          <a:p>
-            <a:pPr algn="ctr"/>
-            <a:r>
-              <a:rPr lang="en-US" altLang="zh-CN" sz="2000" dirty="0" smtClean="0">
-                <a:solidFill>
-                  <a:schemeClr val="bg1"/>
-                </a:solidFill>
-                <a:latin typeface="微软雅黑" pitchFamily="34" charset="-122"/>
-                <a:ea typeface="微软雅黑" pitchFamily="34" charset="-122"/>
-              </a:rPr>
-              <a:t>APP SCAN</a:t>
-            </a:r>
-            <a:endParaRPr lang="zh-CN" altLang="en-US" sz="2000" dirty="0">
-              <a:solidFill>
-                <a:schemeClr val="bg1"/>
-              </a:solidFill>
-              <a:latin typeface="微软雅黑" pitchFamily="34" charset="-122"/>
-              <a:ea typeface="微软雅黑" pitchFamily="34" charset="-122"/>
-            </a:endParaRPr>
-          </a:p>
-        </p:txBody>
-      </p:sp>
-      <p:sp>
-        <p:nvSpPr>
-          <p:cNvPr id="13" name="矩形 12"/>
-          <p:cNvSpPr/>
-          <p:nvPr/>
-        </p:nvSpPr>
-        <p:spPr bwMode="auto">
-          <a:xfrm>
-            <a:off x="1122229" y="4709091"/>
-            <a:ext cx="4631244" cy="1528221"/>
-          </a:xfrm>
-          <a:prstGeom prst="rect">
-            <a:avLst/>
-          </a:prstGeom>
-          <a:noFill/>
-          <a:ln w="9525" cap="flat" cmpd="sng" algn="ctr">
-            <a:solidFill>
-              <a:schemeClr val="tx1"/>
-            </a:solidFill>
-            <a:prstDash val="dashDot"/>
-            <a:round/>
-            <a:headEnd type="none" w="med" len="med"/>
-            <a:tailEnd type="none" w="med" len="med"/>
-          </a:ln>
-          <a:effectLst/>
-        </p:spPr>
-        <p:txBody>
-          <a:bodyPr vert="horz" wrap="square" lIns="91440" tIns="45720" rIns="91440" bIns="45720" numCol="1" rtlCol="0" anchor="ctr" anchorCtr="0" compatLnSpc="1">
-            <a:prstTxWarp prst="textNoShape">
-              <a:avLst/>
-            </a:prstTxWarp>
-          </a:bodyPr>
-          <a:lstStyle/>
-          <a:p>
-            <a:pPr algn="ctr"/>
-            <a:endParaRPr lang="zh-CN" altLang="en-US" sz="1600" b="1" dirty="0" smtClean="0">
-              <a:solidFill>
-                <a:schemeClr val="bg1"/>
-              </a:solidFill>
-              <a:latin typeface="微软雅黑" pitchFamily="34" charset="-122"/>
-              <a:ea typeface="微软雅黑" pitchFamily="34" charset="-122"/>
-            </a:endParaRPr>
-          </a:p>
-        </p:txBody>
-      </p:sp>
-      <p:sp>
-        <p:nvSpPr>
-          <p:cNvPr id="15" name="Text Box 45"/>
-          <p:cNvSpPr txBox="1">
-            <a:spLocks noChangeArrowheads="1"/>
-          </p:cNvSpPr>
-          <p:nvPr/>
-        </p:nvSpPr>
-        <p:spPr bwMode="auto">
-          <a:xfrm>
-            <a:off x="3707903" y="5962674"/>
-            <a:ext cx="1872208" cy="307777"/>
-          </a:xfrm>
-          <a:prstGeom prst="rect">
-            <a:avLst/>
-          </a:prstGeom>
-          <a:noFill/>
-          <a:ln w="9525">
-            <a:noFill/>
-            <a:miter lim="800000"/>
-            <a:headEnd/>
-            <a:tailEnd/>
-          </a:ln>
-        </p:spPr>
-        <p:txBody>
-          <a:bodyPr wrap="square">
-            <a:spAutoFit/>
-          </a:bodyPr>
-          <a:lstStyle/>
-          <a:p>
-            <a:pPr algn="ctr">
-              <a:spcBef>
-                <a:spcPct val="50000"/>
-              </a:spcBef>
-            </a:pPr>
-            <a:r>
-              <a:rPr lang="en-US" altLang="zh-CN" sz="1400" dirty="0" smtClean="0">
-                <a:latin typeface="微软雅黑" pitchFamily="34" charset="-122"/>
-                <a:ea typeface="微软雅黑" pitchFamily="34" charset="-122"/>
-              </a:rPr>
-              <a:t>P-Process</a:t>
-            </a:r>
-            <a:endParaRPr lang="de-DE" sz="1400" dirty="0">
-              <a:latin typeface="微软雅黑" pitchFamily="34" charset="-122"/>
-              <a:ea typeface="微软雅黑" pitchFamily="34" charset="-122"/>
-            </a:endParaRPr>
-          </a:p>
-        </p:txBody>
-      </p:sp>
-      <p:sp>
-        <p:nvSpPr>
-          <p:cNvPr id="16" name="圆角矩形 15"/>
-          <p:cNvSpPr/>
-          <p:nvPr/>
-        </p:nvSpPr>
-        <p:spPr bwMode="auto">
-          <a:xfrm>
-            <a:off x="3923927" y="5157191"/>
-            <a:ext cx="1388895" cy="792088"/>
-          </a:xfrm>
-          <a:prstGeom prst="roundRect">
-            <a:avLst/>
-          </a:prstGeom>
-          <a:solidFill>
-            <a:srgbClr val="FFC000"/>
-          </a:solidFill>
-          <a:ln w="9525" cap="flat" cmpd="sng" algn="ctr">
-            <a:solidFill>
-              <a:schemeClr val="bg1"/>
-            </a:solidFill>
-            <a:prstDash val="solid"/>
-            <a:round/>
-            <a:headEnd type="none" w="med" len="med"/>
-            <a:tailEnd type="none" w="med" len="med"/>
-          </a:ln>
-          <a:effectLst/>
-        </p:spPr>
-        <p:txBody>
-          <a:bodyPr vert="horz" wrap="square" lIns="91440" tIns="45720" rIns="91440" bIns="45720" numCol="1" rtlCol="0" anchor="ctr" anchorCtr="0" compatLnSpc="1">
-            <a:prstTxWarp prst="textNoShape">
-              <a:avLst/>
-            </a:prstTxWarp>
-          </a:bodyPr>
-          <a:lstStyle/>
-          <a:p>
-            <a:pPr algn="ctr"/>
-            <a:r>
-              <a:rPr lang="en-US" altLang="zh-CN" sz="2000" dirty="0" smtClean="0">
-                <a:solidFill>
-                  <a:schemeClr val="bg1"/>
-                </a:solidFill>
-                <a:latin typeface="微软雅黑" pitchFamily="34" charset="-122"/>
-                <a:ea typeface="微软雅黑" pitchFamily="34" charset="-122"/>
-              </a:rPr>
-              <a:t>DRTP SCAN</a:t>
-            </a:r>
-            <a:endParaRPr lang="zh-CN" altLang="en-US" sz="2000" dirty="0">
-              <a:solidFill>
-                <a:schemeClr val="bg1"/>
-              </a:solidFill>
-              <a:latin typeface="微软雅黑" pitchFamily="34" charset="-122"/>
-              <a:ea typeface="微软雅黑" pitchFamily="34" charset="-122"/>
-            </a:endParaRPr>
-          </a:p>
-        </p:txBody>
-      </p:sp>
-      <p:sp>
-        <p:nvSpPr>
-          <p:cNvPr id="18" name="圆角矩形 17"/>
-          <p:cNvSpPr/>
-          <p:nvPr/>
-        </p:nvSpPr>
-        <p:spPr bwMode="auto">
-          <a:xfrm>
-            <a:off x="6372200" y="5157191"/>
-            <a:ext cx="1388895" cy="792088"/>
-          </a:xfrm>
-          <a:prstGeom prst="roundRect">
-            <a:avLst/>
-          </a:prstGeom>
-          <a:solidFill>
-            <a:schemeClr val="bg1">
-              <a:lumMod val="50000"/>
-            </a:schemeClr>
-          </a:solidFill>
-          <a:ln w="9525" cap="flat" cmpd="sng" algn="ctr">
-            <a:solidFill>
-              <a:schemeClr val="bg1"/>
-            </a:solidFill>
-            <a:prstDash val="solid"/>
-            <a:round/>
-            <a:headEnd type="none" w="med" len="med"/>
-            <a:tailEnd type="none" w="med" len="med"/>
-          </a:ln>
-          <a:effectLst/>
-        </p:spPr>
-        <p:txBody>
-          <a:bodyPr vert="horz" wrap="square" lIns="91440" tIns="45720" rIns="91440" bIns="45720" numCol="1" rtlCol="0" anchor="ctr" anchorCtr="0" compatLnSpc="1">
-            <a:prstTxWarp prst="textNoShape">
-              <a:avLst/>
-            </a:prstTxWarp>
-          </a:bodyPr>
-          <a:lstStyle/>
-          <a:p>
-            <a:pPr algn="ctr"/>
-            <a:r>
-              <a:rPr lang="en-US" altLang="zh-CN" sz="1600" dirty="0" smtClean="0">
-                <a:solidFill>
-                  <a:schemeClr val="bg1"/>
-                </a:solidFill>
-                <a:latin typeface="微软雅黑" pitchFamily="34" charset="-122"/>
-                <a:ea typeface="微软雅黑" pitchFamily="34" charset="-122"/>
-              </a:rPr>
-              <a:t>IPP</a:t>
-            </a:r>
-          </a:p>
-          <a:p>
-            <a:pPr algn="ctr"/>
-            <a:r>
-              <a:rPr lang="en-US" altLang="zh-CN" sz="1600" dirty="0" smtClean="0">
-                <a:solidFill>
-                  <a:schemeClr val="bg1"/>
-                </a:solidFill>
-                <a:latin typeface="微软雅黑" pitchFamily="34" charset="-122"/>
-                <a:ea typeface="微软雅黑" pitchFamily="34" charset="-122"/>
-              </a:rPr>
-              <a:t>Workflow</a:t>
-            </a:r>
-            <a:endParaRPr lang="zh-CN" altLang="en-US" sz="1600" dirty="0">
-              <a:solidFill>
-                <a:schemeClr val="bg1"/>
-              </a:solidFill>
-              <a:latin typeface="微软雅黑" pitchFamily="34" charset="-122"/>
-              <a:ea typeface="微软雅黑" pitchFamily="34" charset="-122"/>
-            </a:endParaRPr>
-          </a:p>
-        </p:txBody>
-      </p:sp>
-      <p:sp>
-        <p:nvSpPr>
-          <p:cNvPr id="19" name="圆角矩形 18"/>
-          <p:cNvSpPr/>
-          <p:nvPr/>
-        </p:nvSpPr>
-        <p:spPr bwMode="auto">
-          <a:xfrm>
-            <a:off x="1238889" y="1196752"/>
-            <a:ext cx="1388895" cy="792088"/>
-          </a:xfrm>
-          <a:prstGeom prst="roundRect">
-            <a:avLst/>
-          </a:prstGeom>
-          <a:solidFill>
-            <a:schemeClr val="bg1">
-              <a:lumMod val="50000"/>
-            </a:schemeClr>
-          </a:solidFill>
-          <a:ln w="9525" cap="flat" cmpd="sng" algn="ctr">
-            <a:solidFill>
-              <a:schemeClr val="bg1"/>
-            </a:solidFill>
-            <a:prstDash val="solid"/>
-            <a:round/>
-            <a:headEnd type="none" w="med" len="med"/>
-            <a:tailEnd type="none" w="med" len="med"/>
-          </a:ln>
-          <a:effectLst/>
-        </p:spPr>
-        <p:txBody>
-          <a:bodyPr vert="horz" wrap="square" lIns="91440" tIns="45720" rIns="91440" bIns="45720" numCol="1" rtlCol="0" anchor="ctr" anchorCtr="0" compatLnSpc="1">
-            <a:prstTxWarp prst="textNoShape">
-              <a:avLst/>
-            </a:prstTxWarp>
-          </a:bodyPr>
-          <a:lstStyle/>
-          <a:p>
-            <a:pPr algn="ctr"/>
-            <a:r>
-              <a:rPr lang="en-US" altLang="zh-CN" sz="2000" dirty="0" smtClean="0">
-                <a:solidFill>
-                  <a:schemeClr val="bg1"/>
-                </a:solidFill>
-                <a:latin typeface="微软雅黑" pitchFamily="34" charset="-122"/>
-                <a:ea typeface="微软雅黑" pitchFamily="34" charset="-122"/>
-              </a:rPr>
-              <a:t>Mail Box</a:t>
-            </a:r>
-            <a:endParaRPr lang="zh-CN" altLang="en-US" sz="2000" dirty="0">
-              <a:solidFill>
-                <a:schemeClr val="bg1"/>
-              </a:solidFill>
-              <a:latin typeface="微软雅黑" pitchFamily="34" charset="-122"/>
-              <a:ea typeface="微软雅黑" pitchFamily="34" charset="-122"/>
-            </a:endParaRPr>
-          </a:p>
-        </p:txBody>
-      </p:sp>
-      <p:cxnSp>
-        <p:nvCxnSpPr>
-          <p:cNvPr id="20" name="直接连接符 78"/>
-          <p:cNvCxnSpPr>
-            <a:stCxn id="8" idx="2"/>
-          </p:cNvCxnSpPr>
-          <p:nvPr/>
-        </p:nvCxnSpPr>
-        <p:spPr bwMode="auto">
-          <a:xfrm>
-            <a:off x="5799848" y="1986011"/>
-            <a:ext cx="0" cy="1501821"/>
-          </a:xfrm>
-          <a:prstGeom prst="straightConnector1">
-            <a:avLst/>
-          </a:prstGeom>
-          <a:solidFill>
-            <a:schemeClr val="accent1"/>
-          </a:solidFill>
-          <a:ln w="28575" cap="flat" cmpd="sng" algn="ctr">
-            <a:solidFill>
-              <a:schemeClr val="tx1"/>
-            </a:solidFill>
-            <a:prstDash val="solid"/>
-            <a:round/>
-            <a:headEnd type="triangle" w="med" len="med"/>
-            <a:tailEnd type="triangle" w="med" len="med"/>
-          </a:ln>
-          <a:effectLst/>
-        </p:spPr>
-      </p:cxnSp>
-      <p:cxnSp>
-        <p:nvCxnSpPr>
-          <p:cNvPr id="21" name="直接连接符 78"/>
-          <p:cNvCxnSpPr/>
-          <p:nvPr/>
-        </p:nvCxnSpPr>
-        <p:spPr bwMode="auto">
-          <a:xfrm>
-            <a:off x="4572000" y="4153873"/>
-            <a:ext cx="0" cy="555218"/>
-          </a:xfrm>
-          <a:prstGeom prst="straightConnector1">
-            <a:avLst/>
-          </a:prstGeom>
-          <a:solidFill>
-            <a:schemeClr val="accent1"/>
-          </a:solidFill>
-          <a:ln w="28575" cap="flat" cmpd="sng" algn="ctr">
-            <a:solidFill>
-              <a:schemeClr val="tx1"/>
-            </a:solidFill>
-            <a:prstDash val="solid"/>
-            <a:round/>
-            <a:headEnd type="triangle" w="med" len="med"/>
-            <a:tailEnd type="triangle" w="med" len="med"/>
-          </a:ln>
-          <a:effectLst/>
-        </p:spPr>
-      </p:cxnSp>
-      <p:cxnSp>
-        <p:nvCxnSpPr>
-          <p:cNvPr id="22" name="直接连接符 78"/>
-          <p:cNvCxnSpPr>
-            <a:endCxn id="35" idx="0"/>
-          </p:cNvCxnSpPr>
-          <p:nvPr/>
-        </p:nvCxnSpPr>
-        <p:spPr bwMode="auto">
-          <a:xfrm>
-            <a:off x="7066647" y="4153873"/>
-            <a:ext cx="1" cy="620450"/>
-          </a:xfrm>
-          <a:prstGeom prst="straightConnector1">
-            <a:avLst/>
-          </a:prstGeom>
-          <a:solidFill>
-            <a:schemeClr val="accent1"/>
-          </a:solidFill>
-          <a:ln w="28575" cap="flat" cmpd="sng" algn="ctr">
-            <a:solidFill>
-              <a:schemeClr val="tx1"/>
-            </a:solidFill>
-            <a:prstDash val="solid"/>
-            <a:round/>
-            <a:headEnd type="triangle" w="med" len="med"/>
-            <a:tailEnd type="triangle" w="med" len="med"/>
-          </a:ln>
-          <a:effectLst/>
-        </p:spPr>
-      </p:cxnSp>
-      <p:cxnSp>
-        <p:nvCxnSpPr>
-          <p:cNvPr id="23" name="直接连接符 78"/>
-          <p:cNvCxnSpPr/>
-          <p:nvPr/>
-        </p:nvCxnSpPr>
-        <p:spPr bwMode="auto">
-          <a:xfrm flipH="1">
-            <a:off x="1886960" y="1997223"/>
-            <a:ext cx="2" cy="418872"/>
-          </a:xfrm>
-          <a:prstGeom prst="straightConnector1">
-            <a:avLst/>
-          </a:prstGeom>
-          <a:solidFill>
-            <a:schemeClr val="accent1"/>
-          </a:solidFill>
-          <a:ln w="28575" cap="flat" cmpd="sng" algn="ctr">
-            <a:solidFill>
-              <a:schemeClr val="tx1"/>
-            </a:solidFill>
-            <a:prstDash val="solid"/>
-            <a:round/>
-            <a:headEnd type="triangle" w="med" len="med"/>
-            <a:tailEnd type="triangle" w="med" len="med"/>
-          </a:ln>
-          <a:effectLst/>
-        </p:spPr>
-      </p:cxnSp>
-      <p:sp>
-        <p:nvSpPr>
-          <p:cNvPr id="24" name="Text Box 45"/>
-          <p:cNvSpPr txBox="1">
-            <a:spLocks noChangeArrowheads="1"/>
-          </p:cNvSpPr>
-          <p:nvPr/>
-        </p:nvSpPr>
-        <p:spPr bwMode="auto">
-          <a:xfrm>
-            <a:off x="2195736" y="4376137"/>
-            <a:ext cx="720080" cy="276999"/>
-          </a:xfrm>
-          <a:prstGeom prst="rect">
-            <a:avLst/>
-          </a:prstGeom>
-          <a:noFill/>
-          <a:ln w="9525">
-            <a:noFill/>
-            <a:miter lim="800000"/>
-            <a:headEnd/>
-            <a:tailEnd/>
-          </a:ln>
-        </p:spPr>
-        <p:txBody>
-          <a:bodyPr wrap="square">
-            <a:spAutoFit/>
-          </a:bodyPr>
-          <a:lstStyle>
-            <a:defPPr>
-              <a:defRPr lang="en-US"/>
-            </a:defPPr>
-            <a:lvl1pPr algn="ctr">
-              <a:spcBef>
-                <a:spcPct val="50000"/>
-              </a:spcBef>
-              <a:defRPr sz="1200" b="0">
-                <a:latin typeface="微软雅黑" pitchFamily="34" charset="-122"/>
-                <a:ea typeface="微软雅黑" pitchFamily="34" charset="-122"/>
-              </a:defRPr>
-            </a:lvl1pPr>
-          </a:lstStyle>
-          <a:p>
-            <a:pPr algn="l"/>
-            <a:r>
-              <a:rPr lang="en-US" altLang="zh-CN" b="1" dirty="0" smtClean="0"/>
-              <a:t>MQTT</a:t>
-            </a:r>
-            <a:endParaRPr lang="de-DE" b="1" dirty="0"/>
-          </a:p>
-        </p:txBody>
-      </p:sp>
-      <p:sp>
-        <p:nvSpPr>
-          <p:cNvPr id="25" name="Text Box 45"/>
-          <p:cNvSpPr txBox="1">
-            <a:spLocks noChangeArrowheads="1"/>
-          </p:cNvSpPr>
-          <p:nvPr/>
-        </p:nvSpPr>
-        <p:spPr bwMode="auto">
-          <a:xfrm>
-            <a:off x="4572000" y="4376137"/>
-            <a:ext cx="720080" cy="276999"/>
-          </a:xfrm>
-          <a:prstGeom prst="rect">
-            <a:avLst/>
-          </a:prstGeom>
-          <a:noFill/>
-          <a:ln w="9525">
-            <a:noFill/>
-            <a:miter lim="800000"/>
-            <a:headEnd/>
-            <a:tailEnd/>
-          </a:ln>
-        </p:spPr>
-        <p:txBody>
-          <a:bodyPr wrap="square">
-            <a:spAutoFit/>
-          </a:bodyPr>
-          <a:lstStyle>
-            <a:defPPr>
-              <a:defRPr lang="en-US"/>
-            </a:defPPr>
-            <a:lvl1pPr algn="ctr">
-              <a:spcBef>
-                <a:spcPct val="50000"/>
-              </a:spcBef>
-              <a:defRPr sz="1200" b="0">
-                <a:latin typeface="微软雅黑" pitchFamily="34" charset="-122"/>
-                <a:ea typeface="微软雅黑" pitchFamily="34" charset="-122"/>
-              </a:defRPr>
-            </a:lvl1pPr>
-          </a:lstStyle>
-          <a:p>
-            <a:pPr algn="l"/>
-            <a:r>
-              <a:rPr lang="en-US" altLang="zh-CN" b="1" dirty="0" smtClean="0"/>
-              <a:t>MQTT</a:t>
-            </a:r>
-            <a:endParaRPr lang="de-DE" b="1" dirty="0"/>
-          </a:p>
-        </p:txBody>
-      </p:sp>
-      <p:sp>
-        <p:nvSpPr>
-          <p:cNvPr id="26" name="圆角矩形 25"/>
-          <p:cNvSpPr/>
-          <p:nvPr/>
-        </p:nvSpPr>
-        <p:spPr bwMode="auto">
-          <a:xfrm>
-            <a:off x="6999529" y="1193923"/>
-            <a:ext cx="1388895" cy="792088"/>
-          </a:xfrm>
-          <a:prstGeom prst="roundRect">
-            <a:avLst/>
-          </a:prstGeom>
-          <a:solidFill>
-            <a:schemeClr val="bg1">
-              <a:lumMod val="50000"/>
-            </a:schemeClr>
-          </a:solidFill>
-          <a:ln w="9525" cap="flat" cmpd="sng" algn="ctr">
-            <a:solidFill>
-              <a:schemeClr val="bg1"/>
-            </a:solidFill>
-            <a:prstDash val="solid"/>
-            <a:round/>
-            <a:headEnd type="none" w="med" len="med"/>
-            <a:tailEnd type="none" w="med" len="med"/>
-          </a:ln>
-          <a:effectLst/>
-        </p:spPr>
-        <p:txBody>
-          <a:bodyPr vert="horz" wrap="square" lIns="91440" tIns="45720" rIns="91440" bIns="45720" numCol="1" rtlCol="0" anchor="ctr" anchorCtr="0" compatLnSpc="1">
-            <a:prstTxWarp prst="textNoShape">
-              <a:avLst/>
-            </a:prstTxWarp>
-          </a:bodyPr>
-          <a:lstStyle/>
-          <a:p>
-            <a:pPr algn="ctr"/>
-            <a:r>
-              <a:rPr lang="en-US" altLang="zh-CN" sz="2000" dirty="0" smtClean="0">
-                <a:solidFill>
-                  <a:schemeClr val="bg1"/>
-                </a:solidFill>
-                <a:latin typeface="微软雅黑" pitchFamily="34" charset="-122"/>
-                <a:ea typeface="微软雅黑" pitchFamily="34" charset="-122"/>
-              </a:rPr>
-              <a:t>JIRA</a:t>
-            </a:r>
-            <a:endParaRPr lang="zh-CN" altLang="en-US" sz="2000" dirty="0">
-              <a:solidFill>
-                <a:schemeClr val="bg1"/>
-              </a:solidFill>
-              <a:latin typeface="微软雅黑" pitchFamily="34" charset="-122"/>
-              <a:ea typeface="微软雅黑" pitchFamily="34" charset="-122"/>
-            </a:endParaRPr>
-          </a:p>
-        </p:txBody>
-      </p:sp>
-      <p:sp>
-        <p:nvSpPr>
-          <p:cNvPr id="27" name="圆角矩形 26"/>
-          <p:cNvSpPr/>
-          <p:nvPr/>
-        </p:nvSpPr>
-        <p:spPr bwMode="auto">
-          <a:xfrm>
-            <a:off x="1197996" y="2416095"/>
-            <a:ext cx="3482018" cy="652865"/>
-          </a:xfrm>
-          <a:prstGeom prst="roundRect">
-            <a:avLst/>
-          </a:prstGeom>
-          <a:noFill/>
-          <a:ln w="9525" cap="flat" cmpd="sng" algn="ctr">
-            <a:solidFill>
-              <a:schemeClr val="tx1"/>
-            </a:solidFill>
-            <a:prstDash val="solid"/>
-            <a:round/>
-            <a:headEnd type="none" w="med" len="med"/>
-            <a:tailEnd type="none" w="med" len="med"/>
-          </a:ln>
-          <a:effectLst/>
-        </p:spPr>
-        <p:txBody>
-          <a:bodyPr vert="horz" wrap="square" lIns="91440" tIns="45720" rIns="91440" bIns="45720" numCol="1" rtlCol="0" anchor="ctr" anchorCtr="0" compatLnSpc="1">
-            <a:prstTxWarp prst="textNoShape">
-              <a:avLst/>
-            </a:prstTxWarp>
-          </a:bodyPr>
-          <a:lstStyle/>
-          <a:p>
-            <a:pPr algn="ctr"/>
-            <a:r>
-              <a:rPr lang="en-US" altLang="zh-CN" dirty="0" smtClean="0">
-                <a:latin typeface="微软雅黑" pitchFamily="34" charset="-122"/>
-                <a:ea typeface="微软雅黑" pitchFamily="34" charset="-122"/>
-              </a:rPr>
-              <a:t>ESB(Camel)</a:t>
-            </a:r>
-            <a:endParaRPr lang="zh-CN" altLang="en-US" dirty="0">
-              <a:latin typeface="微软雅黑" pitchFamily="34" charset="-122"/>
-              <a:ea typeface="微软雅黑" pitchFamily="34" charset="-122"/>
-            </a:endParaRPr>
-          </a:p>
-        </p:txBody>
-      </p:sp>
-      <p:cxnSp>
-        <p:nvCxnSpPr>
-          <p:cNvPr id="28" name="直接连接符 78"/>
-          <p:cNvCxnSpPr/>
-          <p:nvPr/>
-        </p:nvCxnSpPr>
-        <p:spPr bwMode="auto">
-          <a:xfrm flipH="1">
-            <a:off x="2843808" y="3068960"/>
-            <a:ext cx="2" cy="418872"/>
-          </a:xfrm>
-          <a:prstGeom prst="straightConnector1">
-            <a:avLst/>
-          </a:prstGeom>
-          <a:solidFill>
-            <a:schemeClr val="accent1"/>
-          </a:solidFill>
-          <a:ln w="28575" cap="flat" cmpd="sng" algn="ctr">
-            <a:solidFill>
-              <a:schemeClr val="tx1"/>
-            </a:solidFill>
-            <a:prstDash val="solid"/>
-            <a:round/>
-            <a:headEnd type="triangle" w="med" len="med"/>
-            <a:tailEnd type="triangle" w="med" len="med"/>
-          </a:ln>
-          <a:effectLst/>
-        </p:spPr>
-      </p:cxnSp>
-      <p:cxnSp>
-        <p:nvCxnSpPr>
-          <p:cNvPr id="29" name="直接连接符 78"/>
-          <p:cNvCxnSpPr>
-            <a:stCxn id="30" idx="2"/>
-          </p:cNvCxnSpPr>
-          <p:nvPr/>
-        </p:nvCxnSpPr>
-        <p:spPr bwMode="auto">
-          <a:xfrm>
-            <a:off x="7693976" y="2368879"/>
-            <a:ext cx="0" cy="1118953"/>
-          </a:xfrm>
-          <a:prstGeom prst="straightConnector1">
-            <a:avLst/>
-          </a:prstGeom>
-          <a:solidFill>
-            <a:schemeClr val="accent1"/>
-          </a:solidFill>
-          <a:ln w="28575" cap="flat" cmpd="sng" algn="ctr">
-            <a:solidFill>
-              <a:schemeClr val="tx1"/>
-            </a:solidFill>
-            <a:prstDash val="solid"/>
-            <a:round/>
-            <a:headEnd type="triangle" w="med" len="med"/>
-            <a:tailEnd type="triangle" w="med" len="med"/>
-          </a:ln>
-          <a:effectLst/>
-        </p:spPr>
-      </p:cxnSp>
-      <p:sp>
-        <p:nvSpPr>
-          <p:cNvPr id="30" name="圆角矩形 29"/>
-          <p:cNvSpPr/>
-          <p:nvPr/>
-        </p:nvSpPr>
-        <p:spPr bwMode="auto">
-          <a:xfrm>
-            <a:off x="6999528" y="1986011"/>
-            <a:ext cx="1388895" cy="382868"/>
-          </a:xfrm>
-          <a:prstGeom prst="roundRect">
-            <a:avLst/>
-          </a:prstGeom>
-          <a:solidFill>
-            <a:srgbClr val="0070C0"/>
-          </a:solidFill>
-          <a:ln w="9525" cap="flat" cmpd="sng" algn="ctr">
-            <a:solidFill>
-              <a:schemeClr val="bg1"/>
-            </a:solidFill>
-            <a:prstDash val="solid"/>
-            <a:round/>
-            <a:headEnd type="none" w="med" len="med"/>
-            <a:tailEnd type="none" w="med" len="med"/>
-          </a:ln>
-          <a:effectLst/>
-        </p:spPr>
-        <p:txBody>
-          <a:bodyPr vert="horz" wrap="square" lIns="91440" tIns="45720" rIns="91440" bIns="45720" numCol="1" rtlCol="0" anchor="ctr" anchorCtr="0" compatLnSpc="1">
-            <a:prstTxWarp prst="textNoShape">
-              <a:avLst/>
-            </a:prstTxWarp>
-          </a:bodyPr>
-          <a:lstStyle/>
-          <a:p>
-            <a:pPr algn="ctr"/>
-            <a:r>
-              <a:rPr lang="en-US" altLang="zh-CN" sz="1400" dirty="0" smtClean="0">
-                <a:solidFill>
-                  <a:schemeClr val="bg1"/>
-                </a:solidFill>
-                <a:latin typeface="微软雅黑" pitchFamily="34" charset="-122"/>
-                <a:ea typeface="微软雅黑" pitchFamily="34" charset="-122"/>
-              </a:rPr>
-              <a:t>Adapter</a:t>
-            </a:r>
-            <a:endParaRPr lang="zh-CN" altLang="en-US" sz="1400" dirty="0">
-              <a:solidFill>
-                <a:schemeClr val="bg1"/>
-              </a:solidFill>
-              <a:latin typeface="微软雅黑" pitchFamily="34" charset="-122"/>
-              <a:ea typeface="微软雅黑" pitchFamily="34" charset="-122"/>
-            </a:endParaRPr>
-          </a:p>
-        </p:txBody>
-      </p:sp>
-      <p:sp>
-        <p:nvSpPr>
-          <p:cNvPr id="31" name="Text Box 45"/>
-          <p:cNvSpPr txBox="1">
-            <a:spLocks noChangeArrowheads="1"/>
-          </p:cNvSpPr>
-          <p:nvPr/>
-        </p:nvSpPr>
-        <p:spPr bwMode="auto">
-          <a:xfrm>
-            <a:off x="5753472" y="2924944"/>
-            <a:ext cx="720080" cy="276999"/>
-          </a:xfrm>
-          <a:prstGeom prst="rect">
-            <a:avLst/>
-          </a:prstGeom>
-          <a:noFill/>
-          <a:ln w="9525">
-            <a:noFill/>
-            <a:miter lim="800000"/>
-            <a:headEnd/>
-            <a:tailEnd/>
-          </a:ln>
-        </p:spPr>
-        <p:txBody>
-          <a:bodyPr wrap="square">
-            <a:spAutoFit/>
-          </a:bodyPr>
-          <a:lstStyle>
-            <a:defPPr>
-              <a:defRPr lang="en-US"/>
-            </a:defPPr>
-            <a:lvl1pPr algn="ctr">
-              <a:spcBef>
-                <a:spcPct val="50000"/>
-              </a:spcBef>
-              <a:defRPr sz="1200" b="0">
-                <a:latin typeface="微软雅黑" pitchFamily="34" charset="-122"/>
-                <a:ea typeface="微软雅黑" pitchFamily="34" charset="-122"/>
-              </a:defRPr>
-            </a:lvl1pPr>
-          </a:lstStyle>
-          <a:p>
-            <a:r>
-              <a:rPr lang="en-US" altLang="zh-CN" b="1" dirty="0" smtClean="0"/>
-              <a:t>MQTT</a:t>
-            </a:r>
-            <a:endParaRPr lang="de-DE" b="1" dirty="0"/>
-          </a:p>
-        </p:txBody>
-      </p:sp>
-      <p:sp>
-        <p:nvSpPr>
-          <p:cNvPr id="32" name="Text Box 45"/>
-          <p:cNvSpPr txBox="1">
-            <a:spLocks noChangeArrowheads="1"/>
-          </p:cNvSpPr>
-          <p:nvPr/>
-        </p:nvSpPr>
-        <p:spPr bwMode="auto">
-          <a:xfrm>
-            <a:off x="7668344" y="2924944"/>
-            <a:ext cx="720080" cy="276999"/>
-          </a:xfrm>
-          <a:prstGeom prst="rect">
-            <a:avLst/>
-          </a:prstGeom>
-          <a:noFill/>
-          <a:ln w="9525">
-            <a:noFill/>
-            <a:miter lim="800000"/>
-            <a:headEnd/>
-            <a:tailEnd/>
-          </a:ln>
-        </p:spPr>
-        <p:txBody>
-          <a:bodyPr wrap="square">
-            <a:spAutoFit/>
-          </a:bodyPr>
-          <a:lstStyle>
-            <a:defPPr>
-              <a:defRPr lang="en-US"/>
-            </a:defPPr>
-            <a:lvl1pPr algn="ctr">
-              <a:spcBef>
-                <a:spcPct val="50000"/>
-              </a:spcBef>
-              <a:defRPr sz="1200" b="0">
-                <a:latin typeface="微软雅黑" pitchFamily="34" charset="-122"/>
-                <a:ea typeface="微软雅黑" pitchFamily="34" charset="-122"/>
-              </a:defRPr>
-            </a:lvl1pPr>
-          </a:lstStyle>
-          <a:p>
-            <a:pPr algn="l"/>
-            <a:r>
-              <a:rPr lang="en-US" altLang="zh-CN" b="1" dirty="0" smtClean="0"/>
-              <a:t>JMS</a:t>
-            </a:r>
-            <a:endParaRPr lang="de-DE" b="1" dirty="0"/>
-          </a:p>
-        </p:txBody>
-      </p:sp>
-      <p:sp>
-        <p:nvSpPr>
-          <p:cNvPr id="33" name="Text Box 45"/>
-          <p:cNvSpPr txBox="1">
-            <a:spLocks noChangeArrowheads="1"/>
-          </p:cNvSpPr>
-          <p:nvPr/>
-        </p:nvSpPr>
-        <p:spPr bwMode="auto">
-          <a:xfrm>
-            <a:off x="2843810" y="3135439"/>
-            <a:ext cx="720080" cy="276999"/>
-          </a:xfrm>
-          <a:prstGeom prst="rect">
-            <a:avLst/>
-          </a:prstGeom>
-          <a:noFill/>
-          <a:ln w="9525">
-            <a:noFill/>
-            <a:miter lim="800000"/>
-            <a:headEnd/>
-            <a:tailEnd/>
-          </a:ln>
-        </p:spPr>
-        <p:txBody>
-          <a:bodyPr wrap="square">
-            <a:spAutoFit/>
-          </a:bodyPr>
-          <a:lstStyle>
-            <a:defPPr>
-              <a:defRPr lang="en-US"/>
-            </a:defPPr>
-            <a:lvl1pPr algn="ctr">
-              <a:spcBef>
-                <a:spcPct val="50000"/>
-              </a:spcBef>
-              <a:defRPr sz="1200" b="0">
-                <a:latin typeface="微软雅黑" pitchFamily="34" charset="-122"/>
-                <a:ea typeface="微软雅黑" pitchFamily="34" charset="-122"/>
-              </a:defRPr>
-            </a:lvl1pPr>
-          </a:lstStyle>
-          <a:p>
-            <a:pPr algn="l"/>
-            <a:r>
-              <a:rPr lang="en-US" altLang="zh-CN" b="1" dirty="0" smtClean="0"/>
-              <a:t>JMS</a:t>
-            </a:r>
-            <a:endParaRPr lang="de-DE" b="1" dirty="0"/>
-          </a:p>
-        </p:txBody>
-      </p:sp>
-      <p:sp>
-        <p:nvSpPr>
-          <p:cNvPr id="34" name="Text Box 45"/>
-          <p:cNvSpPr txBox="1">
-            <a:spLocks noChangeArrowheads="1"/>
-          </p:cNvSpPr>
-          <p:nvPr/>
-        </p:nvSpPr>
-        <p:spPr bwMode="auto">
-          <a:xfrm>
-            <a:off x="1886962" y="2060848"/>
-            <a:ext cx="720080" cy="276999"/>
-          </a:xfrm>
-          <a:prstGeom prst="rect">
-            <a:avLst/>
-          </a:prstGeom>
-          <a:noFill/>
-          <a:ln w="9525">
-            <a:noFill/>
-            <a:miter lim="800000"/>
-            <a:headEnd/>
-            <a:tailEnd/>
-          </a:ln>
-        </p:spPr>
-        <p:txBody>
-          <a:bodyPr wrap="square">
-            <a:spAutoFit/>
-          </a:bodyPr>
-          <a:lstStyle>
-            <a:defPPr>
-              <a:defRPr lang="en-US"/>
-            </a:defPPr>
-            <a:lvl1pPr algn="ctr">
-              <a:spcBef>
-                <a:spcPct val="50000"/>
-              </a:spcBef>
-              <a:defRPr sz="1200" b="0">
-                <a:latin typeface="微软雅黑" pitchFamily="34" charset="-122"/>
-                <a:ea typeface="微软雅黑" pitchFamily="34" charset="-122"/>
-              </a:defRPr>
-            </a:lvl1pPr>
-          </a:lstStyle>
-          <a:p>
-            <a:pPr algn="l"/>
-            <a:r>
-              <a:rPr lang="en-US" altLang="zh-CN" b="1" dirty="0" smtClean="0"/>
-              <a:t>POP3</a:t>
-            </a:r>
-            <a:endParaRPr lang="de-DE" b="1" dirty="0"/>
-          </a:p>
-        </p:txBody>
-      </p:sp>
-      <p:sp>
-        <p:nvSpPr>
-          <p:cNvPr id="35" name="圆角矩形 34"/>
-          <p:cNvSpPr/>
-          <p:nvPr/>
-        </p:nvSpPr>
-        <p:spPr bwMode="auto">
-          <a:xfrm>
-            <a:off x="6372200" y="4774323"/>
-            <a:ext cx="1388895" cy="382868"/>
-          </a:xfrm>
-          <a:prstGeom prst="roundRect">
-            <a:avLst/>
-          </a:prstGeom>
-          <a:solidFill>
-            <a:srgbClr val="0070C0"/>
-          </a:solidFill>
-          <a:ln w="9525" cap="flat" cmpd="sng" algn="ctr">
-            <a:solidFill>
-              <a:schemeClr val="bg1"/>
-            </a:solidFill>
-            <a:prstDash val="solid"/>
-            <a:round/>
-            <a:headEnd type="none" w="med" len="med"/>
-            <a:tailEnd type="none" w="med" len="med"/>
-          </a:ln>
-          <a:effectLst/>
-        </p:spPr>
-        <p:txBody>
-          <a:bodyPr vert="horz" wrap="square" lIns="91440" tIns="45720" rIns="91440" bIns="45720" numCol="1" rtlCol="0" anchor="ctr" anchorCtr="0" compatLnSpc="1">
-            <a:prstTxWarp prst="textNoShape">
-              <a:avLst/>
-            </a:prstTxWarp>
-          </a:bodyPr>
-          <a:lstStyle/>
-          <a:p>
-            <a:pPr algn="ctr"/>
-            <a:r>
-              <a:rPr lang="en-US" altLang="zh-CN" sz="1400" dirty="0" smtClean="0">
-                <a:solidFill>
-                  <a:schemeClr val="bg1"/>
-                </a:solidFill>
-                <a:latin typeface="微软雅黑" pitchFamily="34" charset="-122"/>
-                <a:ea typeface="微软雅黑" pitchFamily="34" charset="-122"/>
-              </a:rPr>
-              <a:t>Adapter</a:t>
-            </a:r>
-            <a:endParaRPr lang="zh-CN" altLang="en-US" sz="1400" dirty="0">
-              <a:solidFill>
-                <a:schemeClr val="bg1"/>
-              </a:solidFill>
-              <a:latin typeface="微软雅黑" pitchFamily="34" charset="-122"/>
-              <a:ea typeface="微软雅黑" pitchFamily="34" charset="-122"/>
-            </a:endParaRPr>
-          </a:p>
-        </p:txBody>
-      </p:sp>
-      <p:sp>
-        <p:nvSpPr>
-          <p:cNvPr id="36" name="Text Box 45"/>
-          <p:cNvSpPr txBox="1">
-            <a:spLocks noChangeArrowheads="1"/>
-          </p:cNvSpPr>
-          <p:nvPr/>
-        </p:nvSpPr>
-        <p:spPr bwMode="auto">
-          <a:xfrm>
-            <a:off x="7092280" y="4376137"/>
-            <a:ext cx="720080" cy="276999"/>
-          </a:xfrm>
-          <a:prstGeom prst="rect">
-            <a:avLst/>
-          </a:prstGeom>
-          <a:noFill/>
-          <a:ln w="9525">
-            <a:noFill/>
-            <a:miter lim="800000"/>
-            <a:headEnd/>
-            <a:tailEnd/>
-          </a:ln>
-        </p:spPr>
-        <p:txBody>
-          <a:bodyPr wrap="square">
-            <a:spAutoFit/>
-          </a:bodyPr>
-          <a:lstStyle>
-            <a:defPPr>
-              <a:defRPr lang="en-US"/>
-            </a:defPPr>
-            <a:lvl1pPr algn="ctr">
-              <a:spcBef>
-                <a:spcPct val="50000"/>
-              </a:spcBef>
-              <a:defRPr sz="1200" b="0">
-                <a:latin typeface="微软雅黑" pitchFamily="34" charset="-122"/>
-                <a:ea typeface="微软雅黑" pitchFamily="34" charset="-122"/>
-              </a:defRPr>
-            </a:lvl1pPr>
-          </a:lstStyle>
-          <a:p>
-            <a:pPr algn="l"/>
-            <a:r>
-              <a:rPr lang="en-US" altLang="zh-CN" b="1" dirty="0" smtClean="0"/>
-              <a:t>MQTT</a:t>
-            </a:r>
-            <a:endParaRPr lang="de-DE" b="1" dirty="0"/>
-          </a:p>
-        </p:txBody>
-      </p:sp>
-      <p:sp>
-        <p:nvSpPr>
-          <p:cNvPr id="37" name="圆角矩形 36"/>
-          <p:cNvSpPr/>
-          <p:nvPr/>
-        </p:nvSpPr>
-        <p:spPr bwMode="auto">
-          <a:xfrm>
-            <a:off x="3183105" y="1196752"/>
-            <a:ext cx="1388895" cy="792088"/>
-          </a:xfrm>
-          <a:prstGeom prst="roundRect">
-            <a:avLst/>
-          </a:prstGeom>
-          <a:solidFill>
-            <a:srgbClr val="FFC000"/>
-          </a:solidFill>
-          <a:ln w="9525" cap="flat" cmpd="sng" algn="ctr">
-            <a:solidFill>
-              <a:schemeClr val="bg1"/>
-            </a:solidFill>
-            <a:prstDash val="solid"/>
-            <a:round/>
-            <a:headEnd type="none" w="med" len="med"/>
-            <a:tailEnd type="none" w="med" len="med"/>
-          </a:ln>
-          <a:effectLst/>
-        </p:spPr>
-        <p:txBody>
-          <a:bodyPr vert="horz" wrap="square" lIns="91440" tIns="45720" rIns="91440" bIns="45720" numCol="1" rtlCol="0" anchor="ctr" anchorCtr="0" compatLnSpc="1">
-            <a:prstTxWarp prst="textNoShape">
-              <a:avLst/>
-            </a:prstTxWarp>
-          </a:bodyPr>
-          <a:lstStyle/>
-          <a:p>
-            <a:pPr algn="ctr"/>
-            <a:r>
-              <a:rPr lang="zh-CN" altLang="en-US" sz="1600" dirty="0" smtClean="0">
-                <a:solidFill>
-                  <a:schemeClr val="bg1"/>
-                </a:solidFill>
-                <a:latin typeface="微软雅黑" pitchFamily="34" charset="-122"/>
-                <a:ea typeface="微软雅黑" pitchFamily="34" charset="-122"/>
-              </a:rPr>
-              <a:t>数据服务</a:t>
-            </a:r>
-            <a:endParaRPr lang="en-US" altLang="zh-CN" sz="1600" dirty="0" smtClean="0">
-              <a:solidFill>
-                <a:schemeClr val="bg1"/>
-              </a:solidFill>
-              <a:latin typeface="微软雅黑" pitchFamily="34" charset="-122"/>
-              <a:ea typeface="微软雅黑" pitchFamily="34" charset="-122"/>
-            </a:endParaRPr>
-          </a:p>
-          <a:p>
-            <a:pPr algn="ctr"/>
-            <a:r>
-              <a:rPr lang="en-US" altLang="zh-CN" sz="1600" dirty="0" smtClean="0">
-                <a:solidFill>
-                  <a:schemeClr val="bg1"/>
-                </a:solidFill>
-                <a:latin typeface="微软雅黑" pitchFamily="34" charset="-122"/>
-                <a:ea typeface="微软雅黑" pitchFamily="34" charset="-122"/>
-              </a:rPr>
-              <a:t>(</a:t>
-            </a:r>
-            <a:r>
-              <a:rPr lang="zh-CN" altLang="en-US" sz="1600" dirty="0" smtClean="0">
-                <a:solidFill>
-                  <a:schemeClr val="bg1"/>
-                </a:solidFill>
-                <a:latin typeface="微软雅黑" pitchFamily="34" charset="-122"/>
-                <a:ea typeface="微软雅黑" pitchFamily="34" charset="-122"/>
-              </a:rPr>
-              <a:t>交易编码</a:t>
-            </a:r>
-            <a:r>
-              <a:rPr lang="en-US" altLang="zh-CN" sz="1600" dirty="0" smtClean="0">
-                <a:solidFill>
-                  <a:schemeClr val="bg1"/>
-                </a:solidFill>
-                <a:latin typeface="微软雅黑" pitchFamily="34" charset="-122"/>
-                <a:ea typeface="微软雅黑" pitchFamily="34" charset="-122"/>
-              </a:rPr>
-              <a:t>)</a:t>
-            </a:r>
-            <a:endParaRPr lang="zh-CN" altLang="en-US" sz="1600" dirty="0">
-              <a:solidFill>
-                <a:schemeClr val="bg1"/>
-              </a:solidFill>
-              <a:latin typeface="微软雅黑" pitchFamily="34" charset="-122"/>
-              <a:ea typeface="微软雅黑" pitchFamily="34" charset="-122"/>
-            </a:endParaRPr>
-          </a:p>
-        </p:txBody>
-      </p:sp>
-      <p:cxnSp>
-        <p:nvCxnSpPr>
-          <p:cNvPr id="38" name="直接连接符 78"/>
-          <p:cNvCxnSpPr>
-            <a:stCxn id="37" idx="3"/>
-            <a:endCxn id="8" idx="1"/>
-          </p:cNvCxnSpPr>
-          <p:nvPr/>
-        </p:nvCxnSpPr>
-        <p:spPr bwMode="auto">
-          <a:xfrm flipV="1">
-            <a:off x="4572000" y="1589967"/>
-            <a:ext cx="533400" cy="2829"/>
-          </a:xfrm>
-          <a:prstGeom prst="straightConnector1">
-            <a:avLst/>
-          </a:prstGeom>
-          <a:solidFill>
-            <a:schemeClr val="accent1"/>
-          </a:solidFill>
-          <a:ln w="28575" cap="flat" cmpd="sng" algn="ctr">
-            <a:solidFill>
-              <a:schemeClr val="tx1"/>
-            </a:solidFill>
-            <a:prstDash val="solid"/>
-            <a:round/>
-            <a:headEnd type="triangle" w="med" len="med"/>
-            <a:tailEnd type="triangle" w="med" len="med"/>
-          </a:ln>
-          <a:effectLst/>
-        </p:spPr>
-      </p:cxnSp>
-      <p:sp>
-        <p:nvSpPr>
-          <p:cNvPr id="39" name="Text Box 45"/>
-          <p:cNvSpPr txBox="1">
-            <a:spLocks noChangeArrowheads="1"/>
-          </p:cNvSpPr>
-          <p:nvPr/>
-        </p:nvSpPr>
-        <p:spPr bwMode="auto">
-          <a:xfrm>
-            <a:off x="4551258" y="1312968"/>
-            <a:ext cx="720080" cy="276999"/>
-          </a:xfrm>
-          <a:prstGeom prst="rect">
-            <a:avLst/>
-          </a:prstGeom>
-          <a:noFill/>
-          <a:ln w="9525">
-            <a:noFill/>
-            <a:miter lim="800000"/>
-            <a:headEnd/>
-            <a:tailEnd/>
-          </a:ln>
-        </p:spPr>
-        <p:txBody>
-          <a:bodyPr wrap="square">
-            <a:spAutoFit/>
-          </a:bodyPr>
-          <a:lstStyle>
-            <a:defPPr>
-              <a:defRPr lang="en-US"/>
-            </a:defPPr>
-            <a:lvl1pPr algn="ctr">
-              <a:spcBef>
-                <a:spcPct val="50000"/>
-              </a:spcBef>
-              <a:defRPr sz="1200" b="0">
-                <a:latin typeface="微软雅黑" pitchFamily="34" charset="-122"/>
-                <a:ea typeface="微软雅黑" pitchFamily="34" charset="-122"/>
-              </a:defRPr>
-            </a:lvl1pPr>
-          </a:lstStyle>
-          <a:p>
-            <a:pPr algn="l"/>
-            <a:r>
-              <a:rPr lang="en-US" altLang="zh-CN" b="1" dirty="0" smtClean="0"/>
-              <a:t>HTTP</a:t>
-            </a:r>
-            <a:endParaRPr lang="de-DE" b="1" dirty="0"/>
-          </a:p>
-        </p:txBody>
-      </p:sp>
-      <p:sp>
-        <p:nvSpPr>
-          <p:cNvPr id="40" name="Oval 7"/>
-          <p:cNvSpPr/>
-          <p:nvPr/>
-        </p:nvSpPr>
-        <p:spPr>
-          <a:xfrm>
-            <a:off x="1122228" y="1772816"/>
-            <a:ext cx="360040" cy="326253"/>
-          </a:xfrm>
-          <a:prstGeom prst="ellipse">
-            <a:avLst/>
-          </a:prstGeom>
-          <a:solidFill>
-            <a:srgbClr val="FF0000"/>
-          </a:solidFill>
           <a:ln>
-            <a:noFill/>
+            <a:prstDash val="dash"/>
           </a:ln>
         </p:spPr>
         <p:style>
@@ -7628,40 +6984,48 @@
           <a:lstStyle/>
           <a:p>
             <a:pPr algn="ctr"/>
-            <a:r>
-              <a:rPr lang="en-US" altLang="zh-CN" sz="1400" b="1" dirty="0" smtClean="0">
-                <a:latin typeface="微软雅黑" pitchFamily="34" charset="-122"/>
-                <a:ea typeface="微软雅黑" pitchFamily="34" charset="-122"/>
-              </a:rPr>
-              <a:t>S</a:t>
-            </a:r>
-            <a:endParaRPr lang="zh-CN" altLang="en-US" sz="1400" b="1" dirty="0">
-              <a:latin typeface="微软雅黑" pitchFamily="34" charset="-122"/>
-              <a:ea typeface="微软雅黑" pitchFamily="34" charset="-122"/>
+            <a:endParaRPr lang="zh-CN" altLang="en-US">
+              <a:solidFill>
+                <a:schemeClr val="tx1"/>
+              </a:solidFill>
+              <a:latin typeface="Times New Roman" panose="02020603050405020304" pitchFamily="18" charset="0"/>
+              <a:cs typeface="Times New Roman" panose="02020603050405020304" pitchFamily="18" charset="0"/>
             </a:endParaRPr>
           </a:p>
         </p:txBody>
       </p:sp>
       <p:sp>
         <p:nvSpPr>
-          <p:cNvPr id="41" name="Oval 7"/>
+          <p:cNvPr id="19" name="Rounded Rectangle 18"/>
           <p:cNvSpPr/>
           <p:nvPr/>
         </p:nvSpPr>
         <p:spPr>
           <a:xfrm>
-            <a:off x="1448807" y="5786152"/>
-            <a:ext cx="360040" cy="326253"/>
-          </a:xfrm>
-          <a:prstGeom prst="ellipse">
-            <a:avLst/>
-          </a:prstGeom>
-          <a:solidFill>
-            <a:srgbClr val="FF0000"/>
-          </a:solidFill>
-          <a:ln>
-            <a:noFill/>
-          </a:ln>
+            <a:off x="6096000" y="2438400"/>
+            <a:ext cx="1999966" cy="2514600"/>
+          </a:xfrm>
+          <a:prstGeom prst="roundRect">
+            <a:avLst/>
+          </a:prstGeom>
+          <a:gradFill>
+            <a:gsLst>
+              <a:gs pos="0">
+                <a:srgbClr val="292929"/>
+              </a:gs>
+              <a:gs pos="50000">
+                <a:schemeClr val="bg1">
+                  <a:lumMod val="50000"/>
+                </a:schemeClr>
+              </a:gs>
+              <a:gs pos="100000">
+                <a:schemeClr val="bg1">
+                  <a:lumMod val="85000"/>
+                </a:schemeClr>
+              </a:gs>
+            </a:gsLst>
+            <a:lin ang="2700000" scaled="1"/>
+          </a:gradFill>
         </p:spPr>
         <p:style>
           <a:lnRef idx="2">
@@ -7685,38 +7049,183 @@
           <a:p>
             <a:pPr algn="ctr"/>
             <a:r>
-              <a:rPr lang="en-US" altLang="zh-CN" sz="1400" b="1" dirty="0" smtClean="0">
-                <a:latin typeface="微软雅黑" pitchFamily="34" charset="-122"/>
-                <a:ea typeface="微软雅黑" pitchFamily="34" charset="-122"/>
+              <a:rPr lang="en-US" altLang="zh-CN" dirty="0" smtClean="0">
+                <a:solidFill>
+                  <a:schemeClr val="tx1"/>
+                </a:solidFill>
+                <a:latin typeface="Times New Roman" panose="02020603050405020304" pitchFamily="18" charset="0"/>
+                <a:cs typeface="Times New Roman" panose="02020603050405020304" pitchFamily="18" charset="0"/>
               </a:rPr>
-              <a:t>S</a:t>
-            </a:r>
-            <a:endParaRPr lang="zh-CN" altLang="en-US" sz="1400" b="1" dirty="0">
-              <a:latin typeface="微软雅黑" pitchFamily="34" charset="-122"/>
-              <a:ea typeface="微软雅黑" pitchFamily="34" charset="-122"/>
+              <a:t>Main Program</a:t>
+            </a:r>
+            <a:endParaRPr lang="zh-CN" altLang="en-US" dirty="0">
+              <a:solidFill>
+                <a:schemeClr val="tx1"/>
+              </a:solidFill>
+              <a:latin typeface="Times New Roman" panose="02020603050405020304" pitchFamily="18" charset="0"/>
+              <a:cs typeface="Times New Roman" panose="02020603050405020304" pitchFamily="18" charset="0"/>
             </a:endParaRPr>
           </a:p>
         </p:txBody>
       </p:sp>
       <p:sp>
         <p:nvSpPr>
-          <p:cNvPr id="42" name="Oval 7"/>
+          <p:cNvPr id="21" name="Rounded Rectangle 20"/>
           <p:cNvSpPr/>
           <p:nvPr/>
         </p:nvSpPr>
         <p:spPr>
           <a:xfrm>
-            <a:off x="3798543" y="5790309"/>
-            <a:ext cx="360040" cy="326253"/>
-          </a:xfrm>
-          <a:prstGeom prst="ellipse">
-            <a:avLst/>
-          </a:prstGeom>
-          <a:solidFill>
-            <a:srgbClr val="FF0000"/>
-          </a:solidFill>
+            <a:off x="5105400" y="2438400"/>
+            <a:ext cx="971266" cy="1263555"/>
+          </a:xfrm>
+          <a:prstGeom prst="roundRect">
+            <a:avLst/>
+          </a:prstGeom>
+          <a:gradFill flip="none" rotWithShape="1">
+            <a:gsLst>
+              <a:gs pos="0">
+                <a:srgbClr val="F25858"/>
+              </a:gs>
+              <a:gs pos="50000">
+                <a:srgbClr val="F8AAAA"/>
+              </a:gs>
+              <a:gs pos="100000">
+                <a:srgbClr val="FDE7E7"/>
+              </a:gs>
+            </a:gsLst>
+            <a:lin ang="2700000" scaled="1"/>
+            <a:tileRect/>
+          </a:gradFill>
+        </p:spPr>
+        <p:style>
+          <a:lnRef idx="2">
+            <a:schemeClr val="accent1">
+              <a:shade val="50000"/>
+            </a:schemeClr>
+          </a:lnRef>
+          <a:fillRef idx="1">
+            <a:schemeClr val="accent1"/>
+          </a:fillRef>
+          <a:effectRef idx="0">
+            <a:schemeClr val="accent1"/>
+          </a:effectRef>
+          <a:fontRef idx="minor">
+            <a:schemeClr val="lt1"/>
+          </a:fontRef>
+        </p:style>
+        <p:txBody>
+          <a:bodyPr vert="vert" rtlCol="0" anchor="ctr"/>
+          <a:lstStyle/>
+          <a:p>
+            <a:pPr algn="ctr"/>
+            <a:r>
+              <a:rPr lang="en-US" altLang="zh-CN" dirty="0" err="1" smtClean="0">
+                <a:solidFill>
+                  <a:schemeClr val="tx1"/>
+                </a:solidFill>
+                <a:latin typeface="Times New Roman" panose="02020603050405020304" pitchFamily="18" charset="0"/>
+                <a:cs typeface="Times New Roman" panose="02020603050405020304" pitchFamily="18" charset="0"/>
+              </a:rPr>
+              <a:t>Notifier</a:t>
+            </a:r>
+            <a:endParaRPr lang="zh-CN" altLang="en-US" dirty="0">
+              <a:solidFill>
+                <a:schemeClr val="tx1"/>
+              </a:solidFill>
+              <a:latin typeface="Times New Roman" panose="02020603050405020304" pitchFamily="18" charset="0"/>
+              <a:cs typeface="Times New Roman" panose="02020603050405020304" pitchFamily="18" charset="0"/>
+            </a:endParaRPr>
+          </a:p>
+        </p:txBody>
+      </p:sp>
+      <p:sp>
+        <p:nvSpPr>
+          <p:cNvPr id="37" name="Rounded Rectangle 36"/>
+          <p:cNvSpPr/>
+          <p:nvPr/>
+        </p:nvSpPr>
+        <p:spPr>
+          <a:xfrm>
+            <a:off x="5105400" y="3701955"/>
+            <a:ext cx="971266" cy="1251045"/>
+          </a:xfrm>
+          <a:prstGeom prst="roundRect">
+            <a:avLst/>
+          </a:prstGeom>
+          <a:gradFill>
+            <a:gsLst>
+              <a:gs pos="0">
+                <a:srgbClr val="7066EC"/>
+              </a:gs>
+              <a:gs pos="50000">
+                <a:srgbClr val="A6A2F4"/>
+              </a:gs>
+              <a:gs pos="100000">
+                <a:srgbClr val="DEDDFB"/>
+              </a:gs>
+            </a:gsLst>
+            <a:lin ang="2700000" scaled="1"/>
+          </a:gradFill>
+        </p:spPr>
+        <p:style>
+          <a:lnRef idx="2">
+            <a:schemeClr val="accent1">
+              <a:shade val="50000"/>
+            </a:schemeClr>
+          </a:lnRef>
+          <a:fillRef idx="1">
+            <a:schemeClr val="accent1"/>
+          </a:fillRef>
+          <a:effectRef idx="0">
+            <a:schemeClr val="accent1"/>
+          </a:effectRef>
+          <a:fontRef idx="minor">
+            <a:schemeClr val="lt1"/>
+          </a:fontRef>
+        </p:style>
+        <p:txBody>
+          <a:bodyPr vert="vert" rtlCol="0" anchor="ctr"/>
+          <a:lstStyle/>
+          <a:p>
+            <a:pPr algn="ctr"/>
+            <a:r>
+              <a:rPr lang="en-US" altLang="zh-CN" sz="2000" dirty="0" smtClean="0">
+                <a:solidFill>
+                  <a:schemeClr val="tx1"/>
+                </a:solidFill>
+                <a:latin typeface="Times New Roman" panose="02020603050405020304" pitchFamily="18" charset="0"/>
+                <a:cs typeface="Times New Roman" panose="02020603050405020304" pitchFamily="18" charset="0"/>
+              </a:rPr>
+              <a:t>Starter</a:t>
+            </a:r>
+            <a:endParaRPr lang="zh-CN" altLang="en-US" sz="2000" dirty="0">
+              <a:solidFill>
+                <a:schemeClr val="tx1"/>
+              </a:solidFill>
+              <a:latin typeface="Times New Roman" panose="02020603050405020304" pitchFamily="18" charset="0"/>
+              <a:cs typeface="Times New Roman" panose="02020603050405020304" pitchFamily="18" charset="0"/>
+            </a:endParaRPr>
+          </a:p>
+        </p:txBody>
+      </p:sp>
+      <p:sp>
+        <p:nvSpPr>
+          <p:cNvPr id="39" name="Rectangle 38"/>
+          <p:cNvSpPr/>
+          <p:nvPr/>
+        </p:nvSpPr>
+        <p:spPr>
+          <a:xfrm>
+            <a:off x="533400" y="2438400"/>
+            <a:ext cx="3048000" cy="2514600"/>
+          </a:xfrm>
+          <a:prstGeom prst="rect">
+            <a:avLst/>
+          </a:prstGeom>
+          <a:noFill/>
           <a:ln>
-            <a:noFill/>
+            <a:prstDash val="dash"/>
           </a:ln>
         </p:spPr>
         <p:style>
@@ -7740,39 +7249,51 @@
           <a:lstStyle/>
           <a:p>
             <a:pPr algn="ctr"/>
-            <a:r>
-              <a:rPr lang="en-US" altLang="zh-CN" sz="1400" b="1" dirty="0" smtClean="0">
-                <a:latin typeface="微软雅黑" pitchFamily="34" charset="-122"/>
-                <a:ea typeface="微软雅黑" pitchFamily="34" charset="-122"/>
-              </a:rPr>
-              <a:t>S</a:t>
-            </a:r>
-            <a:endParaRPr lang="zh-CN" altLang="en-US" sz="1400" b="1" dirty="0">
-              <a:latin typeface="微软雅黑" pitchFamily="34" charset="-122"/>
-              <a:ea typeface="微软雅黑" pitchFamily="34" charset="-122"/>
+            <a:endParaRPr lang="zh-CN" altLang="en-US">
+              <a:solidFill>
+                <a:schemeClr val="tx1"/>
+              </a:solidFill>
+              <a:latin typeface="Times New Roman" panose="02020603050405020304" pitchFamily="18" charset="0"/>
+              <a:cs typeface="Times New Roman" panose="02020603050405020304" pitchFamily="18" charset="0"/>
             </a:endParaRPr>
           </a:p>
         </p:txBody>
       </p:sp>
       <p:sp>
         <p:nvSpPr>
-          <p:cNvPr id="43" name="Oval 7"/>
+          <p:cNvPr id="23" name="Rounded Rectangle 22"/>
           <p:cNvSpPr/>
           <p:nvPr/>
         </p:nvSpPr>
         <p:spPr>
           <a:xfrm>
-            <a:off x="6228184" y="5799547"/>
-            <a:ext cx="360040" cy="326253"/>
-          </a:xfrm>
-          <a:prstGeom prst="ellipse">
-            <a:avLst/>
-          </a:prstGeom>
-          <a:solidFill>
-            <a:srgbClr val="FF0000"/>
-          </a:solidFill>
+            <a:off x="791571" y="3701955"/>
+            <a:ext cx="2438400" cy="1073055"/>
+          </a:xfrm>
+          <a:prstGeom prst="roundRect">
+            <a:avLst/>
+          </a:prstGeom>
+          <a:gradFill flip="none" rotWithShape="1">
+            <a:gsLst>
+              <a:gs pos="0">
+                <a:srgbClr val="7ED48C"/>
+              </a:gs>
+              <a:gs pos="50000">
+                <a:srgbClr val="B9EDBE"/>
+              </a:gs>
+              <a:gs pos="100000">
+                <a:srgbClr val="E1F7E2"/>
+              </a:gs>
+            </a:gsLst>
+            <a:lin ang="2700000" scaled="1"/>
+            <a:tileRect/>
+          </a:gradFill>
           <a:ln>
-            <a:noFill/>
+            <a:solidFill>
+              <a:schemeClr val="accent1">
+                <a:shade val="50000"/>
+              </a:schemeClr>
+            </a:solidFill>
           </a:ln>
         </p:spPr>
         <p:style>
@@ -7797,38 +7318,60 @@
           <a:p>
             <a:pPr algn="ctr"/>
             <a:r>
-              <a:rPr lang="en-US" altLang="zh-CN" sz="1400" b="1" dirty="0" smtClean="0">
-                <a:latin typeface="微软雅黑" pitchFamily="34" charset="-122"/>
-                <a:ea typeface="微软雅黑" pitchFamily="34" charset="-122"/>
+              <a:rPr lang="en-US" altLang="zh-CN" dirty="0" smtClean="0">
+                <a:solidFill>
+                  <a:schemeClr val="tx1"/>
+                </a:solidFill>
+                <a:latin typeface="Times New Roman" panose="02020603050405020304" pitchFamily="18" charset="0"/>
+                <a:cs typeface="Times New Roman" panose="02020603050405020304" pitchFamily="18" charset="0"/>
               </a:rPr>
-              <a:t>S</a:t>
-            </a:r>
-            <a:endParaRPr lang="zh-CN" altLang="en-US" sz="1400" b="1" dirty="0">
-              <a:latin typeface="微软雅黑" pitchFamily="34" charset="-122"/>
-              <a:ea typeface="微软雅黑" pitchFamily="34" charset="-122"/>
+              <a:t>Node</a:t>
+            </a:r>
+            <a:endParaRPr lang="zh-CN" altLang="en-US" dirty="0">
+              <a:solidFill>
+                <a:schemeClr val="tx1"/>
+              </a:solidFill>
+              <a:latin typeface="Times New Roman" panose="02020603050405020304" pitchFamily="18" charset="0"/>
+              <a:cs typeface="Times New Roman" panose="02020603050405020304" pitchFamily="18" charset="0"/>
             </a:endParaRPr>
           </a:p>
         </p:txBody>
       </p:sp>
       <p:sp>
         <p:nvSpPr>
-          <p:cNvPr id="44" name="Oval 7"/>
+          <p:cNvPr id="41" name="Rounded Rectangle 40"/>
           <p:cNvSpPr/>
           <p:nvPr/>
         </p:nvSpPr>
         <p:spPr>
           <a:xfrm>
-            <a:off x="8189568" y="1066800"/>
-            <a:ext cx="360040" cy="326253"/>
-          </a:xfrm>
-          <a:prstGeom prst="ellipse">
-            <a:avLst/>
-          </a:prstGeom>
-          <a:solidFill>
-            <a:srgbClr val="FF0000"/>
-          </a:solidFill>
+            <a:off x="791571" y="2659124"/>
+            <a:ext cx="2438400" cy="1042832"/>
+          </a:xfrm>
+          <a:prstGeom prst="roundRect">
+            <a:avLst/>
+          </a:prstGeom>
+          <a:gradFill flip="none" rotWithShape="1">
+            <a:gsLst>
+              <a:gs pos="0">
+                <a:srgbClr val="4848EE"/>
+              </a:gs>
+              <a:gs pos="50000">
+                <a:srgbClr val="9595F9"/>
+              </a:gs>
+              <a:gs pos="100000">
+                <a:srgbClr val="D9D7FB"/>
+              </a:gs>
+            </a:gsLst>
+            <a:lin ang="2700000" scaled="1"/>
+            <a:tileRect/>
+          </a:gradFill>
           <a:ln>
-            <a:noFill/>
+            <a:solidFill>
+              <a:schemeClr val="accent1">
+                <a:shade val="50000"/>
+              </a:schemeClr>
+            </a:solidFill>
           </a:ln>
         </p:spPr>
         <p:style>
@@ -7853,354 +7396,289 @@
           <a:p>
             <a:pPr algn="ctr"/>
             <a:r>
-              <a:rPr lang="en-US" altLang="zh-CN" sz="1400" b="1" dirty="0" smtClean="0">
-                <a:latin typeface="微软雅黑" pitchFamily="34" charset="-122"/>
-                <a:ea typeface="微软雅黑" pitchFamily="34" charset="-122"/>
+              <a:rPr lang="en-US" altLang="zh-CN" dirty="0" err="1" smtClean="0">
+                <a:solidFill>
+                  <a:schemeClr val="tx1"/>
+                </a:solidFill>
+                <a:latin typeface="Times New Roman" panose="02020603050405020304" pitchFamily="18" charset="0"/>
+                <a:cs typeface="Times New Roman" panose="02020603050405020304" pitchFamily="18" charset="0"/>
               </a:rPr>
-              <a:t>T</a:t>
-            </a:r>
-            <a:endParaRPr lang="zh-CN" altLang="en-US" sz="1400" b="1" dirty="0">
-              <a:latin typeface="微软雅黑" pitchFamily="34" charset="-122"/>
-              <a:ea typeface="微软雅黑" pitchFamily="34" charset="-122"/>
+              <a:t>Webkit</a:t>
+            </a:r>
+            <a:endParaRPr lang="zh-CN" altLang="en-US" dirty="0">
+              <a:solidFill>
+                <a:schemeClr val="tx1"/>
+              </a:solidFill>
+              <a:latin typeface="Times New Roman" panose="02020603050405020304" pitchFamily="18" charset="0"/>
+              <a:cs typeface="Times New Roman" panose="02020603050405020304" pitchFamily="18" charset="0"/>
+            </a:endParaRPr>
+          </a:p>
+        </p:txBody>
+      </p:sp>
+      <p:cxnSp>
+        <p:nvCxnSpPr>
+          <p:cNvPr id="43" name="Elbow Connector 42"/>
+          <p:cNvCxnSpPr>
+            <a:stCxn id="21" idx="1"/>
+            <a:endCxn id="23" idx="3"/>
+          </p:cNvCxnSpPr>
+          <p:nvPr/>
+        </p:nvCxnSpPr>
+        <p:spPr>
+          <a:xfrm rot="10800000" flipV="1">
+            <a:off x="3229972" y="3070177"/>
+            <a:ext cx="1875429" cy="1168305"/>
+          </a:xfrm>
+          <a:prstGeom prst="bentConnector3">
+            <a:avLst/>
+          </a:prstGeom>
+          <a:ln>
+            <a:tailEnd type="arrow"/>
+          </a:ln>
+        </p:spPr>
+        <p:style>
+          <a:lnRef idx="1">
+            <a:schemeClr val="accent1"/>
+          </a:lnRef>
+          <a:fillRef idx="0">
+            <a:schemeClr val="accent1"/>
+          </a:fillRef>
+          <a:effectRef idx="0">
+            <a:schemeClr val="accent1"/>
+          </a:effectRef>
+          <a:fontRef idx="minor">
+            <a:schemeClr val="tx1"/>
+          </a:fontRef>
+        </p:style>
+      </p:cxnSp>
+      <p:cxnSp>
+        <p:nvCxnSpPr>
+          <p:cNvPr id="46" name="Elbow Connector 45"/>
+          <p:cNvCxnSpPr>
+            <a:stCxn id="23" idx="2"/>
+            <a:endCxn id="37" idx="2"/>
+          </p:cNvCxnSpPr>
+          <p:nvPr/>
+        </p:nvCxnSpPr>
+        <p:spPr>
+          <a:xfrm rot="16200000" flipH="1">
+            <a:off x="3711907" y="3073874"/>
+            <a:ext cx="177990" cy="3580262"/>
+          </a:xfrm>
+          <a:prstGeom prst="bentConnector3">
+            <a:avLst>
+              <a:gd name="adj1" fmla="val 228434"/>
+            </a:avLst>
+          </a:prstGeom>
+          <a:ln>
+            <a:prstDash val="dash"/>
+            <a:tailEnd type="arrow"/>
+          </a:ln>
+        </p:spPr>
+        <p:style>
+          <a:lnRef idx="1">
+            <a:schemeClr val="accent1"/>
+          </a:lnRef>
+          <a:fillRef idx="0">
+            <a:schemeClr val="accent1"/>
+          </a:fillRef>
+          <a:effectRef idx="0">
+            <a:schemeClr val="accent1"/>
+          </a:effectRef>
+          <a:fontRef idx="minor">
+            <a:schemeClr val="tx1"/>
+          </a:fontRef>
+        </p:style>
+      </p:cxnSp>
+      <p:sp>
+        <p:nvSpPr>
+          <p:cNvPr id="47" name="TextBox 46"/>
+          <p:cNvSpPr txBox="1"/>
+          <p:nvPr/>
+        </p:nvSpPr>
+        <p:spPr>
+          <a:xfrm>
+            <a:off x="3833884" y="2659123"/>
+            <a:ext cx="748923" cy="461665"/>
+          </a:xfrm>
+          <a:prstGeom prst="rect">
+            <a:avLst/>
+          </a:prstGeom>
+          <a:noFill/>
+        </p:spPr>
+        <p:txBody>
+          <a:bodyPr wrap="none" rtlCol="0">
+            <a:spAutoFit/>
+          </a:bodyPr>
+          <a:lstStyle/>
+          <a:p>
+            <a:r>
+              <a:rPr lang="en-US" altLang="zh-CN" dirty="0" smtClean="0">
+                <a:latin typeface="Times New Roman" panose="02020603050405020304" pitchFamily="18" charset="0"/>
+                <a:cs typeface="Times New Roman" panose="02020603050405020304" pitchFamily="18" charset="0"/>
+              </a:rPr>
+              <a:t>TCP</a:t>
+            </a:r>
+            <a:endParaRPr lang="zh-CN" altLang="en-US" dirty="0">
+              <a:latin typeface="Times New Roman" panose="02020603050405020304" pitchFamily="18" charset="0"/>
+              <a:cs typeface="Times New Roman" panose="02020603050405020304" pitchFamily="18" charset="0"/>
             </a:endParaRPr>
           </a:p>
         </p:txBody>
       </p:sp>
       <p:sp>
         <p:nvSpPr>
-          <p:cNvPr id="45" name="Oval 7"/>
-          <p:cNvSpPr/>
+          <p:cNvPr id="48" name="TextBox 47"/>
+          <p:cNvSpPr txBox="1"/>
           <p:nvPr/>
         </p:nvSpPr>
         <p:spPr>
           <a:xfrm>
-            <a:off x="6293532" y="1066800"/>
-            <a:ext cx="360040" cy="326253"/>
-          </a:xfrm>
-          <a:prstGeom prst="ellipse">
-            <a:avLst/>
-          </a:prstGeom>
-          <a:solidFill>
-            <a:srgbClr val="FF0000"/>
-          </a:solidFill>
-          <a:ln>
-            <a:noFill/>
-          </a:ln>
-        </p:spPr>
-        <p:style>
-          <a:lnRef idx="2">
-            <a:schemeClr val="accent1">
-              <a:shade val="50000"/>
-            </a:schemeClr>
-          </a:lnRef>
-          <a:fillRef idx="1">
-            <a:schemeClr val="accent1"/>
-          </a:fillRef>
-          <a:effectRef idx="0">
-            <a:schemeClr val="accent1"/>
-          </a:effectRef>
-          <a:fontRef idx="minor">
-            <a:schemeClr val="lt1"/>
-          </a:fontRef>
-        </p:style>
+            <a:off x="3767576" y="5347732"/>
+            <a:ext cx="801823" cy="461665"/>
+          </a:xfrm>
+          <a:prstGeom prst="rect">
+            <a:avLst/>
+          </a:prstGeom>
+          <a:noFill/>
+        </p:spPr>
         <p:txBody>
-          <a:bodyPr rtlCol="0" anchor="ctr"/>
+          <a:bodyPr wrap="none" rtlCol="0">
+            <a:spAutoFit/>
+          </a:bodyPr>
           <a:lstStyle/>
           <a:p>
-            <a:pPr algn="ctr"/>
-            <a:r>
-              <a:rPr lang="en-US" altLang="zh-CN" sz="1400" b="1" dirty="0" smtClean="0">
-                <a:latin typeface="微软雅黑" pitchFamily="34" charset="-122"/>
-                <a:ea typeface="微软雅黑" pitchFamily="34" charset="-122"/>
+            <a:r>
+              <a:rPr lang="en-US" altLang="zh-CN" dirty="0" smtClean="0">
+                <a:latin typeface="Times New Roman" panose="02020603050405020304" pitchFamily="18" charset="0"/>
+                <a:cs typeface="Times New Roman" panose="02020603050405020304" pitchFamily="18" charset="0"/>
               </a:rPr>
-              <a:t>T</a:t>
-            </a:r>
-            <a:endParaRPr lang="zh-CN" altLang="en-US" sz="1400" b="1" dirty="0">
-              <a:latin typeface="微软雅黑" pitchFamily="34" charset="-122"/>
-              <a:ea typeface="微软雅黑" pitchFamily="34" charset="-122"/>
+              <a:t>UDP</a:t>
+            </a:r>
+            <a:endParaRPr lang="zh-CN" altLang="en-US" dirty="0">
+              <a:latin typeface="Times New Roman" panose="02020603050405020304" pitchFamily="18" charset="0"/>
+              <a:cs typeface="Times New Roman" panose="02020603050405020304" pitchFamily="18" charset="0"/>
             </a:endParaRPr>
           </a:p>
         </p:txBody>
       </p:sp>
       <p:sp>
         <p:nvSpPr>
-          <p:cNvPr id="46" name="Oval 7"/>
-          <p:cNvSpPr/>
+          <p:cNvPr id="49" name="TextBox 48"/>
+          <p:cNvSpPr txBox="1"/>
           <p:nvPr/>
         </p:nvSpPr>
         <p:spPr>
           <a:xfrm>
-            <a:off x="3059832" y="1777250"/>
-            <a:ext cx="360040" cy="326253"/>
-          </a:xfrm>
-          <a:prstGeom prst="ellipse">
-            <a:avLst/>
-          </a:prstGeom>
-          <a:solidFill>
-            <a:srgbClr val="FF0000"/>
-          </a:solidFill>
-          <a:ln>
-            <a:noFill/>
-          </a:ln>
-        </p:spPr>
-        <p:style>
-          <a:lnRef idx="2">
-            <a:schemeClr val="accent1">
-              <a:shade val="50000"/>
-            </a:schemeClr>
-          </a:lnRef>
-          <a:fillRef idx="1">
-            <a:schemeClr val="accent1"/>
-          </a:fillRef>
-          <a:effectRef idx="0">
-            <a:schemeClr val="accent1"/>
-          </a:effectRef>
-          <a:fontRef idx="minor">
-            <a:schemeClr val="lt1"/>
-          </a:fontRef>
-        </p:style>
+            <a:off x="5881942" y="5533071"/>
+            <a:ext cx="1693092" cy="461665"/>
+          </a:xfrm>
+          <a:prstGeom prst="rect">
+            <a:avLst/>
+          </a:prstGeom>
+          <a:noFill/>
+        </p:spPr>
         <p:txBody>
-          <a:bodyPr rtlCol="0" anchor="ctr"/>
-          <a:lstStyle/>
-          <a:p>
-            <a:pPr algn="ctr"/>
-            <a:r>
-              <a:rPr lang="en-US" altLang="zh-CN" sz="1400" b="1" dirty="0" smtClean="0">
-                <a:latin typeface="微软雅黑" pitchFamily="34" charset="-122"/>
-                <a:ea typeface="微软雅黑" pitchFamily="34" charset="-122"/>
-              </a:rPr>
-              <a:t>S</a:t>
-            </a:r>
-            <a:endParaRPr lang="zh-CN" altLang="en-US" sz="1400" b="1" dirty="0">
-              <a:latin typeface="微软雅黑" pitchFamily="34" charset="-122"/>
-              <a:ea typeface="微软雅黑" pitchFamily="34" charset="-122"/>
-            </a:endParaRPr>
-          </a:p>
-        </p:txBody>
-      </p:sp>
-      <p:pic>
-        <p:nvPicPr>
-          <p:cNvPr id="47" name="图片 46"/>
-          <p:cNvPicPr>
-            <a:picLocks noChangeAspect="1"/>
-          </p:cNvPicPr>
-          <p:nvPr/>
-        </p:nvPicPr>
-        <p:blipFill>
-          <a:blip r:embed="rId2">
-            <a:extLst>
-              <a:ext uri="{28A0092B-C50C-407E-A947-70E740481C1C}">
-                <a14:useLocalDpi xmlns:a14="http://schemas.microsoft.com/office/drawing/2010/main" val="0"/>
-              </a:ext>
-            </a:extLst>
-          </a:blip>
-          <a:stretch>
-            <a:fillRect/>
-          </a:stretch>
-        </p:blipFill>
-        <p:spPr>
-          <a:xfrm>
-            <a:off x="-36512" y="6452423"/>
-            <a:ext cx="1219042" cy="389874"/>
-          </a:xfrm>
-          <a:prstGeom prst="rect">
-            <a:avLst/>
-          </a:prstGeom>
-        </p:spPr>
-      </p:pic>
-      <p:sp>
-        <p:nvSpPr>
-          <p:cNvPr id="48" name="矩形 47"/>
-          <p:cNvSpPr/>
-          <p:nvPr/>
-        </p:nvSpPr>
-        <p:spPr bwMode="auto">
-          <a:xfrm>
-            <a:off x="1122229" y="2177445"/>
-            <a:ext cx="3716472" cy="1096493"/>
-          </a:xfrm>
-          <a:prstGeom prst="rect">
-            <a:avLst/>
-          </a:prstGeom>
-          <a:noFill/>
-          <a:ln w="9525" cap="flat" cmpd="sng" algn="ctr">
-            <a:solidFill>
-              <a:schemeClr val="tx1"/>
-            </a:solidFill>
-            <a:prstDash val="dashDot"/>
-            <a:round/>
-            <a:headEnd type="none" w="med" len="med"/>
-            <a:tailEnd type="none" w="med" len="med"/>
-          </a:ln>
-          <a:effectLst/>
-        </p:spPr>
-        <p:txBody>
-          <a:bodyPr vert="horz" wrap="square" lIns="91440" tIns="45720" rIns="91440" bIns="45720" numCol="1" rtlCol="0" anchor="ctr" anchorCtr="0" compatLnSpc="1">
-            <a:prstTxWarp prst="textNoShape">
-              <a:avLst/>
-            </a:prstTxWarp>
+          <a:bodyPr wrap="none" rtlCol="0">
+            <a:spAutoFit/>
           </a:bodyPr>
           <a:lstStyle/>
           <a:p>
-            <a:pPr algn="ctr"/>
-            <a:endParaRPr lang="zh-CN" altLang="en-US" sz="1600" b="1" dirty="0" smtClean="0">
-              <a:solidFill>
-                <a:schemeClr val="bg1"/>
-              </a:solidFill>
-              <a:latin typeface="微软雅黑" pitchFamily="34" charset="-122"/>
-              <a:ea typeface="微软雅黑" pitchFamily="34" charset="-122"/>
+            <a:r>
+              <a:rPr lang="en-US" altLang="zh-CN" dirty="0" smtClean="0">
+                <a:latin typeface="Times New Roman" panose="02020603050405020304" pitchFamily="18" charset="0"/>
+                <a:cs typeface="Times New Roman" panose="02020603050405020304" pitchFamily="18" charset="0"/>
+              </a:rPr>
+              <a:t>Application</a:t>
+            </a:r>
+            <a:endParaRPr lang="zh-CN" altLang="en-US" dirty="0">
+              <a:latin typeface="Times New Roman" panose="02020603050405020304" pitchFamily="18" charset="0"/>
+              <a:cs typeface="Times New Roman" panose="02020603050405020304" pitchFamily="18" charset="0"/>
             </a:endParaRPr>
           </a:p>
         </p:txBody>
       </p:sp>
       <p:sp>
         <p:nvSpPr>
-          <p:cNvPr id="49" name="矩形 48"/>
-          <p:cNvSpPr/>
+          <p:cNvPr id="50" name="TextBox 49"/>
+          <p:cNvSpPr txBox="1"/>
           <p:nvPr/>
         </p:nvSpPr>
-        <p:spPr bwMode="auto">
-          <a:xfrm>
-            <a:off x="2940453" y="990600"/>
-            <a:ext cx="1898247" cy="1199179"/>
+        <p:spPr>
+          <a:xfrm>
+            <a:off x="1295400" y="5533070"/>
+            <a:ext cx="1212191" cy="461665"/>
           </a:xfrm>
           <a:prstGeom prst="rect">
             <a:avLst/>
           </a:prstGeom>
           <a:noFill/>
-          <a:ln w="9525" cap="flat" cmpd="sng" algn="ctr">
-            <a:solidFill>
-              <a:schemeClr val="tx1"/>
-            </a:solidFill>
-            <a:prstDash val="dashDot"/>
-            <a:round/>
-            <a:headEnd type="none" w="med" len="med"/>
-            <a:tailEnd type="none" w="med" len="med"/>
-          </a:ln>
-          <a:effectLst/>
         </p:spPr>
         <p:txBody>
-          <a:bodyPr vert="horz" wrap="square" lIns="91440" tIns="45720" rIns="91440" bIns="45720" numCol="1" rtlCol="0" anchor="ctr" anchorCtr="0" compatLnSpc="1">
-            <a:prstTxWarp prst="textNoShape">
-              <a:avLst/>
-            </a:prstTxWarp>
+          <a:bodyPr wrap="none" rtlCol="0">
+            <a:spAutoFit/>
           </a:bodyPr>
           <a:lstStyle/>
           <a:p>
-            <a:pPr algn="ctr"/>
-            <a:endParaRPr lang="zh-CN" altLang="en-US" sz="1600" b="1" dirty="0" smtClean="0">
-              <a:solidFill>
-                <a:schemeClr val="bg1"/>
-              </a:solidFill>
-              <a:latin typeface="微软雅黑" pitchFamily="34" charset="-122"/>
-              <a:ea typeface="微软雅黑" pitchFamily="34" charset="-122"/>
+            <a:r>
+              <a:rPr lang="en-US" altLang="zh-CN" dirty="0" smtClean="0">
+                <a:latin typeface="Times New Roman" panose="02020603050405020304" pitchFamily="18" charset="0"/>
+                <a:cs typeface="Times New Roman" panose="02020603050405020304" pitchFamily="18" charset="0"/>
+              </a:rPr>
+              <a:t>Monitor</a:t>
+            </a:r>
+            <a:endParaRPr lang="zh-CN" altLang="en-US" dirty="0">
+              <a:latin typeface="Times New Roman" panose="02020603050405020304" pitchFamily="18" charset="0"/>
+              <a:cs typeface="Times New Roman" panose="02020603050405020304" pitchFamily="18" charset="0"/>
             </a:endParaRPr>
           </a:p>
         </p:txBody>
       </p:sp>
       <p:sp>
         <p:nvSpPr>
-          <p:cNvPr id="50" name="矩形 49"/>
-          <p:cNvSpPr/>
-          <p:nvPr/>
+          <p:cNvPr id="57" name="Title 1"/>
+          <p:cNvSpPr>
+            <a:spLocks noGrp="1"/>
+          </p:cNvSpPr>
+          <p:nvPr>
+            <p:ph type="title"/>
+          </p:nvPr>
         </p:nvSpPr>
-        <p:spPr bwMode="auto">
-          <a:xfrm>
-            <a:off x="6143156" y="4709091"/>
-            <a:ext cx="1898247" cy="1528221"/>
-          </a:xfrm>
-          <a:prstGeom prst="rect">
-            <a:avLst/>
-          </a:prstGeom>
-          <a:noFill/>
-          <a:ln w="9525" cap="flat" cmpd="sng" algn="ctr">
-            <a:solidFill>
-              <a:schemeClr val="tx1"/>
-            </a:solidFill>
-            <a:prstDash val="dashDot"/>
-            <a:round/>
-            <a:headEnd type="none" w="med" len="med"/>
-            <a:tailEnd type="none" w="med" len="med"/>
-          </a:ln>
-          <a:effectLst/>
+        <p:spPr>
+          <a:xfrm>
+            <a:off x="1665355" y="448330"/>
+            <a:ext cx="7208643" cy="540000"/>
+          </a:xfrm>
         </p:spPr>
         <p:txBody>
-          <a:bodyPr vert="horz" wrap="square" lIns="91440" tIns="45720" rIns="91440" bIns="45720" numCol="1" rtlCol="0" anchor="ctr" anchorCtr="0" compatLnSpc="1">
-            <a:prstTxWarp prst="textNoShape">
-              <a:avLst/>
-            </a:prstTxWarp>
-          </a:bodyPr>
+          <a:bodyPr/>
           <a:lstStyle/>
           <a:p>
-            <a:pPr algn="ctr"/>
-            <a:endParaRPr lang="zh-CN" altLang="en-US" sz="1600" b="1" dirty="0" smtClean="0">
-              <a:solidFill>
-                <a:schemeClr val="bg1"/>
-              </a:solidFill>
-              <a:latin typeface="微软雅黑" pitchFamily="34" charset="-122"/>
-              <a:ea typeface="微软雅黑" pitchFamily="34" charset="-122"/>
-            </a:endParaRPr>
-          </a:p>
-        </p:txBody>
-      </p:sp>
-      <p:sp>
-        <p:nvSpPr>
-          <p:cNvPr id="54" name="矩形 53"/>
-          <p:cNvSpPr/>
-          <p:nvPr/>
-        </p:nvSpPr>
-        <p:spPr bwMode="auto">
-          <a:xfrm>
-            <a:off x="4953000" y="990600"/>
-            <a:ext cx="1898247" cy="1199179"/>
-          </a:xfrm>
-          <a:prstGeom prst="rect">
-            <a:avLst/>
-          </a:prstGeom>
-          <a:noFill/>
-          <a:ln w="9525" cap="flat" cmpd="sng" algn="ctr">
-            <a:solidFill>
-              <a:schemeClr val="tx1"/>
-            </a:solidFill>
-            <a:prstDash val="dashDot"/>
-            <a:round/>
-            <a:headEnd type="none" w="med" len="med"/>
-            <a:tailEnd type="none" w="med" len="med"/>
-          </a:ln>
-          <a:effectLst/>
-        </p:spPr>
-        <p:txBody>
-          <a:bodyPr vert="horz" wrap="square" lIns="91440" tIns="45720" rIns="91440" bIns="45720" numCol="1" rtlCol="0" anchor="ctr" anchorCtr="0" compatLnSpc="1">
-            <a:prstTxWarp prst="textNoShape">
-              <a:avLst/>
-            </a:prstTxWarp>
-          </a:bodyPr>
-          <a:lstStyle/>
-          <a:p>
-            <a:pPr algn="ctr"/>
-            <a:endParaRPr lang="zh-CN" altLang="en-US" sz="1600" b="1" dirty="0" smtClean="0">
-              <a:solidFill>
-                <a:schemeClr val="bg1"/>
-              </a:solidFill>
-              <a:latin typeface="微软雅黑" pitchFamily="34" charset="-122"/>
-              <a:ea typeface="微软雅黑" pitchFamily="34" charset="-122"/>
-            </a:endParaRPr>
+            <a:r>
+              <a:rPr lang="en-US" altLang="zh-CN" b="0" dirty="0" smtClean="0">
+                <a:latin typeface="Times New Roman" panose="02020603050405020304" pitchFamily="18" charset="0"/>
+                <a:cs typeface="Times New Roman" panose="02020603050405020304" pitchFamily="18" charset="0"/>
+              </a:rPr>
+              <a:t>Inner View</a:t>
+            </a:r>
+            <a:r>
+              <a:rPr lang="en-US" altLang="zh-CN" dirty="0" smtClean="0"/>
+              <a:t>	</a:t>
+            </a:r>
+            <a:endParaRPr lang="zh-CN" altLang="en-US" dirty="0"/>
           </a:p>
         </p:txBody>
       </p:sp>
     </p:spTree>
     <p:extLst>
       <p:ext uri="{BB962C8B-B14F-4D97-AF65-F5344CB8AC3E}">
-        <p14:creationId xmlns:p14="http://schemas.microsoft.com/office/powerpoint/2010/main" val="1927327627"/>
+        <p14:creationId xmlns:p14="http://schemas.microsoft.com/office/powerpoint/2010/main" val="3758936088"/>
       </p:ext>
     </p:extLst>
   </p:cSld>
   <p:clrMapOvr>
     <a:masterClrMapping/>
   </p:clrMapOvr>
-  <p:transition spd="slow">
-    <p:pull/>
-  </p:transition>
   <p:timing>
     <p:tnLst>
       <p:par>
@@ -8230,7 +7708,160 @@
       </p:grpSpPr>
       <p:sp>
         <p:nvSpPr>
-          <p:cNvPr id="6" name="Title 1"/>
+          <p:cNvPr id="3" name="Content Placeholder 2"/>
+          <p:cNvSpPr>
+            <a:spLocks noGrp="1"/>
+          </p:cNvSpPr>
+          <p:nvPr>
+            <p:ph idx="1"/>
+          </p:nvPr>
+        </p:nvSpPr>
+        <p:spPr/>
+        <p:txBody>
+          <a:bodyPr/>
+          <a:lstStyle/>
+          <a:p>
+            <a:r>
+              <a:rPr lang="en-US" altLang="zh-CN" dirty="0" smtClean="0">
+                <a:latin typeface="Times New Roman" panose="02020603050405020304" pitchFamily="18" charset="0"/>
+                <a:cs typeface="Times New Roman" panose="02020603050405020304" pitchFamily="18" charset="0"/>
+              </a:rPr>
+              <a:t>Node-</a:t>
+            </a:r>
+            <a:r>
+              <a:rPr lang="en-US" altLang="zh-CN" dirty="0" err="1" smtClean="0">
+                <a:latin typeface="Times New Roman" panose="02020603050405020304" pitchFamily="18" charset="0"/>
+                <a:cs typeface="Times New Roman" panose="02020603050405020304" pitchFamily="18" charset="0"/>
+              </a:rPr>
+              <a:t>webkit</a:t>
+            </a:r>
+            <a:endParaRPr lang="en-US" altLang="zh-CN" dirty="0" smtClean="0">
+              <a:latin typeface="Times New Roman" panose="02020603050405020304" pitchFamily="18" charset="0"/>
+              <a:cs typeface="Times New Roman" panose="02020603050405020304" pitchFamily="18" charset="0"/>
+            </a:endParaRPr>
+          </a:p>
+          <a:p>
+            <a:pPr lvl="1"/>
+            <a:r>
+              <a:rPr lang="en-US" altLang="zh-CN" dirty="0" smtClean="0">
+                <a:latin typeface="Times New Roman" panose="02020603050405020304" pitchFamily="18" charset="0"/>
+                <a:cs typeface="Times New Roman" panose="02020603050405020304" pitchFamily="18" charset="0"/>
+              </a:rPr>
+              <a:t>An integration </a:t>
+            </a:r>
+            <a:r>
+              <a:rPr lang="en-US" altLang="zh-CN" dirty="0">
+                <a:latin typeface="Times New Roman" panose="02020603050405020304" pitchFamily="18" charset="0"/>
+                <a:cs typeface="Times New Roman" panose="02020603050405020304" pitchFamily="18" charset="0"/>
+              </a:rPr>
+              <a:t>of </a:t>
+            </a:r>
+            <a:r>
+              <a:rPr lang="en-US" altLang="zh-CN" dirty="0" err="1">
+                <a:latin typeface="Times New Roman" panose="02020603050405020304" pitchFamily="18" charset="0"/>
+                <a:cs typeface="Times New Roman" panose="02020603050405020304" pitchFamily="18" charset="0"/>
+              </a:rPr>
+              <a:t>Nodejs</a:t>
+            </a:r>
+            <a:r>
+              <a:rPr lang="en-US" altLang="zh-CN" dirty="0">
+                <a:latin typeface="Times New Roman" panose="02020603050405020304" pitchFamily="18" charset="0"/>
+                <a:cs typeface="Times New Roman" panose="02020603050405020304" pitchFamily="18" charset="0"/>
+              </a:rPr>
+              <a:t> and </a:t>
+            </a:r>
+            <a:r>
+              <a:rPr lang="en-US" altLang="zh-CN" dirty="0" err="1">
+                <a:latin typeface="Times New Roman" panose="02020603050405020304" pitchFamily="18" charset="0"/>
+                <a:cs typeface="Times New Roman" panose="02020603050405020304" pitchFamily="18" charset="0"/>
+              </a:rPr>
+              <a:t>Webkit</a:t>
+            </a:r>
+            <a:r>
+              <a:rPr lang="en-US" altLang="zh-CN" dirty="0">
+                <a:latin typeface="Times New Roman" panose="02020603050405020304" pitchFamily="18" charset="0"/>
+                <a:cs typeface="Times New Roman" panose="02020603050405020304" pitchFamily="18" charset="0"/>
+              </a:rPr>
+              <a:t>.</a:t>
+            </a:r>
+          </a:p>
+          <a:p>
+            <a:pPr lvl="1"/>
+            <a:r>
+              <a:rPr lang="en-US" altLang="zh-CN" dirty="0" smtClean="0">
+                <a:latin typeface="Times New Roman" panose="02020603050405020304" pitchFamily="18" charset="0"/>
+                <a:cs typeface="Times New Roman" panose="02020603050405020304" pitchFamily="18" charset="0"/>
+              </a:rPr>
+              <a:t>Can be a front-end and back-end at the same time</a:t>
+            </a:r>
+          </a:p>
+          <a:p>
+            <a:r>
+              <a:rPr lang="en-US" altLang="zh-CN" dirty="0" smtClean="0">
+                <a:latin typeface="Times New Roman" panose="02020603050405020304" pitchFamily="18" charset="0"/>
+                <a:cs typeface="Times New Roman" panose="02020603050405020304" pitchFamily="18" charset="0"/>
+              </a:rPr>
+              <a:t>Bootstrap</a:t>
+            </a:r>
+          </a:p>
+          <a:p>
+            <a:pPr lvl="1"/>
+            <a:r>
+              <a:rPr lang="en-US" altLang="zh-CN" dirty="0" smtClean="0">
+                <a:latin typeface="Times New Roman" panose="02020603050405020304" pitchFamily="18" charset="0"/>
+                <a:cs typeface="Times New Roman" panose="02020603050405020304" pitchFamily="18" charset="0"/>
+              </a:rPr>
+              <a:t>A HTML Framework</a:t>
+            </a:r>
+          </a:p>
+          <a:p>
+            <a:pPr lvl="1"/>
+            <a:r>
+              <a:rPr lang="en-US" altLang="zh-CN" dirty="0" smtClean="0">
+                <a:latin typeface="Times New Roman" panose="02020603050405020304" pitchFamily="18" charset="0"/>
+                <a:cs typeface="Times New Roman" panose="02020603050405020304" pitchFamily="18" charset="0"/>
+              </a:rPr>
+              <a:t>Simplify the view construction work</a:t>
+            </a:r>
+          </a:p>
+          <a:p>
+            <a:r>
+              <a:rPr lang="en-US" altLang="zh-CN" dirty="0" err="1" smtClean="0">
+                <a:latin typeface="Times New Roman" panose="02020603050405020304" pitchFamily="18" charset="0"/>
+                <a:cs typeface="Times New Roman" panose="02020603050405020304" pitchFamily="18" charset="0"/>
+              </a:rPr>
+              <a:t>Nodejs</a:t>
+            </a:r>
+            <a:endParaRPr lang="en-US" altLang="zh-CN" dirty="0" smtClean="0">
+              <a:latin typeface="Times New Roman" panose="02020603050405020304" pitchFamily="18" charset="0"/>
+              <a:cs typeface="Times New Roman" panose="02020603050405020304" pitchFamily="18" charset="0"/>
+            </a:endParaRPr>
+          </a:p>
+          <a:p>
+            <a:pPr lvl="1"/>
+            <a:r>
+              <a:rPr lang="en-US" altLang="zh-CN" dirty="0" smtClean="0">
+                <a:latin typeface="Times New Roman" panose="02020603050405020304" pitchFamily="18" charset="0"/>
+                <a:cs typeface="Times New Roman" panose="02020603050405020304" pitchFamily="18" charset="0"/>
+              </a:rPr>
+              <a:t>A software platform</a:t>
+            </a:r>
+          </a:p>
+          <a:p>
+            <a:pPr lvl="1"/>
+            <a:r>
+              <a:rPr lang="en-US" altLang="zh-CN" dirty="0" smtClean="0">
+                <a:latin typeface="Times New Roman" panose="02020603050405020304" pitchFamily="18" charset="0"/>
+                <a:cs typeface="Times New Roman" panose="02020603050405020304" pitchFamily="18" charset="0"/>
+              </a:rPr>
+              <a:t>Non-blocking, scalable, multi-platform support…</a:t>
+            </a:r>
+          </a:p>
+        </p:txBody>
+      </p:sp>
+      <p:sp>
+        <p:nvSpPr>
+          <p:cNvPr id="4" name="Title 1"/>
           <p:cNvSpPr>
             <a:spLocks noGrp="1"/>
           </p:cNvSpPr>
@@ -8240,8 +7871,8 @@
         </p:nvSpPr>
         <p:spPr>
           <a:xfrm>
-            <a:off x="1527612" y="533400"/>
-            <a:ext cx="6397188" cy="540000"/>
+            <a:off x="1665355" y="448330"/>
+            <a:ext cx="7208643" cy="540000"/>
           </a:xfrm>
         </p:spPr>
         <p:txBody>
@@ -8249,714 +7880,30 @@
           <a:lstStyle/>
           <a:p>
             <a:r>
-              <a:rPr lang="en-US" altLang="zh-CN" dirty="0" smtClean="0">
-                <a:latin typeface="微软雅黑" panose="020B0503020204020204" pitchFamily="34" charset="-122"/>
-                <a:ea typeface="微软雅黑" panose="020B0503020204020204" pitchFamily="34" charset="-122"/>
-                <a:cs typeface="Microsoft Sans Serif" pitchFamily="34" charset="0"/>
+              <a:rPr lang="en-US" altLang="zh-CN" b="0" dirty="0" smtClean="0">
+                <a:latin typeface="Times New Roman" panose="02020603050405020304" pitchFamily="18" charset="0"/>
+                <a:cs typeface="Times New Roman" panose="02020603050405020304" pitchFamily="18" charset="0"/>
               </a:rPr>
-              <a:t>N-Integration</a:t>
-            </a:r>
-            <a:endParaRPr lang="en-US" dirty="0">
-              <a:latin typeface="微软雅黑" panose="020B0503020204020204" pitchFamily="34" charset="-122"/>
-              <a:ea typeface="微软雅黑" panose="020B0503020204020204" pitchFamily="34" charset="-122"/>
-              <a:cs typeface="Microsoft Sans Serif" pitchFamily="34" charset="0"/>
-            </a:endParaRPr>
-          </a:p>
-        </p:txBody>
-      </p:sp>
-      <p:sp>
-        <p:nvSpPr>
-          <p:cNvPr id="18" name="圆角矩形 17"/>
-          <p:cNvSpPr/>
-          <p:nvPr/>
-        </p:nvSpPr>
-        <p:spPr bwMode="auto">
-          <a:xfrm>
-            <a:off x="1295401" y="1676400"/>
-            <a:ext cx="1588673" cy="792088"/>
-          </a:xfrm>
-          <a:prstGeom prst="roundRect">
-            <a:avLst/>
-          </a:prstGeom>
-          <a:solidFill>
-            <a:srgbClr val="00B050"/>
-          </a:solidFill>
-          <a:ln w="9525" cap="flat" cmpd="sng" algn="ctr">
-            <a:solidFill>
-              <a:schemeClr val="bg1"/>
-            </a:solidFill>
-            <a:prstDash val="solid"/>
-            <a:round/>
-            <a:headEnd type="none" w="med" len="med"/>
-            <a:tailEnd type="none" w="med" len="med"/>
-          </a:ln>
-          <a:effectLst/>
-        </p:spPr>
-        <p:txBody>
-          <a:bodyPr vert="horz" wrap="square" lIns="91440" tIns="45720" rIns="91440" bIns="45720" numCol="1" rtlCol="0" anchor="ctr" anchorCtr="0" compatLnSpc="1">
-            <a:prstTxWarp prst="textNoShape">
-              <a:avLst/>
-            </a:prstTxWarp>
-          </a:bodyPr>
-          <a:lstStyle/>
-          <a:p>
-            <a:pPr algn="ctr"/>
-            <a:r>
-              <a:rPr lang="en-US" altLang="zh-CN" sz="2000" dirty="0" smtClean="0">
-                <a:solidFill>
-                  <a:schemeClr val="bg1"/>
-                </a:solidFill>
-                <a:latin typeface="微软雅黑" pitchFamily="34" charset="-122"/>
-                <a:ea typeface="微软雅黑" pitchFamily="34" charset="-122"/>
-              </a:rPr>
-              <a:t>s-</a:t>
-            </a:r>
-            <a:r>
-              <a:rPr lang="en-US" altLang="zh-CN" sz="2000" dirty="0" err="1" smtClean="0">
-                <a:solidFill>
-                  <a:schemeClr val="bg1"/>
-                </a:solidFill>
-                <a:latin typeface="微软雅黑" pitchFamily="34" charset="-122"/>
-                <a:ea typeface="微软雅黑" pitchFamily="34" charset="-122"/>
-              </a:rPr>
-              <a:t>ntp</a:t>
-            </a:r>
-            <a:endParaRPr lang="zh-CN" altLang="en-US" sz="2000" dirty="0">
-              <a:solidFill>
-                <a:schemeClr val="bg1"/>
-              </a:solidFill>
-              <a:latin typeface="微软雅黑" pitchFamily="34" charset="-122"/>
-              <a:ea typeface="微软雅黑" pitchFamily="34" charset="-122"/>
-            </a:endParaRPr>
-          </a:p>
-        </p:txBody>
-      </p:sp>
-      <p:pic>
-        <p:nvPicPr>
-          <p:cNvPr id="47" name="图片 46"/>
-          <p:cNvPicPr>
-            <a:picLocks noChangeAspect="1"/>
-          </p:cNvPicPr>
-          <p:nvPr/>
-        </p:nvPicPr>
-        <p:blipFill>
-          <a:blip r:embed="rId2">
-            <a:extLst>
-              <a:ext uri="{28A0092B-C50C-407E-A947-70E740481C1C}">
-                <a14:useLocalDpi xmlns:a14="http://schemas.microsoft.com/office/drawing/2010/main" val="0"/>
-              </a:ext>
-            </a:extLst>
-          </a:blip>
-          <a:stretch>
-            <a:fillRect/>
-          </a:stretch>
-        </p:blipFill>
-        <p:spPr>
-          <a:xfrm>
-            <a:off x="-36512" y="6452423"/>
-            <a:ext cx="1219042" cy="389874"/>
-          </a:xfrm>
-          <a:prstGeom prst="rect">
-            <a:avLst/>
-          </a:prstGeom>
-        </p:spPr>
-      </p:pic>
-      <p:sp>
-        <p:nvSpPr>
-          <p:cNvPr id="48" name="圆角矩形 47"/>
-          <p:cNvSpPr/>
-          <p:nvPr/>
-        </p:nvSpPr>
-        <p:spPr bwMode="auto">
-          <a:xfrm>
-            <a:off x="3064067" y="1676400"/>
-            <a:ext cx="1588673" cy="792088"/>
-          </a:xfrm>
-          <a:prstGeom prst="roundRect">
-            <a:avLst/>
-          </a:prstGeom>
-          <a:solidFill>
-            <a:srgbClr val="00B050"/>
-          </a:solidFill>
-          <a:ln w="9525" cap="flat" cmpd="sng" algn="ctr">
-            <a:solidFill>
-              <a:schemeClr val="bg1"/>
-            </a:solidFill>
-            <a:prstDash val="solid"/>
-            <a:round/>
-            <a:headEnd type="none" w="med" len="med"/>
-            <a:tailEnd type="none" w="med" len="med"/>
-          </a:ln>
-          <a:effectLst/>
-        </p:spPr>
-        <p:txBody>
-          <a:bodyPr vert="horz" wrap="square" lIns="91440" tIns="45720" rIns="91440" bIns="45720" numCol="1" rtlCol="0" anchor="ctr" anchorCtr="0" compatLnSpc="1">
-            <a:prstTxWarp prst="textNoShape">
-              <a:avLst/>
-            </a:prstTxWarp>
-          </a:bodyPr>
-          <a:lstStyle/>
-          <a:p>
-            <a:pPr algn="ctr"/>
-            <a:r>
-              <a:rPr lang="en-US" altLang="zh-CN" sz="2000" dirty="0" smtClean="0">
-                <a:solidFill>
-                  <a:schemeClr val="bg1"/>
-                </a:solidFill>
-                <a:latin typeface="微软雅黑" pitchFamily="34" charset="-122"/>
-                <a:ea typeface="微软雅黑" pitchFamily="34" charset="-122"/>
-              </a:rPr>
-              <a:t>s-</a:t>
-            </a:r>
-            <a:r>
-              <a:rPr lang="en-US" altLang="zh-CN" sz="2000" dirty="0" err="1" smtClean="0">
-                <a:solidFill>
-                  <a:schemeClr val="bg1"/>
-                </a:solidFill>
-                <a:latin typeface="微软雅黑" pitchFamily="34" charset="-122"/>
-                <a:ea typeface="微软雅黑" pitchFamily="34" charset="-122"/>
-              </a:rPr>
-              <a:t>mqtt</a:t>
-            </a:r>
-            <a:endParaRPr lang="zh-CN" altLang="en-US" sz="2000" dirty="0">
-              <a:solidFill>
-                <a:schemeClr val="bg1"/>
-              </a:solidFill>
-              <a:latin typeface="微软雅黑" pitchFamily="34" charset="-122"/>
-              <a:ea typeface="微软雅黑" pitchFamily="34" charset="-122"/>
-            </a:endParaRPr>
-          </a:p>
-        </p:txBody>
-      </p:sp>
-      <p:sp>
-        <p:nvSpPr>
-          <p:cNvPr id="49" name="圆角矩形 48"/>
-          <p:cNvSpPr/>
-          <p:nvPr/>
-        </p:nvSpPr>
-        <p:spPr bwMode="auto">
-          <a:xfrm>
-            <a:off x="4832733" y="1676400"/>
-            <a:ext cx="1588673" cy="792088"/>
-          </a:xfrm>
-          <a:prstGeom prst="roundRect">
-            <a:avLst/>
-          </a:prstGeom>
-          <a:solidFill>
-            <a:srgbClr val="00B050"/>
-          </a:solidFill>
-          <a:ln w="9525" cap="flat" cmpd="sng" algn="ctr">
-            <a:solidFill>
-              <a:schemeClr val="bg1"/>
-            </a:solidFill>
-            <a:prstDash val="solid"/>
-            <a:round/>
-            <a:headEnd type="none" w="med" len="med"/>
-            <a:tailEnd type="none" w="med" len="med"/>
-          </a:ln>
-          <a:effectLst/>
-        </p:spPr>
-        <p:txBody>
-          <a:bodyPr vert="horz" wrap="square" lIns="91440" tIns="45720" rIns="91440" bIns="45720" numCol="1" rtlCol="0" anchor="ctr" anchorCtr="0" compatLnSpc="1">
-            <a:prstTxWarp prst="textNoShape">
-              <a:avLst/>
-            </a:prstTxWarp>
-          </a:bodyPr>
-          <a:lstStyle/>
-          <a:p>
-            <a:pPr algn="ctr"/>
-            <a:r>
-              <a:rPr lang="en-US" altLang="zh-CN" sz="2000" dirty="0" smtClean="0">
-                <a:solidFill>
-                  <a:schemeClr val="bg1"/>
-                </a:solidFill>
-                <a:latin typeface="微软雅黑" pitchFamily="34" charset="-122"/>
-                <a:ea typeface="微软雅黑" pitchFamily="34" charset="-122"/>
-              </a:rPr>
-              <a:t>s-jms</a:t>
-            </a:r>
-            <a:endParaRPr lang="zh-CN" altLang="en-US" sz="2000" dirty="0">
-              <a:solidFill>
-                <a:schemeClr val="bg1"/>
-              </a:solidFill>
-              <a:latin typeface="微软雅黑" pitchFamily="34" charset="-122"/>
-              <a:ea typeface="微软雅黑" pitchFamily="34" charset="-122"/>
-            </a:endParaRPr>
-          </a:p>
-        </p:txBody>
-      </p:sp>
-      <p:sp>
-        <p:nvSpPr>
-          <p:cNvPr id="50" name="圆角矩形 49"/>
-          <p:cNvSpPr/>
-          <p:nvPr/>
-        </p:nvSpPr>
-        <p:spPr bwMode="auto">
-          <a:xfrm>
-            <a:off x="1295400" y="2794000"/>
-            <a:ext cx="1588673" cy="792088"/>
-          </a:xfrm>
-          <a:prstGeom prst="roundRect">
-            <a:avLst/>
-          </a:prstGeom>
-          <a:solidFill>
-            <a:srgbClr val="000099"/>
-          </a:solidFill>
-          <a:ln w="9525" cap="flat" cmpd="sng" algn="ctr">
-            <a:solidFill>
-              <a:schemeClr val="bg1"/>
-            </a:solidFill>
-            <a:prstDash val="solid"/>
-            <a:round/>
-            <a:headEnd type="none" w="med" len="med"/>
-            <a:tailEnd type="none" w="med" len="med"/>
-          </a:ln>
-          <a:effectLst/>
-        </p:spPr>
-        <p:txBody>
-          <a:bodyPr vert="horz" wrap="square" lIns="91440" tIns="45720" rIns="91440" bIns="45720" numCol="1" rtlCol="0" anchor="ctr" anchorCtr="0" compatLnSpc="1">
-            <a:prstTxWarp prst="textNoShape">
-              <a:avLst/>
-            </a:prstTxWarp>
-          </a:bodyPr>
-          <a:lstStyle/>
-          <a:p>
-            <a:pPr algn="ctr"/>
-            <a:r>
-              <a:rPr lang="en-US" altLang="zh-CN" sz="2000" dirty="0">
-                <a:solidFill>
-                  <a:schemeClr val="bg1"/>
-                </a:solidFill>
-                <a:latin typeface="微软雅黑" pitchFamily="34" charset="-122"/>
-                <a:ea typeface="微软雅黑" pitchFamily="34" charset="-122"/>
-              </a:rPr>
-              <a:t>c</a:t>
-            </a:r>
-            <a:r>
-              <a:rPr lang="en-US" altLang="zh-CN" sz="2000" dirty="0" smtClean="0">
-                <a:solidFill>
-                  <a:schemeClr val="bg1"/>
-                </a:solidFill>
-                <a:latin typeface="微软雅黑" pitchFamily="34" charset="-122"/>
-                <a:ea typeface="微软雅黑" pitchFamily="34" charset="-122"/>
-              </a:rPr>
-              <a:t>-</a:t>
-            </a:r>
-            <a:r>
-              <a:rPr lang="en-US" altLang="zh-CN" sz="2000" dirty="0" err="1" smtClean="0">
-                <a:solidFill>
-                  <a:schemeClr val="bg1"/>
-                </a:solidFill>
-                <a:latin typeface="微软雅黑" pitchFamily="34" charset="-122"/>
-                <a:ea typeface="微软雅黑" pitchFamily="34" charset="-122"/>
-              </a:rPr>
-              <a:t>jira</a:t>
-            </a:r>
-            <a:endParaRPr lang="zh-CN" altLang="en-US" sz="2000" dirty="0">
-              <a:solidFill>
-                <a:schemeClr val="bg1"/>
-              </a:solidFill>
-              <a:latin typeface="微软雅黑" pitchFamily="34" charset="-122"/>
-              <a:ea typeface="微软雅黑" pitchFamily="34" charset="-122"/>
-            </a:endParaRPr>
-          </a:p>
-        </p:txBody>
-      </p:sp>
-      <p:sp>
-        <p:nvSpPr>
-          <p:cNvPr id="51" name="圆角矩形 50"/>
-          <p:cNvSpPr/>
-          <p:nvPr/>
-        </p:nvSpPr>
-        <p:spPr bwMode="auto">
-          <a:xfrm>
-            <a:off x="1295400" y="5029200"/>
-            <a:ext cx="1588673" cy="792088"/>
-          </a:xfrm>
-          <a:prstGeom prst="roundRect">
-            <a:avLst/>
-          </a:prstGeom>
-          <a:solidFill>
-            <a:srgbClr val="C00000"/>
-          </a:solidFill>
-          <a:ln w="9525" cap="flat" cmpd="sng" algn="ctr">
-            <a:solidFill>
-              <a:schemeClr val="bg1"/>
-            </a:solidFill>
-            <a:prstDash val="solid"/>
-            <a:round/>
-            <a:headEnd type="none" w="med" len="med"/>
-            <a:tailEnd type="none" w="med" len="med"/>
-          </a:ln>
-          <a:effectLst/>
-        </p:spPr>
-        <p:txBody>
-          <a:bodyPr vert="horz" wrap="square" lIns="91440" tIns="45720" rIns="91440" bIns="45720" numCol="1" rtlCol="0" anchor="ctr" anchorCtr="0" compatLnSpc="1">
-            <a:prstTxWarp prst="textNoShape">
-              <a:avLst/>
-            </a:prstTxWarp>
-          </a:bodyPr>
-          <a:lstStyle/>
-          <a:p>
-            <a:pPr algn="ctr"/>
-            <a:r>
-              <a:rPr lang="en-US" altLang="zh-CN" sz="2000" dirty="0" smtClean="0">
-                <a:solidFill>
-                  <a:schemeClr val="bg1"/>
-                </a:solidFill>
-                <a:latin typeface="微软雅黑" pitchFamily="34" charset="-122"/>
-                <a:ea typeface="微软雅黑" pitchFamily="34" charset="-122"/>
-              </a:rPr>
-              <a:t>p-process</a:t>
-            </a:r>
-            <a:endParaRPr lang="zh-CN" altLang="en-US" sz="2000" dirty="0">
-              <a:solidFill>
-                <a:schemeClr val="bg1"/>
-              </a:solidFill>
-              <a:latin typeface="微软雅黑" pitchFamily="34" charset="-122"/>
-              <a:ea typeface="微软雅黑" pitchFamily="34" charset="-122"/>
-            </a:endParaRPr>
-          </a:p>
-        </p:txBody>
-      </p:sp>
-      <p:sp>
-        <p:nvSpPr>
-          <p:cNvPr id="52" name="圆角矩形 51"/>
-          <p:cNvSpPr/>
-          <p:nvPr/>
-        </p:nvSpPr>
-        <p:spPr bwMode="auto">
-          <a:xfrm>
-            <a:off x="6601398" y="1676400"/>
-            <a:ext cx="1588673" cy="792088"/>
-          </a:xfrm>
-          <a:prstGeom prst="roundRect">
-            <a:avLst/>
-          </a:prstGeom>
-          <a:solidFill>
-            <a:srgbClr val="00B050"/>
-          </a:solidFill>
-          <a:ln w="9525" cap="flat" cmpd="sng" algn="ctr">
-            <a:solidFill>
-              <a:schemeClr val="bg1"/>
-            </a:solidFill>
-            <a:prstDash val="solid"/>
-            <a:round/>
-            <a:headEnd type="none" w="med" len="med"/>
-            <a:tailEnd type="none" w="med" len="med"/>
-          </a:ln>
-          <a:effectLst/>
-        </p:spPr>
-        <p:txBody>
-          <a:bodyPr vert="horz" wrap="square" lIns="91440" tIns="45720" rIns="91440" bIns="45720" numCol="1" rtlCol="0" anchor="ctr" anchorCtr="0" compatLnSpc="1">
-            <a:prstTxWarp prst="textNoShape">
-              <a:avLst/>
-            </a:prstTxWarp>
-          </a:bodyPr>
-          <a:lstStyle/>
-          <a:p>
-            <a:pPr algn="ctr"/>
-            <a:r>
-              <a:rPr lang="en-US" altLang="zh-CN" sz="2000" dirty="0" smtClean="0">
-                <a:solidFill>
-                  <a:schemeClr val="bg1"/>
-                </a:solidFill>
-                <a:latin typeface="微软雅黑" pitchFamily="34" charset="-122"/>
-                <a:ea typeface="微软雅黑" pitchFamily="34" charset="-122"/>
-              </a:rPr>
-              <a:t>s-camel</a:t>
-            </a:r>
-            <a:endParaRPr lang="zh-CN" altLang="en-US" sz="2000" dirty="0">
-              <a:solidFill>
-                <a:schemeClr val="bg1"/>
-              </a:solidFill>
-              <a:latin typeface="微软雅黑" pitchFamily="34" charset="-122"/>
-              <a:ea typeface="微软雅黑" pitchFamily="34" charset="-122"/>
-            </a:endParaRPr>
-          </a:p>
-        </p:txBody>
-      </p:sp>
-      <p:sp>
-        <p:nvSpPr>
-          <p:cNvPr id="53" name="圆角矩形 52"/>
-          <p:cNvSpPr/>
-          <p:nvPr/>
-        </p:nvSpPr>
-        <p:spPr bwMode="auto">
-          <a:xfrm>
-            <a:off x="3064066" y="2796344"/>
-            <a:ext cx="1588673" cy="792088"/>
-          </a:xfrm>
-          <a:prstGeom prst="roundRect">
-            <a:avLst/>
-          </a:prstGeom>
-          <a:solidFill>
-            <a:srgbClr val="000099"/>
-          </a:solidFill>
-          <a:ln w="9525" cap="flat" cmpd="sng" algn="ctr">
-            <a:solidFill>
-              <a:schemeClr val="bg1"/>
-            </a:solidFill>
-            <a:prstDash val="solid"/>
-            <a:round/>
-            <a:headEnd type="none" w="med" len="med"/>
-            <a:tailEnd type="none" w="med" len="med"/>
-          </a:ln>
-          <a:effectLst/>
-        </p:spPr>
-        <p:txBody>
-          <a:bodyPr vert="horz" wrap="square" lIns="91440" tIns="45720" rIns="91440" bIns="45720" numCol="1" rtlCol="0" anchor="ctr" anchorCtr="0" compatLnSpc="1">
-            <a:prstTxWarp prst="textNoShape">
-              <a:avLst/>
-            </a:prstTxWarp>
-          </a:bodyPr>
-          <a:lstStyle/>
-          <a:p>
-            <a:pPr algn="ctr"/>
-            <a:r>
-              <a:rPr lang="en-US" altLang="zh-CN" sz="2000" dirty="0" smtClean="0">
-                <a:solidFill>
-                  <a:schemeClr val="bg1"/>
-                </a:solidFill>
-                <a:latin typeface="微软雅黑" pitchFamily="34" charset="-122"/>
-                <a:ea typeface="微软雅黑" pitchFamily="34" charset="-122"/>
-              </a:rPr>
-              <a:t>c-app</a:t>
-            </a:r>
-            <a:endParaRPr lang="zh-CN" altLang="en-US" sz="2000" dirty="0">
-              <a:solidFill>
-                <a:schemeClr val="bg1"/>
-              </a:solidFill>
-              <a:latin typeface="微软雅黑" pitchFamily="34" charset="-122"/>
-              <a:ea typeface="微软雅黑" pitchFamily="34" charset="-122"/>
-            </a:endParaRPr>
-          </a:p>
-        </p:txBody>
-      </p:sp>
-      <p:sp>
-        <p:nvSpPr>
-          <p:cNvPr id="54" name="圆角矩形 53"/>
-          <p:cNvSpPr/>
-          <p:nvPr/>
-        </p:nvSpPr>
-        <p:spPr bwMode="auto">
-          <a:xfrm>
-            <a:off x="4832733" y="2789312"/>
-            <a:ext cx="1588673" cy="792088"/>
-          </a:xfrm>
-          <a:prstGeom prst="roundRect">
-            <a:avLst/>
-          </a:prstGeom>
-          <a:solidFill>
-            <a:srgbClr val="000099"/>
-          </a:solidFill>
-          <a:ln w="9525" cap="flat" cmpd="sng" algn="ctr">
-            <a:solidFill>
-              <a:schemeClr val="bg1"/>
-            </a:solidFill>
-            <a:prstDash val="solid"/>
-            <a:round/>
-            <a:headEnd type="none" w="med" len="med"/>
-            <a:tailEnd type="none" w="med" len="med"/>
-          </a:ln>
-          <a:effectLst/>
-        </p:spPr>
-        <p:txBody>
-          <a:bodyPr vert="horz" wrap="square" lIns="91440" tIns="45720" rIns="91440" bIns="45720" numCol="1" rtlCol="0" anchor="ctr" anchorCtr="0" compatLnSpc="1">
-            <a:prstTxWarp prst="textNoShape">
-              <a:avLst/>
-            </a:prstTxWarp>
-          </a:bodyPr>
-          <a:lstStyle/>
-          <a:p>
-            <a:pPr algn="ctr"/>
-            <a:r>
-              <a:rPr lang="en-US" altLang="zh-CN" sz="2000" dirty="0">
-                <a:solidFill>
-                  <a:schemeClr val="bg1"/>
-                </a:solidFill>
-                <a:latin typeface="微软雅黑" pitchFamily="34" charset="-122"/>
-                <a:ea typeface="微软雅黑" pitchFamily="34" charset="-122"/>
-              </a:rPr>
-              <a:t>s</a:t>
-            </a:r>
-            <a:r>
-              <a:rPr lang="en-US" altLang="zh-CN" sz="2000" dirty="0" smtClean="0">
-                <a:solidFill>
-                  <a:schemeClr val="bg1"/>
-                </a:solidFill>
-                <a:latin typeface="微软雅黑" pitchFamily="34" charset="-122"/>
-                <a:ea typeface="微软雅黑" pitchFamily="34" charset="-122"/>
-              </a:rPr>
-              <a:t>-cpack</a:t>
-            </a:r>
-            <a:endParaRPr lang="zh-CN" altLang="en-US" sz="2000" dirty="0">
-              <a:solidFill>
-                <a:schemeClr val="bg1"/>
-              </a:solidFill>
-              <a:latin typeface="微软雅黑" pitchFamily="34" charset="-122"/>
-              <a:ea typeface="微软雅黑" pitchFamily="34" charset="-122"/>
-            </a:endParaRPr>
-          </a:p>
-        </p:txBody>
-      </p:sp>
-      <p:sp>
-        <p:nvSpPr>
-          <p:cNvPr id="55" name="圆角矩形 54"/>
-          <p:cNvSpPr/>
-          <p:nvPr/>
-        </p:nvSpPr>
-        <p:spPr bwMode="auto">
-          <a:xfrm>
-            <a:off x="1295400" y="3911600"/>
-            <a:ext cx="1588673" cy="792088"/>
-          </a:xfrm>
-          <a:prstGeom prst="roundRect">
-            <a:avLst/>
-          </a:prstGeom>
-          <a:solidFill>
-            <a:srgbClr val="FFC000"/>
-          </a:solidFill>
-          <a:ln w="9525" cap="flat" cmpd="sng" algn="ctr">
-            <a:solidFill>
-              <a:schemeClr val="bg1"/>
-            </a:solidFill>
-            <a:prstDash val="solid"/>
-            <a:round/>
-            <a:headEnd type="none" w="med" len="med"/>
-            <a:tailEnd type="none" w="med" len="med"/>
-          </a:ln>
-          <a:effectLst/>
-        </p:spPr>
-        <p:txBody>
-          <a:bodyPr vert="horz" wrap="square" lIns="91440" tIns="45720" rIns="91440" bIns="45720" numCol="1" rtlCol="0" anchor="ctr" anchorCtr="0" compatLnSpc="1">
-            <a:prstTxWarp prst="textNoShape">
-              <a:avLst/>
-            </a:prstTxWarp>
-          </a:bodyPr>
-          <a:lstStyle/>
-          <a:p>
-            <a:pPr algn="ctr"/>
-            <a:r>
-              <a:rPr lang="en-US" altLang="zh-CN" sz="2000" dirty="0">
-                <a:solidFill>
-                  <a:schemeClr val="bg1"/>
-                </a:solidFill>
-                <a:latin typeface="微软雅黑" pitchFamily="34" charset="-122"/>
-                <a:ea typeface="微软雅黑" pitchFamily="34" charset="-122"/>
-              </a:rPr>
-              <a:t>m</a:t>
-            </a:r>
-            <a:r>
-              <a:rPr lang="en-US" altLang="zh-CN" sz="2000" dirty="0" smtClean="0">
-                <a:solidFill>
-                  <a:schemeClr val="bg1"/>
-                </a:solidFill>
-                <a:latin typeface="微软雅黑" pitchFamily="34" charset="-122"/>
-                <a:ea typeface="微软雅黑" pitchFamily="34" charset="-122"/>
-              </a:rPr>
-              <a:t>c-ngbf</a:t>
-            </a:r>
-            <a:endParaRPr lang="zh-CN" altLang="en-US" sz="2000" dirty="0">
-              <a:solidFill>
-                <a:schemeClr val="bg1"/>
-              </a:solidFill>
-              <a:latin typeface="微软雅黑" pitchFamily="34" charset="-122"/>
-              <a:ea typeface="微软雅黑" pitchFamily="34" charset="-122"/>
-            </a:endParaRPr>
-          </a:p>
-        </p:txBody>
-      </p:sp>
-      <p:sp>
-        <p:nvSpPr>
-          <p:cNvPr id="56" name="圆角矩形 55"/>
-          <p:cNvSpPr/>
-          <p:nvPr/>
-        </p:nvSpPr>
-        <p:spPr bwMode="auto">
-          <a:xfrm>
-            <a:off x="3064066" y="3916288"/>
-            <a:ext cx="1588673" cy="792088"/>
-          </a:xfrm>
-          <a:prstGeom prst="roundRect">
-            <a:avLst/>
-          </a:prstGeom>
-          <a:solidFill>
-            <a:srgbClr val="FFC000"/>
-          </a:solidFill>
-          <a:ln w="9525" cap="flat" cmpd="sng" algn="ctr">
-            <a:solidFill>
-              <a:schemeClr val="bg1"/>
-            </a:solidFill>
-            <a:prstDash val="solid"/>
-            <a:round/>
-            <a:headEnd type="none" w="med" len="med"/>
-            <a:tailEnd type="none" w="med" len="med"/>
-          </a:ln>
-          <a:effectLst/>
-        </p:spPr>
-        <p:txBody>
-          <a:bodyPr vert="horz" wrap="square" lIns="91440" tIns="45720" rIns="91440" bIns="45720" numCol="1" rtlCol="0" anchor="ctr" anchorCtr="0" compatLnSpc="1">
-            <a:prstTxWarp prst="textNoShape">
-              <a:avLst/>
-            </a:prstTxWarp>
-          </a:bodyPr>
-          <a:lstStyle/>
-          <a:p>
-            <a:pPr algn="ctr"/>
-            <a:r>
-              <a:rPr lang="en-US" altLang="zh-CN" sz="2000" dirty="0" err="1">
-                <a:solidFill>
-                  <a:schemeClr val="bg1"/>
-                </a:solidFill>
-                <a:latin typeface="微软雅黑" pitchFamily="34" charset="-122"/>
-                <a:ea typeface="微软雅黑" pitchFamily="34" charset="-122"/>
-              </a:rPr>
-              <a:t>m</a:t>
-            </a:r>
-            <a:r>
-              <a:rPr lang="en-US" altLang="zh-CN" sz="2000" dirty="0" err="1" smtClean="0">
-                <a:solidFill>
-                  <a:schemeClr val="bg1"/>
-                </a:solidFill>
-                <a:latin typeface="微软雅黑" pitchFamily="34" charset="-122"/>
-                <a:ea typeface="微软雅黑" pitchFamily="34" charset="-122"/>
-              </a:rPr>
-              <a:t>s</a:t>
-            </a:r>
-            <a:r>
-              <a:rPr lang="en-US" altLang="zh-CN" sz="2000" dirty="0" smtClean="0">
-                <a:solidFill>
-                  <a:schemeClr val="bg1"/>
-                </a:solidFill>
-                <a:latin typeface="微软雅黑" pitchFamily="34" charset="-122"/>
-                <a:ea typeface="微软雅黑" pitchFamily="34" charset="-122"/>
-              </a:rPr>
-              <a:t>-util</a:t>
-            </a:r>
-            <a:endParaRPr lang="zh-CN" altLang="en-US" sz="2000" dirty="0">
-              <a:solidFill>
-                <a:schemeClr val="bg1"/>
-              </a:solidFill>
-              <a:latin typeface="微软雅黑" pitchFamily="34" charset="-122"/>
-              <a:ea typeface="微软雅黑" pitchFamily="34" charset="-122"/>
-            </a:endParaRPr>
+              <a:t>Technologies Used</a:t>
+            </a:r>
+            <a:r>
+              <a:rPr lang="en-US" altLang="zh-CN" dirty="0" smtClean="0"/>
+              <a:t>	</a:t>
+            </a:r>
+            <a:endParaRPr lang="zh-CN" altLang="en-US" dirty="0"/>
           </a:p>
         </p:txBody>
       </p:sp>
     </p:spTree>
     <p:extLst>
       <p:ext uri="{BB962C8B-B14F-4D97-AF65-F5344CB8AC3E}">
-        <p14:creationId xmlns:p14="http://schemas.microsoft.com/office/powerpoint/2010/main" val="75187074"/>
+        <p14:creationId xmlns:p14="http://schemas.microsoft.com/office/powerpoint/2010/main" val="2971876690"/>
       </p:ext>
     </p:extLst>
   </p:cSld>
   <p:clrMapOvr>
     <a:masterClrMapping/>
   </p:clrMapOvr>
-  <p:transition spd="slow">
-    <p:pull/>
-  </p:transition>
   <p:timing>
     <p:tnLst>
       <p:par>
@@ -8986,7 +7933,107 @@
       </p:grpSpPr>
       <p:sp>
         <p:nvSpPr>
-          <p:cNvPr id="5" name="内容占位符 2"/>
+          <p:cNvPr id="3" name="Content Placeholder 2"/>
+          <p:cNvSpPr>
+            <a:spLocks noGrp="1"/>
+          </p:cNvSpPr>
+          <p:nvPr>
+            <p:ph idx="1"/>
+          </p:nvPr>
+        </p:nvSpPr>
+        <p:spPr/>
+        <p:txBody>
+          <a:bodyPr/>
+          <a:lstStyle/>
+          <a:p>
+            <a:r>
+              <a:rPr lang="en-US" altLang="zh-CN" dirty="0" smtClean="0">
+                <a:latin typeface="Times New Roman" panose="02020603050405020304" pitchFamily="18" charset="0"/>
+                <a:cs typeface="Times New Roman" panose="02020603050405020304" pitchFamily="18" charset="0"/>
+              </a:rPr>
+              <a:t>Good Point:</a:t>
+            </a:r>
+          </a:p>
+          <a:p>
+            <a:pPr lvl="1"/>
+            <a:r>
+              <a:rPr lang="en-US" altLang="zh-CN" dirty="0" smtClean="0">
+                <a:latin typeface="Times New Roman" panose="02020603050405020304" pitchFamily="18" charset="0"/>
+                <a:cs typeface="Times New Roman" panose="02020603050405020304" pitchFamily="18" charset="0"/>
+              </a:rPr>
+              <a:t>Plugin-able</a:t>
+            </a:r>
+          </a:p>
+          <a:p>
+            <a:pPr lvl="1"/>
+            <a:r>
+              <a:rPr lang="en-US" altLang="zh-CN" dirty="0" smtClean="0">
+                <a:latin typeface="Times New Roman" panose="02020603050405020304" pitchFamily="18" charset="0"/>
+                <a:cs typeface="Times New Roman" panose="02020603050405020304" pitchFamily="18" charset="0"/>
+              </a:rPr>
+              <a:t>Non-blocking</a:t>
+            </a:r>
+          </a:p>
+          <a:p>
+            <a:pPr lvl="1"/>
+            <a:r>
+              <a:rPr lang="en-US" altLang="zh-CN" dirty="0" smtClean="0">
+                <a:latin typeface="Times New Roman" panose="02020603050405020304" pitchFamily="18" charset="0"/>
+                <a:cs typeface="Times New Roman" panose="02020603050405020304" pitchFamily="18" charset="0"/>
+              </a:rPr>
+              <a:t>Multi-device </a:t>
+            </a:r>
+            <a:r>
+              <a:rPr lang="en-US" altLang="zh-CN" dirty="0" err="1" smtClean="0">
+                <a:latin typeface="Times New Roman" panose="02020603050405020304" pitchFamily="18" charset="0"/>
+                <a:cs typeface="Times New Roman" panose="02020603050405020304" pitchFamily="18" charset="0"/>
+              </a:rPr>
+              <a:t>accessable</a:t>
+            </a:r>
+            <a:endParaRPr lang="en-US" altLang="zh-CN" dirty="0" smtClean="0">
+              <a:latin typeface="Times New Roman" panose="02020603050405020304" pitchFamily="18" charset="0"/>
+              <a:cs typeface="Times New Roman" panose="02020603050405020304" pitchFamily="18" charset="0"/>
+            </a:endParaRPr>
+          </a:p>
+          <a:p>
+            <a:pPr lvl="1"/>
+            <a:r>
+              <a:rPr lang="en-US" altLang="zh-CN" dirty="0" smtClean="0">
+                <a:latin typeface="Times New Roman" panose="02020603050405020304" pitchFamily="18" charset="0"/>
+                <a:cs typeface="Times New Roman" panose="02020603050405020304" pitchFamily="18" charset="0"/>
+              </a:rPr>
+              <a:t>Scalable</a:t>
+            </a:r>
+          </a:p>
+          <a:p>
+            <a:pPr lvl="1"/>
+            <a:r>
+              <a:rPr lang="en-US" altLang="zh-CN" dirty="0" smtClean="0">
+                <a:latin typeface="Times New Roman" panose="02020603050405020304" pitchFamily="18" charset="0"/>
+                <a:cs typeface="Times New Roman" panose="02020603050405020304" pitchFamily="18" charset="0"/>
+              </a:rPr>
+              <a:t>Real-time</a:t>
+            </a:r>
+          </a:p>
+          <a:p>
+            <a:pPr lvl="1"/>
+            <a:endParaRPr lang="en-US" altLang="zh-CN" dirty="0" smtClean="0">
+              <a:latin typeface="Times New Roman" panose="02020603050405020304" pitchFamily="18" charset="0"/>
+              <a:cs typeface="Times New Roman" panose="02020603050405020304" pitchFamily="18" charset="0"/>
+            </a:endParaRPr>
+          </a:p>
+          <a:p>
+            <a:pPr lvl="1"/>
+            <a:endParaRPr lang="zh-CN" altLang="en-US" dirty="0">
+              <a:latin typeface="Times New Roman" panose="02020603050405020304" pitchFamily="18" charset="0"/>
+              <a:cs typeface="Times New Roman" panose="02020603050405020304" pitchFamily="18" charset="0"/>
+            </a:endParaRPr>
+          </a:p>
+        </p:txBody>
+      </p:sp>
+      <p:sp>
+        <p:nvSpPr>
+          <p:cNvPr id="4" name="Title 1"/>
           <p:cNvSpPr txBox="1">
             <a:spLocks/>
           </p:cNvSpPr>
@@ -8994,514 +8041,8 @@
         </p:nvSpPr>
         <p:spPr>
           <a:xfrm>
-            <a:off x="914400" y="1371600"/>
-            <a:ext cx="7239000" cy="4533046"/>
-          </a:xfrm>
-          <a:prstGeom prst="rect">
-            <a:avLst/>
-          </a:prstGeom>
-        </p:spPr>
-        <p:txBody>
-          <a:bodyPr vert="horz" lIns="0" tIns="0" rIns="0" bIns="0" rtlCol="0">
-            <a:noAutofit/>
-          </a:bodyPr>
-          <a:lstStyle>
-            <a:lvl1pPr marL="360000" indent="-360000" algn="l" defTabSz="914400" rtl="0" eaLnBrk="1" latinLnBrk="0" hangingPunct="1">
-              <a:lnSpc>
-                <a:spcPct val="100000"/>
-              </a:lnSpc>
-              <a:spcBef>
-                <a:spcPts val="2200"/>
-              </a:spcBef>
-              <a:buClr>
-                <a:schemeClr val="accent2"/>
-              </a:buClr>
-              <a:buFont typeface="Arial" pitchFamily="34" charset="0"/>
-              <a:buChar char="»"/>
-              <a:defRPr sz="2000" kern="1200">
-                <a:solidFill>
-                  <a:schemeClr val="tx1"/>
-                </a:solidFill>
-                <a:latin typeface="+mn-lt"/>
-                <a:ea typeface="+mn-ea"/>
-                <a:cs typeface="+mn-cs"/>
-              </a:defRPr>
-            </a:lvl1pPr>
-            <a:lvl2pPr marL="720000" indent="-360000" algn="l" defTabSz="914400" rtl="0" eaLnBrk="1" latinLnBrk="0" hangingPunct="1">
-              <a:lnSpc>
-                <a:spcPct val="100000"/>
-              </a:lnSpc>
-              <a:spcBef>
-                <a:spcPts val="2200"/>
-              </a:spcBef>
-              <a:buClr>
-                <a:schemeClr val="accent2"/>
-              </a:buClr>
-              <a:buFont typeface="Arial" pitchFamily="34" charset="0"/>
-              <a:buChar char="–"/>
-              <a:defRPr sz="2000" kern="1200">
-                <a:solidFill>
-                  <a:schemeClr val="tx1"/>
-                </a:solidFill>
-                <a:latin typeface="+mn-lt"/>
-                <a:ea typeface="+mn-ea"/>
-                <a:cs typeface="+mn-cs"/>
-              </a:defRPr>
-            </a:lvl2pPr>
-            <a:lvl3pPr marL="1080000" indent="-360000" algn="l" defTabSz="914400" rtl="0" eaLnBrk="1" latinLnBrk="0" hangingPunct="1">
-              <a:lnSpc>
-                <a:spcPct val="100000"/>
-              </a:lnSpc>
-              <a:spcBef>
-                <a:spcPts val="2200"/>
-              </a:spcBef>
-              <a:buClr>
-                <a:schemeClr val="accent2"/>
-              </a:buClr>
-              <a:buFont typeface="Arial" pitchFamily="34" charset="0"/>
-              <a:buChar char="•"/>
-              <a:defRPr sz="2000" kern="1200">
-                <a:solidFill>
-                  <a:schemeClr val="tx1"/>
-                </a:solidFill>
-                <a:latin typeface="+mn-lt"/>
-                <a:ea typeface="+mn-ea"/>
-                <a:cs typeface="+mn-cs"/>
-              </a:defRPr>
-            </a:lvl3pPr>
-            <a:lvl4pPr marL="1440000" indent="-360000" algn="l" defTabSz="914400" rtl="0" eaLnBrk="1" latinLnBrk="0" hangingPunct="1">
-              <a:lnSpc>
-                <a:spcPct val="100000"/>
-              </a:lnSpc>
-              <a:spcBef>
-                <a:spcPts val="2200"/>
-              </a:spcBef>
-              <a:buClr>
-                <a:schemeClr val="accent2"/>
-              </a:buClr>
-              <a:buFont typeface="Arial" pitchFamily="34" charset="0"/>
-              <a:buChar char="–"/>
-              <a:defRPr sz="2000" kern="1200">
-                <a:solidFill>
-                  <a:schemeClr val="tx1"/>
-                </a:solidFill>
-                <a:latin typeface="+mn-lt"/>
-                <a:ea typeface="+mn-ea"/>
-                <a:cs typeface="+mn-cs"/>
-              </a:defRPr>
-            </a:lvl4pPr>
-            <a:lvl5pPr marL="1800000" indent="-360000" algn="l" defTabSz="914400" rtl="0" eaLnBrk="1" latinLnBrk="0" hangingPunct="1">
-              <a:lnSpc>
-                <a:spcPct val="100000"/>
-              </a:lnSpc>
-              <a:spcBef>
-                <a:spcPts val="2200"/>
-              </a:spcBef>
-              <a:buClr>
-                <a:schemeClr val="accent2"/>
-              </a:buClr>
-              <a:buFont typeface="Arial" pitchFamily="34" charset="0"/>
-              <a:buChar char="»"/>
-              <a:defRPr sz="2000" kern="1200">
-                <a:solidFill>
-                  <a:schemeClr val="tx1"/>
-                </a:solidFill>
-                <a:latin typeface="+mn-lt"/>
-                <a:ea typeface="+mn-ea"/>
-                <a:cs typeface="+mn-cs"/>
-              </a:defRPr>
-            </a:lvl5pPr>
-            <a:lvl6pPr marL="2514600" indent="-228600" algn="l" defTabSz="914400" rtl="0" eaLnBrk="1" latinLnBrk="0" hangingPunct="1">
-              <a:spcBef>
-                <a:spcPct val="20000"/>
-              </a:spcBef>
-              <a:buFont typeface="Arial" pitchFamily="34" charset="0"/>
-              <a:buChar char="•"/>
-              <a:defRPr sz="2000" kern="1200">
-                <a:solidFill>
-                  <a:schemeClr val="tx1"/>
-                </a:solidFill>
-                <a:latin typeface="+mn-lt"/>
-                <a:ea typeface="+mn-ea"/>
-                <a:cs typeface="+mn-cs"/>
-              </a:defRPr>
-            </a:lvl6pPr>
-            <a:lvl7pPr marL="2971800" indent="-228600" algn="l" defTabSz="914400" rtl="0" eaLnBrk="1" latinLnBrk="0" hangingPunct="1">
-              <a:spcBef>
-                <a:spcPct val="20000"/>
-              </a:spcBef>
-              <a:buFont typeface="Arial" pitchFamily="34" charset="0"/>
-              <a:buChar char="•"/>
-              <a:defRPr sz="2000" kern="1200">
-                <a:solidFill>
-                  <a:schemeClr val="tx1"/>
-                </a:solidFill>
-                <a:latin typeface="+mn-lt"/>
-                <a:ea typeface="+mn-ea"/>
-                <a:cs typeface="+mn-cs"/>
-              </a:defRPr>
-            </a:lvl7pPr>
-            <a:lvl8pPr marL="3429000" indent="-228600" algn="l" defTabSz="914400" rtl="0" eaLnBrk="1" latinLnBrk="0" hangingPunct="1">
-              <a:spcBef>
-                <a:spcPct val="20000"/>
-              </a:spcBef>
-              <a:buFont typeface="Arial" pitchFamily="34" charset="0"/>
-              <a:buChar char="•"/>
-              <a:defRPr sz="2000" kern="1200">
-                <a:solidFill>
-                  <a:schemeClr val="tx1"/>
-                </a:solidFill>
-                <a:latin typeface="+mn-lt"/>
-                <a:ea typeface="+mn-ea"/>
-                <a:cs typeface="+mn-cs"/>
-              </a:defRPr>
-            </a:lvl8pPr>
-            <a:lvl9pPr marL="3886200" indent="-228600" algn="l" defTabSz="914400" rtl="0" eaLnBrk="1" latinLnBrk="0" hangingPunct="1">
-              <a:spcBef>
-                <a:spcPct val="20000"/>
-              </a:spcBef>
-              <a:buFont typeface="Arial" pitchFamily="34" charset="0"/>
-              <a:buChar char="•"/>
-              <a:defRPr sz="2000" kern="1200">
-                <a:solidFill>
-                  <a:schemeClr val="tx1"/>
-                </a:solidFill>
-                <a:latin typeface="+mn-lt"/>
-                <a:ea typeface="+mn-ea"/>
-                <a:cs typeface="+mn-cs"/>
-              </a:defRPr>
-            </a:lvl9pPr>
-          </a:lstStyle>
-          <a:p>
-            <a:pPr lvl="1">
-              <a:lnSpc>
-                <a:spcPct val="200000"/>
-              </a:lnSpc>
-              <a:buFont typeface="Arial" pitchFamily="34" charset="0"/>
-              <a:buChar char="•"/>
-            </a:pPr>
-            <a:r>
-              <a:rPr lang="zh-CN" altLang="en-US" dirty="0" smtClean="0">
-                <a:solidFill>
-                  <a:schemeClr val="tx1">
-                    <a:lumMod val="85000"/>
-                    <a:lumOff val="15000"/>
-                  </a:schemeClr>
-                </a:solidFill>
-                <a:latin typeface="Microsoft Sans Serif" pitchFamily="34" charset="0"/>
-                <a:ea typeface="微软雅黑" pitchFamily="34" charset="-122"/>
-                <a:cs typeface="Microsoft Sans Serif" pitchFamily="34" charset="0"/>
-              </a:rPr>
-              <a:t>客服邮件到</a:t>
-            </a:r>
-            <a:r>
-              <a:rPr lang="en-US" altLang="zh-CN" dirty="0" smtClean="0">
-                <a:solidFill>
-                  <a:schemeClr val="tx1">
-                    <a:lumMod val="85000"/>
-                    <a:lumOff val="15000"/>
-                  </a:schemeClr>
-                </a:solidFill>
-                <a:latin typeface="Microsoft Sans Serif" pitchFamily="34" charset="0"/>
-                <a:ea typeface="微软雅黑" pitchFamily="34" charset="-122"/>
-                <a:cs typeface="Microsoft Sans Serif" pitchFamily="34" charset="0"/>
-              </a:rPr>
-              <a:t>JIRA</a:t>
-            </a:r>
-            <a:r>
-              <a:rPr lang="zh-CN" altLang="en-US" dirty="0" smtClean="0">
-                <a:solidFill>
-                  <a:schemeClr val="tx1">
-                    <a:lumMod val="85000"/>
-                    <a:lumOff val="15000"/>
-                  </a:schemeClr>
-                </a:solidFill>
-                <a:latin typeface="Microsoft Sans Serif" pitchFamily="34" charset="0"/>
-                <a:ea typeface="微软雅黑" pitchFamily="34" charset="-122"/>
-                <a:cs typeface="Microsoft Sans Serif" pitchFamily="34" charset="0"/>
-              </a:rPr>
-              <a:t>的集成</a:t>
-            </a:r>
-            <a:endParaRPr lang="en-US" altLang="zh-CN" dirty="0" smtClean="0">
-              <a:solidFill>
-                <a:schemeClr val="tx1">
-                  <a:lumMod val="85000"/>
-                  <a:lumOff val="15000"/>
-                </a:schemeClr>
-              </a:solidFill>
-              <a:latin typeface="Microsoft Sans Serif" pitchFamily="34" charset="0"/>
-              <a:ea typeface="微软雅黑" pitchFamily="34" charset="-122"/>
-              <a:cs typeface="Microsoft Sans Serif" pitchFamily="34" charset="0"/>
-            </a:endParaRPr>
-          </a:p>
-          <a:p>
-            <a:pPr lvl="1">
-              <a:lnSpc>
-                <a:spcPct val="200000"/>
-              </a:lnSpc>
-              <a:buFont typeface="Arial" pitchFamily="34" charset="0"/>
-              <a:buChar char="•"/>
-            </a:pPr>
-            <a:r>
-              <a:rPr lang="en-US" altLang="zh-CN" dirty="0" smtClean="0">
-                <a:solidFill>
-                  <a:schemeClr val="tx1">
-                    <a:lumMod val="85000"/>
-                    <a:lumOff val="15000"/>
-                  </a:schemeClr>
-                </a:solidFill>
-                <a:latin typeface="Microsoft Sans Serif" pitchFamily="34" charset="0"/>
-                <a:ea typeface="微软雅黑" pitchFamily="34" charset="-122"/>
-                <a:cs typeface="Microsoft Sans Serif" pitchFamily="34" charset="0"/>
-              </a:rPr>
-              <a:t>CI</a:t>
-            </a:r>
-            <a:r>
-              <a:rPr lang="zh-CN" altLang="en-US" dirty="0" smtClean="0">
-                <a:solidFill>
-                  <a:schemeClr val="tx1">
-                    <a:lumMod val="85000"/>
-                    <a:lumOff val="15000"/>
-                  </a:schemeClr>
-                </a:solidFill>
-                <a:latin typeface="Microsoft Sans Serif" pitchFamily="34" charset="0"/>
-                <a:ea typeface="微软雅黑" pitchFamily="34" charset="-122"/>
-                <a:cs typeface="Microsoft Sans Serif" pitchFamily="34" charset="0"/>
-              </a:rPr>
-              <a:t>应用监控状态到</a:t>
-            </a:r>
-            <a:r>
-              <a:rPr lang="en-US" altLang="zh-CN" dirty="0" smtClean="0">
-                <a:solidFill>
-                  <a:schemeClr val="tx1">
-                    <a:lumMod val="85000"/>
-                    <a:lumOff val="15000"/>
-                  </a:schemeClr>
-                </a:solidFill>
-                <a:latin typeface="Microsoft Sans Serif" pitchFamily="34" charset="0"/>
-                <a:ea typeface="微软雅黑" pitchFamily="34" charset="-122"/>
-                <a:cs typeface="Microsoft Sans Serif" pitchFamily="34" charset="0"/>
-              </a:rPr>
-              <a:t>Mobile Terminal</a:t>
-            </a:r>
-          </a:p>
-          <a:p>
-            <a:pPr lvl="1">
-              <a:lnSpc>
-                <a:spcPct val="200000"/>
-              </a:lnSpc>
-              <a:buFont typeface="Arial" pitchFamily="34" charset="0"/>
-              <a:buChar char="•"/>
-            </a:pPr>
-            <a:r>
-              <a:rPr lang="en-US" altLang="zh-CN" dirty="0" smtClean="0">
-                <a:solidFill>
-                  <a:schemeClr val="tx1">
-                    <a:lumMod val="85000"/>
-                    <a:lumOff val="15000"/>
-                  </a:schemeClr>
-                </a:solidFill>
-                <a:latin typeface="Microsoft Sans Serif" pitchFamily="34" charset="0"/>
-                <a:ea typeface="微软雅黑" pitchFamily="34" charset="-122"/>
-                <a:cs typeface="Microsoft Sans Serif" pitchFamily="34" charset="0"/>
-              </a:rPr>
-              <a:t>DRTP</a:t>
-            </a:r>
-            <a:r>
-              <a:rPr lang="zh-CN" altLang="en-US" dirty="0">
-                <a:solidFill>
-                  <a:schemeClr val="tx1">
-                    <a:lumMod val="85000"/>
-                    <a:lumOff val="15000"/>
-                  </a:schemeClr>
-                </a:solidFill>
-                <a:latin typeface="Microsoft Sans Serif" pitchFamily="34" charset="0"/>
-                <a:ea typeface="微软雅黑" pitchFamily="34" charset="-122"/>
-                <a:cs typeface="Microsoft Sans Serif" pitchFamily="34" charset="0"/>
-              </a:rPr>
-              <a:t>监控状态</a:t>
-            </a:r>
-            <a:r>
-              <a:rPr lang="zh-CN" altLang="en-US" dirty="0" smtClean="0">
-                <a:solidFill>
-                  <a:schemeClr val="tx1">
-                    <a:lumMod val="85000"/>
-                    <a:lumOff val="15000"/>
-                  </a:schemeClr>
-                </a:solidFill>
-                <a:latin typeface="Microsoft Sans Serif" pitchFamily="34" charset="0"/>
-                <a:ea typeface="微软雅黑" pitchFamily="34" charset="-122"/>
-                <a:cs typeface="Microsoft Sans Serif" pitchFamily="34" charset="0"/>
-              </a:rPr>
-              <a:t>到</a:t>
-            </a:r>
-            <a:r>
-              <a:rPr lang="en-US" altLang="zh-CN" dirty="0">
-                <a:solidFill>
-                  <a:schemeClr val="tx1">
-                    <a:lumMod val="85000"/>
-                    <a:lumOff val="15000"/>
-                  </a:schemeClr>
-                </a:solidFill>
-                <a:latin typeface="Microsoft Sans Serif" pitchFamily="34" charset="0"/>
-                <a:ea typeface="微软雅黑" pitchFamily="34" charset="-122"/>
-                <a:cs typeface="Microsoft Sans Serif" pitchFamily="34" charset="0"/>
-              </a:rPr>
-              <a:t>Mobile </a:t>
-            </a:r>
-            <a:r>
-              <a:rPr lang="en-US" altLang="zh-CN" dirty="0" smtClean="0">
-                <a:solidFill>
-                  <a:schemeClr val="tx1">
-                    <a:lumMod val="85000"/>
-                    <a:lumOff val="15000"/>
-                  </a:schemeClr>
-                </a:solidFill>
-                <a:latin typeface="Microsoft Sans Serif" pitchFamily="34" charset="0"/>
-                <a:ea typeface="微软雅黑" pitchFamily="34" charset="-122"/>
-                <a:cs typeface="Microsoft Sans Serif" pitchFamily="34" charset="0"/>
-              </a:rPr>
-              <a:t>Terminal</a:t>
-            </a:r>
-          </a:p>
-          <a:p>
-            <a:pPr lvl="1">
-              <a:lnSpc>
-                <a:spcPct val="200000"/>
-              </a:lnSpc>
-              <a:buFont typeface="Arial" pitchFamily="34" charset="0"/>
-              <a:buChar char="•"/>
-            </a:pPr>
-            <a:r>
-              <a:rPr lang="zh-CN" altLang="en-US" dirty="0" smtClean="0">
-                <a:solidFill>
-                  <a:schemeClr val="tx1">
-                    <a:lumMod val="85000"/>
-                    <a:lumOff val="15000"/>
-                  </a:schemeClr>
-                </a:solidFill>
-                <a:latin typeface="Microsoft Sans Serif" pitchFamily="34" charset="0"/>
-                <a:ea typeface="微软雅黑" pitchFamily="34" charset="-122"/>
-                <a:cs typeface="Microsoft Sans Serif" pitchFamily="34" charset="0"/>
-              </a:rPr>
-              <a:t>基于</a:t>
-            </a:r>
-            <a:r>
-              <a:rPr lang="en-US" altLang="zh-CN" dirty="0">
-                <a:solidFill>
-                  <a:schemeClr val="tx1">
-                    <a:lumMod val="85000"/>
-                    <a:lumOff val="15000"/>
-                  </a:schemeClr>
-                </a:solidFill>
-                <a:latin typeface="Microsoft Sans Serif" pitchFamily="34" charset="0"/>
-                <a:ea typeface="微软雅黑" pitchFamily="34" charset="-122"/>
-                <a:cs typeface="Microsoft Sans Serif" pitchFamily="34" charset="0"/>
-              </a:rPr>
-              <a:t>Mobile Terminal</a:t>
-            </a:r>
-            <a:r>
-              <a:rPr lang="zh-CN" altLang="en-US" dirty="0" smtClean="0">
-                <a:solidFill>
-                  <a:schemeClr val="tx1">
-                    <a:lumMod val="85000"/>
-                    <a:lumOff val="15000"/>
-                  </a:schemeClr>
-                </a:solidFill>
-                <a:latin typeface="Microsoft Sans Serif" pitchFamily="34" charset="0"/>
-                <a:ea typeface="微软雅黑" pitchFamily="34" charset="-122"/>
-                <a:cs typeface="Microsoft Sans Serif" pitchFamily="34" charset="0"/>
-              </a:rPr>
-              <a:t>的工作流审批</a:t>
-            </a:r>
-            <a:endParaRPr lang="en-US" altLang="zh-CN" dirty="0" smtClean="0">
-              <a:solidFill>
-                <a:schemeClr val="tx1">
-                  <a:lumMod val="85000"/>
-                  <a:lumOff val="15000"/>
-                </a:schemeClr>
-              </a:solidFill>
-              <a:latin typeface="Microsoft Sans Serif" pitchFamily="34" charset="0"/>
-              <a:ea typeface="微软雅黑" pitchFamily="34" charset="-122"/>
-              <a:cs typeface="Microsoft Sans Serif" pitchFamily="34" charset="0"/>
-            </a:endParaRPr>
-          </a:p>
-          <a:p>
-            <a:pPr lvl="1">
-              <a:lnSpc>
-                <a:spcPct val="200000"/>
-              </a:lnSpc>
-              <a:buFont typeface="Arial" pitchFamily="34" charset="0"/>
-              <a:buChar char="•"/>
-            </a:pPr>
-            <a:r>
-              <a:rPr lang="zh-CN" altLang="en-US" dirty="0" smtClean="0">
-                <a:solidFill>
-                  <a:schemeClr val="tx1">
-                    <a:lumMod val="85000"/>
-                    <a:lumOff val="15000"/>
-                  </a:schemeClr>
-                </a:solidFill>
-                <a:latin typeface="Microsoft Sans Serif" pitchFamily="34" charset="0"/>
-                <a:ea typeface="微软雅黑" pitchFamily="34" charset="-122"/>
-                <a:cs typeface="Microsoft Sans Serif" pitchFamily="34" charset="0"/>
-              </a:rPr>
-              <a:t>业务数据的</a:t>
-            </a:r>
-            <a:r>
-              <a:rPr lang="en-US" altLang="zh-CN" dirty="0">
-                <a:solidFill>
-                  <a:schemeClr val="tx1">
-                    <a:lumMod val="85000"/>
-                    <a:lumOff val="15000"/>
-                  </a:schemeClr>
-                </a:solidFill>
-                <a:latin typeface="Microsoft Sans Serif" pitchFamily="34" charset="0"/>
-                <a:ea typeface="微软雅黑" pitchFamily="34" charset="-122"/>
-                <a:cs typeface="Microsoft Sans Serif" pitchFamily="34" charset="0"/>
-              </a:rPr>
-              <a:t>Mobile Terminal</a:t>
-            </a:r>
-            <a:r>
-              <a:rPr lang="zh-CN" altLang="en-US" dirty="0" smtClean="0">
-                <a:solidFill>
-                  <a:schemeClr val="tx1">
-                    <a:lumMod val="85000"/>
-                    <a:lumOff val="15000"/>
-                  </a:schemeClr>
-                </a:solidFill>
-                <a:latin typeface="Microsoft Sans Serif" pitchFamily="34" charset="0"/>
-                <a:ea typeface="微软雅黑" pitchFamily="34" charset="-122"/>
-                <a:cs typeface="Microsoft Sans Serif" pitchFamily="34" charset="0"/>
-              </a:rPr>
-              <a:t>图表显示</a:t>
-            </a:r>
-            <a:endParaRPr lang="en-US" altLang="zh-CN" dirty="0">
-              <a:solidFill>
-                <a:schemeClr val="tx1">
-                  <a:lumMod val="85000"/>
-                  <a:lumOff val="15000"/>
-                </a:schemeClr>
-              </a:solidFill>
-              <a:latin typeface="Microsoft Sans Serif" pitchFamily="34" charset="0"/>
-              <a:ea typeface="微软雅黑" pitchFamily="34" charset="-122"/>
-              <a:cs typeface="Microsoft Sans Serif" pitchFamily="34" charset="0"/>
-            </a:endParaRPr>
-          </a:p>
-        </p:txBody>
-      </p:sp>
-      <p:sp>
-        <p:nvSpPr>
-          <p:cNvPr id="8" name="Title 1"/>
-          <p:cNvSpPr txBox="1">
-            <a:spLocks/>
-          </p:cNvSpPr>
-          <p:nvPr/>
-        </p:nvSpPr>
-        <p:spPr>
-          <a:xfrm>
-            <a:off x="1527612" y="533400"/>
-            <a:ext cx="6397188" cy="540000"/>
+            <a:off x="1665355" y="448330"/>
+            <a:ext cx="7208643" cy="540000"/>
           </a:xfrm>
           <a:prstGeom prst="rect">
             <a:avLst/>
@@ -9534,64 +8075,30 @@
               </a:spcAft>
             </a:pPr>
             <a:r>
-              <a:rPr lang="en-US" altLang="zh-CN" smtClean="0">
-                <a:latin typeface="微软雅黑" panose="020B0503020204020204" pitchFamily="34" charset="-122"/>
-                <a:ea typeface="微软雅黑" panose="020B0503020204020204" pitchFamily="34" charset="-122"/>
-                <a:cs typeface="Microsoft Sans Serif" pitchFamily="34" charset="0"/>
+              <a:rPr lang="en-US" altLang="zh-CN" b="0" dirty="0" smtClean="0">
+                <a:latin typeface="Times New Roman" panose="02020603050405020304" pitchFamily="18" charset="0"/>
+                <a:cs typeface="Times New Roman" panose="02020603050405020304" pitchFamily="18" charset="0"/>
               </a:rPr>
-              <a:t>N-Integration</a:t>
-            </a:r>
-            <a:endParaRPr lang="en-US" dirty="0">
-              <a:latin typeface="微软雅黑" panose="020B0503020204020204" pitchFamily="34" charset="-122"/>
-              <a:ea typeface="微软雅黑" panose="020B0503020204020204" pitchFamily="34" charset="-122"/>
-              <a:cs typeface="Microsoft Sans Serif" pitchFamily="34" charset="0"/>
-            </a:endParaRPr>
+              <a:t>Vote KWAN</a:t>
+            </a:r>
+            <a:r>
+              <a:rPr lang="en-US" altLang="zh-CN" dirty="0" smtClean="0"/>
+              <a:t>	</a:t>
+            </a:r>
+            <a:endParaRPr lang="zh-CN" altLang="en-US" dirty="0"/>
           </a:p>
         </p:txBody>
       </p:sp>
-      <p:pic>
-        <p:nvPicPr>
-          <p:cNvPr id="9" name="图片 8"/>
-          <p:cNvPicPr>
-            <a:picLocks noChangeAspect="1"/>
-          </p:cNvPicPr>
-          <p:nvPr/>
-        </p:nvPicPr>
-        <p:blipFill>
-          <a:blip r:embed="rId2">
-            <a:extLst>
-              <a:ext uri="{28A0092B-C50C-407E-A947-70E740481C1C}">
-                <a14:useLocalDpi xmlns:a14="http://schemas.microsoft.com/office/drawing/2010/main" val="0"/>
-              </a:ext>
-            </a:extLst>
-          </a:blip>
-          <a:stretch>
-            <a:fillRect/>
-          </a:stretch>
-        </p:blipFill>
-        <p:spPr>
-          <a:xfrm>
-            <a:off x="-36512" y="6452423"/>
-            <a:ext cx="1219042" cy="389874"/>
-          </a:xfrm>
-          <a:prstGeom prst="rect">
-            <a:avLst/>
-          </a:prstGeom>
-        </p:spPr>
-      </p:pic>
     </p:spTree>
     <p:extLst>
       <p:ext uri="{BB962C8B-B14F-4D97-AF65-F5344CB8AC3E}">
-        <p14:creationId xmlns:p14="http://schemas.microsoft.com/office/powerpoint/2010/main" val="2343994027"/>
+        <p14:creationId xmlns:p14="http://schemas.microsoft.com/office/powerpoint/2010/main" val="4287780864"/>
       </p:ext>
     </p:extLst>
   </p:cSld>
   <p:clrMapOvr>
     <a:masterClrMapping/>
   </p:clrMapOvr>
-  <p:transition spd="slow">
-    <p:pull/>
-  </p:transition>
   <p:timing>
     <p:tnLst>
       <p:par>
@@ -9621,7 +8128,119 @@
       </p:grpSpPr>
       <p:sp>
         <p:nvSpPr>
-          <p:cNvPr id="5" name="内容占位符 2"/>
+          <p:cNvPr id="3" name="Content Placeholder 2"/>
+          <p:cNvSpPr>
+            <a:spLocks noGrp="1"/>
+          </p:cNvSpPr>
+          <p:nvPr>
+            <p:ph idx="1"/>
+          </p:nvPr>
+        </p:nvSpPr>
+        <p:spPr/>
+        <p:txBody>
+          <a:bodyPr/>
+          <a:lstStyle/>
+          <a:p>
+            <a:r>
+              <a:rPr lang="en-US" altLang="zh-CN" dirty="0" smtClean="0"/>
+              <a:t>Captain</a:t>
+            </a:r>
+          </a:p>
+          <a:p>
+            <a:pPr lvl="1"/>
+            <a:r>
+              <a:rPr lang="en-US" altLang="zh-CN" dirty="0"/>
+              <a:t>Zhang, Shulai(</a:t>
+            </a:r>
+            <a:r>
+              <a:rPr lang="en-US" altLang="zh-CN" dirty="0">
+                <a:hlinkClick r:id="rId2"/>
+              </a:rPr>
+              <a:t>shulai.zhang@sungard.com</a:t>
+            </a:r>
+            <a:r>
+              <a:rPr lang="en-US" altLang="zh-CN" dirty="0" smtClean="0"/>
+              <a:t>)</a:t>
+            </a:r>
+          </a:p>
+          <a:p>
+            <a:r>
+              <a:rPr lang="en-US" altLang="zh-CN" dirty="0" smtClean="0"/>
+              <a:t>TEAM MEMBERS</a:t>
+            </a:r>
+          </a:p>
+          <a:p>
+            <a:pPr lvl="1"/>
+            <a:r>
+              <a:rPr lang="en-US" altLang="zh-CN" dirty="0"/>
+              <a:t>Sun, Bingjue(</a:t>
+            </a:r>
+            <a:r>
+              <a:rPr lang="en-US" altLang="zh-CN" dirty="0">
+                <a:hlinkClick r:id="rId3"/>
+              </a:rPr>
+              <a:t>bingjue.sun@sungard.com</a:t>
+            </a:r>
+            <a:r>
+              <a:rPr lang="en-US" altLang="zh-CN" dirty="0"/>
+              <a:t>)</a:t>
+            </a:r>
+          </a:p>
+          <a:p>
+            <a:pPr lvl="1"/>
+            <a:r>
+              <a:rPr lang="en-US" altLang="zh-CN" dirty="0"/>
+              <a:t>Li, Qiaoqiao(</a:t>
+            </a:r>
+            <a:r>
+              <a:rPr lang="en-US" altLang="zh-CN" dirty="0">
+                <a:hlinkClick r:id="rId4"/>
+              </a:rPr>
+              <a:t>qiaoqiao.li@sungard.com</a:t>
+            </a:r>
+            <a:r>
+              <a:rPr lang="en-US" altLang="zh-CN" dirty="0" smtClean="0"/>
+              <a:t>)</a:t>
+            </a:r>
+          </a:p>
+          <a:p>
+            <a:r>
+              <a:rPr lang="en-US" altLang="zh-CN" dirty="0" smtClean="0"/>
+              <a:t>From </a:t>
+            </a:r>
+            <a:r>
+              <a:rPr lang="en-US" altLang="zh-CN" dirty="0" err="1" smtClean="0"/>
+              <a:t>Kingstar</a:t>
+            </a:r>
+            <a:r>
+              <a:rPr lang="en-US" altLang="zh-CN" dirty="0" smtClean="0"/>
+              <a:t> and Banking(Shanghai, China)</a:t>
+            </a:r>
+          </a:p>
+          <a:p>
+            <a:pPr lvl="1"/>
+            <a:endParaRPr lang="en-US" altLang="zh-CN" dirty="0" smtClean="0"/>
+          </a:p>
+          <a:p>
+            <a:endParaRPr lang="en-US" altLang="zh-CN" dirty="0" smtClean="0"/>
+          </a:p>
+          <a:p>
+            <a:pPr lvl="1"/>
+            <a:endParaRPr lang="en-US" altLang="zh-CN" dirty="0"/>
+          </a:p>
+          <a:p>
+            <a:pPr lvl="1"/>
+            <a:endParaRPr lang="en-US" altLang="zh-CN" dirty="0" smtClean="0"/>
+          </a:p>
+          <a:p>
+            <a:pPr lvl="1"/>
+            <a:endParaRPr lang="zh-CN" altLang="en-US" dirty="0"/>
+          </a:p>
+        </p:txBody>
+      </p:sp>
+      <p:sp>
+        <p:nvSpPr>
+          <p:cNvPr id="4" name="Title 1"/>
           <p:cNvSpPr txBox="1">
             <a:spLocks/>
           </p:cNvSpPr>
@@ -9629,295 +8248,8 @@
         </p:nvSpPr>
         <p:spPr>
           <a:xfrm>
-            <a:off x="457200" y="2819400"/>
-            <a:ext cx="8077200" cy="1219200"/>
-          </a:xfrm>
-          <a:prstGeom prst="rect">
-            <a:avLst/>
-          </a:prstGeom>
-        </p:spPr>
-        <p:txBody>
-          <a:bodyPr vert="horz" lIns="0" tIns="0" rIns="0" bIns="0" rtlCol="0" anchor="ctr">
-            <a:noAutofit/>
-          </a:bodyPr>
-          <a:lstStyle>
-            <a:lvl1pPr marL="360000" indent="-360000" algn="l" defTabSz="914400" rtl="0" eaLnBrk="1" latinLnBrk="0" hangingPunct="1">
-              <a:lnSpc>
-                <a:spcPct val="100000"/>
-              </a:lnSpc>
-              <a:spcBef>
-                <a:spcPts val="2200"/>
-              </a:spcBef>
-              <a:buClr>
-                <a:schemeClr val="accent2"/>
-              </a:buClr>
-              <a:buFont typeface="Arial" pitchFamily="34" charset="0"/>
-              <a:buChar char="»"/>
-              <a:defRPr sz="2000" kern="1200">
-                <a:solidFill>
-                  <a:schemeClr val="tx1"/>
-                </a:solidFill>
-                <a:latin typeface="+mn-lt"/>
-                <a:ea typeface="+mn-ea"/>
-                <a:cs typeface="+mn-cs"/>
-              </a:defRPr>
-            </a:lvl1pPr>
-            <a:lvl2pPr marL="720000" indent="-360000" algn="l" defTabSz="914400" rtl="0" eaLnBrk="1" latinLnBrk="0" hangingPunct="1">
-              <a:lnSpc>
-                <a:spcPct val="100000"/>
-              </a:lnSpc>
-              <a:spcBef>
-                <a:spcPts val="2200"/>
-              </a:spcBef>
-              <a:buClr>
-                <a:schemeClr val="accent2"/>
-              </a:buClr>
-              <a:buFont typeface="Arial" pitchFamily="34" charset="0"/>
-              <a:buChar char="–"/>
-              <a:defRPr sz="2000" kern="1200">
-                <a:solidFill>
-                  <a:schemeClr val="tx1"/>
-                </a:solidFill>
-                <a:latin typeface="+mn-lt"/>
-                <a:ea typeface="+mn-ea"/>
-                <a:cs typeface="+mn-cs"/>
-              </a:defRPr>
-            </a:lvl2pPr>
-            <a:lvl3pPr marL="1080000" indent="-360000" algn="l" defTabSz="914400" rtl="0" eaLnBrk="1" latinLnBrk="0" hangingPunct="1">
-              <a:lnSpc>
-                <a:spcPct val="100000"/>
-              </a:lnSpc>
-              <a:spcBef>
-                <a:spcPts val="2200"/>
-              </a:spcBef>
-              <a:buClr>
-                <a:schemeClr val="accent2"/>
-              </a:buClr>
-              <a:buFont typeface="Arial" pitchFamily="34" charset="0"/>
-              <a:buChar char="•"/>
-              <a:defRPr sz="2000" kern="1200">
-                <a:solidFill>
-                  <a:schemeClr val="tx1"/>
-                </a:solidFill>
-                <a:latin typeface="+mn-lt"/>
-                <a:ea typeface="+mn-ea"/>
-                <a:cs typeface="+mn-cs"/>
-              </a:defRPr>
-            </a:lvl3pPr>
-            <a:lvl4pPr marL="1440000" indent="-360000" algn="l" defTabSz="914400" rtl="0" eaLnBrk="1" latinLnBrk="0" hangingPunct="1">
-              <a:lnSpc>
-                <a:spcPct val="100000"/>
-              </a:lnSpc>
-              <a:spcBef>
-                <a:spcPts val="2200"/>
-              </a:spcBef>
-              <a:buClr>
-                <a:schemeClr val="accent2"/>
-              </a:buClr>
-              <a:buFont typeface="Arial" pitchFamily="34" charset="0"/>
-              <a:buChar char="–"/>
-              <a:defRPr sz="2000" kern="1200">
-                <a:solidFill>
-                  <a:schemeClr val="tx1"/>
-                </a:solidFill>
-                <a:latin typeface="+mn-lt"/>
-                <a:ea typeface="+mn-ea"/>
-                <a:cs typeface="+mn-cs"/>
-              </a:defRPr>
-            </a:lvl4pPr>
-            <a:lvl5pPr marL="1800000" indent="-360000" algn="l" defTabSz="914400" rtl="0" eaLnBrk="1" latinLnBrk="0" hangingPunct="1">
-              <a:lnSpc>
-                <a:spcPct val="100000"/>
-              </a:lnSpc>
-              <a:spcBef>
-                <a:spcPts val="2200"/>
-              </a:spcBef>
-              <a:buClr>
-                <a:schemeClr val="accent2"/>
-              </a:buClr>
-              <a:buFont typeface="Arial" pitchFamily="34" charset="0"/>
-              <a:buChar char="»"/>
-              <a:defRPr sz="2000" kern="1200">
-                <a:solidFill>
-                  <a:schemeClr val="tx1"/>
-                </a:solidFill>
-                <a:latin typeface="+mn-lt"/>
-                <a:ea typeface="+mn-ea"/>
-                <a:cs typeface="+mn-cs"/>
-              </a:defRPr>
-            </a:lvl5pPr>
-            <a:lvl6pPr marL="2514600" indent="-228600" algn="l" defTabSz="914400" rtl="0" eaLnBrk="1" latinLnBrk="0" hangingPunct="1">
-              <a:spcBef>
-                <a:spcPct val="20000"/>
-              </a:spcBef>
-              <a:buFont typeface="Arial" pitchFamily="34" charset="0"/>
-              <a:buChar char="•"/>
-              <a:defRPr sz="2000" kern="1200">
-                <a:solidFill>
-                  <a:schemeClr val="tx1"/>
-                </a:solidFill>
-                <a:latin typeface="+mn-lt"/>
-                <a:ea typeface="+mn-ea"/>
-                <a:cs typeface="+mn-cs"/>
-              </a:defRPr>
-            </a:lvl6pPr>
-            <a:lvl7pPr marL="2971800" indent="-228600" algn="l" defTabSz="914400" rtl="0" eaLnBrk="1" latinLnBrk="0" hangingPunct="1">
-              <a:spcBef>
-                <a:spcPct val="20000"/>
-              </a:spcBef>
-              <a:buFont typeface="Arial" pitchFamily="34" charset="0"/>
-              <a:buChar char="•"/>
-              <a:defRPr sz="2000" kern="1200">
-                <a:solidFill>
-                  <a:schemeClr val="tx1"/>
-                </a:solidFill>
-                <a:latin typeface="+mn-lt"/>
-                <a:ea typeface="+mn-ea"/>
-                <a:cs typeface="+mn-cs"/>
-              </a:defRPr>
-            </a:lvl7pPr>
-            <a:lvl8pPr marL="3429000" indent="-228600" algn="l" defTabSz="914400" rtl="0" eaLnBrk="1" latinLnBrk="0" hangingPunct="1">
-              <a:spcBef>
-                <a:spcPct val="20000"/>
-              </a:spcBef>
-              <a:buFont typeface="Arial" pitchFamily="34" charset="0"/>
-              <a:buChar char="•"/>
-              <a:defRPr sz="2000" kern="1200">
-                <a:solidFill>
-                  <a:schemeClr val="tx1"/>
-                </a:solidFill>
-                <a:latin typeface="+mn-lt"/>
-                <a:ea typeface="+mn-ea"/>
-                <a:cs typeface="+mn-cs"/>
-              </a:defRPr>
-            </a:lvl8pPr>
-            <a:lvl9pPr marL="3886200" indent="-228600" algn="l" defTabSz="914400" rtl="0" eaLnBrk="1" latinLnBrk="0" hangingPunct="1">
-              <a:spcBef>
-                <a:spcPct val="20000"/>
-              </a:spcBef>
-              <a:buFont typeface="Arial" pitchFamily="34" charset="0"/>
-              <a:buChar char="•"/>
-              <a:defRPr sz="2000" kern="1200">
-                <a:solidFill>
-                  <a:schemeClr val="tx1"/>
-                </a:solidFill>
-                <a:latin typeface="+mn-lt"/>
-                <a:ea typeface="+mn-ea"/>
-                <a:cs typeface="+mn-cs"/>
-              </a:defRPr>
-            </a:lvl9pPr>
-          </a:lstStyle>
-          <a:p>
-            <a:pPr marL="360000" lvl="1" indent="0" algn="ctr">
-              <a:lnSpc>
-                <a:spcPct val="200000"/>
-              </a:lnSpc>
-              <a:buNone/>
-            </a:pPr>
-            <a:r>
-              <a:rPr lang="zh-CN" altLang="en-US" sz="3600" b="1" dirty="0">
-                <a:solidFill>
-                  <a:schemeClr val="tx1">
-                    <a:lumMod val="85000"/>
-                    <a:lumOff val="15000"/>
-                  </a:schemeClr>
-                </a:solidFill>
-                <a:latin typeface="Microsoft Sans Serif" pitchFamily="34" charset="0"/>
-                <a:ea typeface="微软雅黑" pitchFamily="34" charset="-122"/>
-                <a:cs typeface="Microsoft Sans Serif" pitchFamily="34" charset="0"/>
-              </a:rPr>
-              <a:t>一</a:t>
-            </a:r>
-            <a:r>
-              <a:rPr lang="zh-CN" altLang="en-US" sz="3600" b="1" dirty="0" smtClean="0">
-                <a:solidFill>
-                  <a:schemeClr val="tx1">
-                    <a:lumMod val="85000"/>
-                    <a:lumOff val="15000"/>
-                  </a:schemeClr>
-                </a:solidFill>
-                <a:latin typeface="Microsoft Sans Serif" pitchFamily="34" charset="0"/>
-                <a:ea typeface="微软雅黑" pitchFamily="34" charset="-122"/>
-                <a:cs typeface="Microsoft Sans Serif" pitchFamily="34" charset="0"/>
-              </a:rPr>
-              <a:t>次</a:t>
-            </a:r>
-            <a:r>
-              <a:rPr lang="zh-CN" altLang="en-US" sz="3600" b="1" dirty="0" smtClean="0">
-                <a:solidFill>
-                  <a:srgbClr val="FF0000"/>
-                </a:solidFill>
-                <a:latin typeface="Microsoft Sans Serif" pitchFamily="34" charset="0"/>
-                <a:ea typeface="微软雅黑" pitchFamily="34" charset="-122"/>
-                <a:cs typeface="Microsoft Sans Serif" pitchFamily="34" charset="0"/>
-              </a:rPr>
-              <a:t>多协议</a:t>
-            </a:r>
-            <a:r>
-              <a:rPr lang="zh-CN" altLang="en-US" sz="3600" b="1" dirty="0" smtClean="0">
-                <a:solidFill>
-                  <a:schemeClr val="tx1">
-                    <a:lumMod val="85000"/>
-                    <a:lumOff val="15000"/>
-                  </a:schemeClr>
-                </a:solidFill>
-                <a:latin typeface="Microsoft Sans Serif" pitchFamily="34" charset="0"/>
-                <a:ea typeface="微软雅黑" pitchFamily="34" charset="-122"/>
-                <a:cs typeface="Microsoft Sans Serif" pitchFamily="34" charset="0"/>
-              </a:rPr>
-              <a:t>数据源的应用</a:t>
-            </a:r>
-            <a:r>
-              <a:rPr lang="zh-CN" altLang="en-US" sz="3600" b="1" dirty="0" smtClean="0">
-                <a:solidFill>
-                  <a:srgbClr val="FF0000"/>
-                </a:solidFill>
-                <a:latin typeface="Microsoft Sans Serif" pitchFamily="34" charset="0"/>
-                <a:ea typeface="微软雅黑" pitchFamily="34" charset="-122"/>
-                <a:cs typeface="Microsoft Sans Serif" pitchFamily="34" charset="0"/>
-              </a:rPr>
-              <a:t>集成</a:t>
-            </a:r>
-            <a:r>
-              <a:rPr lang="zh-CN" altLang="en-US" sz="3600" b="1" dirty="0" smtClean="0">
-                <a:solidFill>
-                  <a:schemeClr val="tx1">
-                    <a:lumMod val="85000"/>
-                    <a:lumOff val="15000"/>
-                  </a:schemeClr>
-                </a:solidFill>
-                <a:latin typeface="Microsoft Sans Serif" pitchFamily="34" charset="0"/>
-                <a:ea typeface="微软雅黑" pitchFamily="34" charset="-122"/>
-                <a:cs typeface="Microsoft Sans Serif" pitchFamily="34" charset="0"/>
-              </a:rPr>
-              <a:t>尝试！</a:t>
-            </a:r>
-            <a:endParaRPr lang="en-US" altLang="zh-CN" sz="3600" b="1" dirty="0">
-              <a:solidFill>
-                <a:schemeClr val="tx1">
-                  <a:lumMod val="85000"/>
-                  <a:lumOff val="15000"/>
-                </a:schemeClr>
-              </a:solidFill>
-              <a:latin typeface="Microsoft Sans Serif" pitchFamily="34" charset="0"/>
-              <a:ea typeface="微软雅黑" pitchFamily="34" charset="-122"/>
-              <a:cs typeface="Microsoft Sans Serif" pitchFamily="34" charset="0"/>
-            </a:endParaRPr>
-          </a:p>
-        </p:txBody>
-      </p:sp>
-      <p:sp>
-        <p:nvSpPr>
-          <p:cNvPr id="8" name="Title 1"/>
-          <p:cNvSpPr txBox="1">
-            <a:spLocks/>
-          </p:cNvSpPr>
-          <p:nvPr/>
-        </p:nvSpPr>
-        <p:spPr>
-          <a:xfrm>
-            <a:off x="1527612" y="533400"/>
-            <a:ext cx="6397188" cy="540000"/>
+            <a:off x="1665355" y="448330"/>
+            <a:ext cx="7208643" cy="540000"/>
           </a:xfrm>
           <a:prstGeom prst="rect">
             <a:avLst/>
@@ -9950,64 +8282,30 @@
               </a:spcAft>
             </a:pPr>
             <a:r>
-              <a:rPr lang="en-US" altLang="zh-CN" smtClean="0">
-                <a:latin typeface="微软雅黑" panose="020B0503020204020204" pitchFamily="34" charset="-122"/>
-                <a:ea typeface="微软雅黑" panose="020B0503020204020204" pitchFamily="34" charset="-122"/>
-                <a:cs typeface="Microsoft Sans Serif" pitchFamily="34" charset="0"/>
+              <a:rPr lang="en-US" altLang="zh-CN" b="0" dirty="0" smtClean="0">
+                <a:latin typeface="Times New Roman" panose="02020603050405020304" pitchFamily="18" charset="0"/>
+                <a:cs typeface="Times New Roman" panose="02020603050405020304" pitchFamily="18" charset="0"/>
               </a:rPr>
-              <a:t>N-Integration</a:t>
-            </a:r>
-            <a:endParaRPr lang="en-US" dirty="0">
-              <a:latin typeface="微软雅黑" panose="020B0503020204020204" pitchFamily="34" charset="-122"/>
-              <a:ea typeface="微软雅黑" panose="020B0503020204020204" pitchFamily="34" charset="-122"/>
-              <a:cs typeface="Microsoft Sans Serif" pitchFamily="34" charset="0"/>
-            </a:endParaRPr>
+              <a:t>TEAM KWAN</a:t>
+            </a:r>
+            <a:r>
+              <a:rPr lang="en-US" altLang="zh-CN" dirty="0" smtClean="0"/>
+              <a:t>	</a:t>
+            </a:r>
+            <a:endParaRPr lang="zh-CN" altLang="en-US" dirty="0"/>
           </a:p>
         </p:txBody>
       </p:sp>
-      <p:pic>
-        <p:nvPicPr>
-          <p:cNvPr id="9" name="图片 8"/>
-          <p:cNvPicPr>
-            <a:picLocks noChangeAspect="1"/>
-          </p:cNvPicPr>
-          <p:nvPr/>
-        </p:nvPicPr>
-        <p:blipFill>
-          <a:blip r:embed="rId2">
-            <a:extLst>
-              <a:ext uri="{28A0092B-C50C-407E-A947-70E740481C1C}">
-                <a14:useLocalDpi xmlns:a14="http://schemas.microsoft.com/office/drawing/2010/main" val="0"/>
-              </a:ext>
-            </a:extLst>
-          </a:blip>
-          <a:stretch>
-            <a:fillRect/>
-          </a:stretch>
-        </p:blipFill>
-        <p:spPr>
-          <a:xfrm>
-            <a:off x="-36512" y="6452423"/>
-            <a:ext cx="1219042" cy="389874"/>
-          </a:xfrm>
-          <a:prstGeom prst="rect">
-            <a:avLst/>
-          </a:prstGeom>
-        </p:spPr>
-      </p:pic>
     </p:spTree>
     <p:extLst>
       <p:ext uri="{BB962C8B-B14F-4D97-AF65-F5344CB8AC3E}">
-        <p14:creationId xmlns:p14="http://schemas.microsoft.com/office/powerpoint/2010/main" val="4015480084"/>
+        <p14:creationId xmlns:p14="http://schemas.microsoft.com/office/powerpoint/2010/main" val="2366855170"/>
       </p:ext>
     </p:extLst>
   </p:cSld>
   <p:clrMapOvr>
     <a:masterClrMapping/>
   </p:clrMapOvr>
-  <p:transition spd="slow">
-    <p:pull/>
-  </p:transition>
   <p:timing>
     <p:tnLst>
       <p:par>
@@ -10037,602 +8335,6 @@
       </p:grpSpPr>
       <p:sp>
         <p:nvSpPr>
-          <p:cNvPr id="5" name="内容占位符 2"/>
-          <p:cNvSpPr txBox="1">
-            <a:spLocks/>
-          </p:cNvSpPr>
-          <p:nvPr/>
-        </p:nvSpPr>
-        <p:spPr>
-          <a:xfrm>
-            <a:off x="914400" y="1371600"/>
-            <a:ext cx="7239000" cy="4533046"/>
-          </a:xfrm>
-          <a:prstGeom prst="rect">
-            <a:avLst/>
-          </a:prstGeom>
-        </p:spPr>
-        <p:txBody>
-          <a:bodyPr vert="horz" lIns="0" tIns="0" rIns="0" bIns="0" rtlCol="0">
-            <a:noAutofit/>
-          </a:bodyPr>
-          <a:lstStyle>
-            <a:lvl1pPr marL="360000" indent="-360000" algn="l" defTabSz="914400" rtl="0" eaLnBrk="1" latinLnBrk="0" hangingPunct="1">
-              <a:lnSpc>
-                <a:spcPct val="100000"/>
-              </a:lnSpc>
-              <a:spcBef>
-                <a:spcPts val="2200"/>
-              </a:spcBef>
-              <a:buClr>
-                <a:schemeClr val="accent2"/>
-              </a:buClr>
-              <a:buFont typeface="Arial" pitchFamily="34" charset="0"/>
-              <a:buChar char="»"/>
-              <a:defRPr sz="2000" kern="1200">
-                <a:solidFill>
-                  <a:schemeClr val="tx1"/>
-                </a:solidFill>
-                <a:latin typeface="+mn-lt"/>
-                <a:ea typeface="+mn-ea"/>
-                <a:cs typeface="+mn-cs"/>
-              </a:defRPr>
-            </a:lvl1pPr>
-            <a:lvl2pPr marL="720000" indent="-360000" algn="l" defTabSz="914400" rtl="0" eaLnBrk="1" latinLnBrk="0" hangingPunct="1">
-              <a:lnSpc>
-                <a:spcPct val="100000"/>
-              </a:lnSpc>
-              <a:spcBef>
-                <a:spcPts val="2200"/>
-              </a:spcBef>
-              <a:buClr>
-                <a:schemeClr val="accent2"/>
-              </a:buClr>
-              <a:buFont typeface="Arial" pitchFamily="34" charset="0"/>
-              <a:buChar char="–"/>
-              <a:defRPr sz="2000" kern="1200">
-                <a:solidFill>
-                  <a:schemeClr val="tx1"/>
-                </a:solidFill>
-                <a:latin typeface="+mn-lt"/>
-                <a:ea typeface="+mn-ea"/>
-                <a:cs typeface="+mn-cs"/>
-              </a:defRPr>
-            </a:lvl2pPr>
-            <a:lvl3pPr marL="1080000" indent="-360000" algn="l" defTabSz="914400" rtl="0" eaLnBrk="1" latinLnBrk="0" hangingPunct="1">
-              <a:lnSpc>
-                <a:spcPct val="100000"/>
-              </a:lnSpc>
-              <a:spcBef>
-                <a:spcPts val="2200"/>
-              </a:spcBef>
-              <a:buClr>
-                <a:schemeClr val="accent2"/>
-              </a:buClr>
-              <a:buFont typeface="Arial" pitchFamily="34" charset="0"/>
-              <a:buChar char="•"/>
-              <a:defRPr sz="2000" kern="1200">
-                <a:solidFill>
-                  <a:schemeClr val="tx1"/>
-                </a:solidFill>
-                <a:latin typeface="+mn-lt"/>
-                <a:ea typeface="+mn-ea"/>
-                <a:cs typeface="+mn-cs"/>
-              </a:defRPr>
-            </a:lvl3pPr>
-            <a:lvl4pPr marL="1440000" indent="-360000" algn="l" defTabSz="914400" rtl="0" eaLnBrk="1" latinLnBrk="0" hangingPunct="1">
-              <a:lnSpc>
-                <a:spcPct val="100000"/>
-              </a:lnSpc>
-              <a:spcBef>
-                <a:spcPts val="2200"/>
-              </a:spcBef>
-              <a:buClr>
-                <a:schemeClr val="accent2"/>
-              </a:buClr>
-              <a:buFont typeface="Arial" pitchFamily="34" charset="0"/>
-              <a:buChar char="–"/>
-              <a:defRPr sz="2000" kern="1200">
-                <a:solidFill>
-                  <a:schemeClr val="tx1"/>
-                </a:solidFill>
-                <a:latin typeface="+mn-lt"/>
-                <a:ea typeface="+mn-ea"/>
-                <a:cs typeface="+mn-cs"/>
-              </a:defRPr>
-            </a:lvl4pPr>
-            <a:lvl5pPr marL="1800000" indent="-360000" algn="l" defTabSz="914400" rtl="0" eaLnBrk="1" latinLnBrk="0" hangingPunct="1">
-              <a:lnSpc>
-                <a:spcPct val="100000"/>
-              </a:lnSpc>
-              <a:spcBef>
-                <a:spcPts val="2200"/>
-              </a:spcBef>
-              <a:buClr>
-                <a:schemeClr val="accent2"/>
-              </a:buClr>
-              <a:buFont typeface="Arial" pitchFamily="34" charset="0"/>
-              <a:buChar char="»"/>
-              <a:defRPr sz="2000" kern="1200">
-                <a:solidFill>
-                  <a:schemeClr val="tx1"/>
-                </a:solidFill>
-                <a:latin typeface="+mn-lt"/>
-                <a:ea typeface="+mn-ea"/>
-                <a:cs typeface="+mn-cs"/>
-              </a:defRPr>
-            </a:lvl5pPr>
-            <a:lvl6pPr marL="2514600" indent="-228600" algn="l" defTabSz="914400" rtl="0" eaLnBrk="1" latinLnBrk="0" hangingPunct="1">
-              <a:spcBef>
-                <a:spcPct val="20000"/>
-              </a:spcBef>
-              <a:buFont typeface="Arial" pitchFamily="34" charset="0"/>
-              <a:buChar char="•"/>
-              <a:defRPr sz="2000" kern="1200">
-                <a:solidFill>
-                  <a:schemeClr val="tx1"/>
-                </a:solidFill>
-                <a:latin typeface="+mn-lt"/>
-                <a:ea typeface="+mn-ea"/>
-                <a:cs typeface="+mn-cs"/>
-              </a:defRPr>
-            </a:lvl6pPr>
-            <a:lvl7pPr marL="2971800" indent="-228600" algn="l" defTabSz="914400" rtl="0" eaLnBrk="1" latinLnBrk="0" hangingPunct="1">
-              <a:spcBef>
-                <a:spcPct val="20000"/>
-              </a:spcBef>
-              <a:buFont typeface="Arial" pitchFamily="34" charset="0"/>
-              <a:buChar char="•"/>
-              <a:defRPr sz="2000" kern="1200">
-                <a:solidFill>
-                  <a:schemeClr val="tx1"/>
-                </a:solidFill>
-                <a:latin typeface="+mn-lt"/>
-                <a:ea typeface="+mn-ea"/>
-                <a:cs typeface="+mn-cs"/>
-              </a:defRPr>
-            </a:lvl7pPr>
-            <a:lvl8pPr marL="3429000" indent="-228600" algn="l" defTabSz="914400" rtl="0" eaLnBrk="1" latinLnBrk="0" hangingPunct="1">
-              <a:spcBef>
-                <a:spcPct val="20000"/>
-              </a:spcBef>
-              <a:buFont typeface="Arial" pitchFamily="34" charset="0"/>
-              <a:buChar char="•"/>
-              <a:defRPr sz="2000" kern="1200">
-                <a:solidFill>
-                  <a:schemeClr val="tx1"/>
-                </a:solidFill>
-                <a:latin typeface="+mn-lt"/>
-                <a:ea typeface="+mn-ea"/>
-                <a:cs typeface="+mn-cs"/>
-              </a:defRPr>
-            </a:lvl8pPr>
-            <a:lvl9pPr marL="3886200" indent="-228600" algn="l" defTabSz="914400" rtl="0" eaLnBrk="1" latinLnBrk="0" hangingPunct="1">
-              <a:spcBef>
-                <a:spcPct val="20000"/>
-              </a:spcBef>
-              <a:buFont typeface="Arial" pitchFamily="34" charset="0"/>
-              <a:buChar char="•"/>
-              <a:defRPr sz="2000" kern="1200">
-                <a:solidFill>
-                  <a:schemeClr val="tx1"/>
-                </a:solidFill>
-                <a:latin typeface="+mn-lt"/>
-                <a:ea typeface="+mn-ea"/>
-                <a:cs typeface="+mn-cs"/>
-              </a:defRPr>
-            </a:lvl9pPr>
-          </a:lstStyle>
-          <a:p>
-            <a:pPr lvl="1">
-              <a:lnSpc>
-                <a:spcPct val="200000"/>
-              </a:lnSpc>
-              <a:buFont typeface="Arial" pitchFamily="34" charset="0"/>
-              <a:buChar char="•"/>
-            </a:pPr>
-            <a:r>
-              <a:rPr lang="zh-CN" altLang="en-US" dirty="0" smtClean="0">
-                <a:solidFill>
-                  <a:schemeClr val="tx1">
-                    <a:lumMod val="85000"/>
-                    <a:lumOff val="15000"/>
-                  </a:schemeClr>
-                </a:solidFill>
-                <a:latin typeface="Microsoft Sans Serif" pitchFamily="34" charset="0"/>
-                <a:ea typeface="微软雅黑" pitchFamily="34" charset="-122"/>
-                <a:cs typeface="Microsoft Sans Serif" pitchFamily="34" charset="0"/>
-              </a:rPr>
-              <a:t>李国亮：</a:t>
-            </a:r>
-            <a:r>
-              <a:rPr lang="en-US" altLang="zh-CN" dirty="0" smtClean="0">
-                <a:solidFill>
-                  <a:schemeClr val="tx1">
-                    <a:lumMod val="85000"/>
-                    <a:lumOff val="15000"/>
-                  </a:schemeClr>
-                </a:solidFill>
-                <a:latin typeface="Microsoft Sans Serif" pitchFamily="34" charset="0"/>
-                <a:ea typeface="微软雅黑" pitchFamily="34" charset="-122"/>
-                <a:cs typeface="Microsoft Sans Serif" pitchFamily="34" charset="0"/>
-              </a:rPr>
-              <a:t>guoliang.li@sungard.com</a:t>
-            </a:r>
-            <a:r>
-              <a:rPr lang="en-US" altLang="zh-CN" dirty="0" smtClean="0">
-                <a:solidFill>
-                  <a:srgbClr val="FF0000"/>
-                </a:solidFill>
-                <a:latin typeface="Microsoft Sans Serif" pitchFamily="34" charset="0"/>
-                <a:ea typeface="微软雅黑" pitchFamily="34" charset="-122"/>
-                <a:cs typeface="Microsoft Sans Serif" pitchFamily="34" charset="0"/>
-              </a:rPr>
-              <a:t> (C)</a:t>
-            </a:r>
-            <a:endParaRPr lang="en-US" altLang="zh-CN" dirty="0">
-              <a:solidFill>
-                <a:srgbClr val="FF0000"/>
-              </a:solidFill>
-              <a:latin typeface="Microsoft Sans Serif" pitchFamily="34" charset="0"/>
-              <a:ea typeface="微软雅黑" pitchFamily="34" charset="-122"/>
-              <a:cs typeface="Microsoft Sans Serif" pitchFamily="34" charset="0"/>
-            </a:endParaRPr>
-          </a:p>
-          <a:p>
-            <a:pPr lvl="1">
-              <a:lnSpc>
-                <a:spcPct val="200000"/>
-              </a:lnSpc>
-              <a:buFont typeface="Arial" pitchFamily="34" charset="0"/>
-              <a:buChar char="•"/>
-            </a:pPr>
-            <a:r>
-              <a:rPr lang="zh-CN" altLang="en-US" dirty="0" smtClean="0">
-                <a:solidFill>
-                  <a:schemeClr val="tx1">
-                    <a:lumMod val="85000"/>
-                    <a:lumOff val="15000"/>
-                  </a:schemeClr>
-                </a:solidFill>
-                <a:latin typeface="Microsoft Sans Serif" pitchFamily="34" charset="0"/>
-                <a:ea typeface="微软雅黑" pitchFamily="34" charset="-122"/>
-                <a:cs typeface="Microsoft Sans Serif" pitchFamily="34" charset="0"/>
-              </a:rPr>
-              <a:t>孙秉珏：</a:t>
-            </a:r>
-            <a:r>
-              <a:rPr lang="en-US" altLang="zh-CN" dirty="0" smtClean="0">
-                <a:solidFill>
-                  <a:schemeClr val="tx1">
-                    <a:lumMod val="85000"/>
-                    <a:lumOff val="15000"/>
-                  </a:schemeClr>
-                </a:solidFill>
-                <a:latin typeface="Microsoft Sans Serif" pitchFamily="34" charset="0"/>
-                <a:ea typeface="微软雅黑" pitchFamily="34" charset="-122"/>
-                <a:cs typeface="Microsoft Sans Serif" pitchFamily="34" charset="0"/>
-              </a:rPr>
-              <a:t>bingjue.sun@sungard.com</a:t>
-            </a:r>
-          </a:p>
-          <a:p>
-            <a:pPr lvl="1">
-              <a:lnSpc>
-                <a:spcPct val="200000"/>
-              </a:lnSpc>
-              <a:buFont typeface="Arial" pitchFamily="34" charset="0"/>
-              <a:buChar char="•"/>
-            </a:pPr>
-            <a:r>
-              <a:rPr lang="zh-CN" altLang="en-US" dirty="0" smtClean="0">
-                <a:solidFill>
-                  <a:schemeClr val="tx1">
-                    <a:lumMod val="85000"/>
-                    <a:lumOff val="15000"/>
-                  </a:schemeClr>
-                </a:solidFill>
-                <a:latin typeface="Microsoft Sans Serif" pitchFamily="34" charset="0"/>
-                <a:ea typeface="微软雅黑" pitchFamily="34" charset="-122"/>
-                <a:cs typeface="Microsoft Sans Serif" pitchFamily="34" charset="0"/>
-              </a:rPr>
-              <a:t>马    亮：</a:t>
-            </a:r>
-            <a:r>
-              <a:rPr lang="en-US" altLang="zh-CN" dirty="0" smtClean="0">
-                <a:solidFill>
-                  <a:schemeClr val="tx1">
-                    <a:lumMod val="85000"/>
-                    <a:lumOff val="15000"/>
-                  </a:schemeClr>
-                </a:solidFill>
-                <a:latin typeface="Microsoft Sans Serif" pitchFamily="34" charset="0"/>
-                <a:ea typeface="微软雅黑" pitchFamily="34" charset="-122"/>
-                <a:cs typeface="Microsoft Sans Serif" pitchFamily="34" charset="0"/>
-              </a:rPr>
-              <a:t>liang.ma@sungard.com</a:t>
-            </a:r>
-            <a:endParaRPr lang="en-US" altLang="zh-CN" dirty="0">
-              <a:solidFill>
-                <a:schemeClr val="tx1">
-                  <a:lumMod val="85000"/>
-                  <a:lumOff val="15000"/>
-                </a:schemeClr>
-              </a:solidFill>
-              <a:latin typeface="Microsoft Sans Serif" pitchFamily="34" charset="0"/>
-              <a:ea typeface="微软雅黑" pitchFamily="34" charset="-122"/>
-              <a:cs typeface="Microsoft Sans Serif" pitchFamily="34" charset="0"/>
-            </a:endParaRPr>
-          </a:p>
-          <a:p>
-            <a:pPr lvl="1">
-              <a:lnSpc>
-                <a:spcPct val="200000"/>
-              </a:lnSpc>
-              <a:buFont typeface="Arial" pitchFamily="34" charset="0"/>
-              <a:buChar char="•"/>
-            </a:pPr>
-            <a:r>
-              <a:rPr lang="zh-CN" altLang="en-US" dirty="0">
-                <a:solidFill>
-                  <a:schemeClr val="tx1">
-                    <a:lumMod val="85000"/>
-                    <a:lumOff val="15000"/>
-                  </a:schemeClr>
-                </a:solidFill>
-                <a:latin typeface="Microsoft Sans Serif" pitchFamily="34" charset="0"/>
-                <a:ea typeface="微软雅黑" pitchFamily="34" charset="-122"/>
-                <a:cs typeface="Microsoft Sans Serif" pitchFamily="34" charset="0"/>
-              </a:rPr>
-              <a:t>张舒来</a:t>
-            </a:r>
-            <a:r>
-              <a:rPr lang="zh-CN" altLang="en-US" dirty="0" smtClean="0">
-                <a:solidFill>
-                  <a:schemeClr val="tx1">
-                    <a:lumMod val="85000"/>
-                    <a:lumOff val="15000"/>
-                  </a:schemeClr>
-                </a:solidFill>
-                <a:latin typeface="Microsoft Sans Serif" pitchFamily="34" charset="0"/>
-                <a:ea typeface="微软雅黑" pitchFamily="34" charset="-122"/>
-                <a:cs typeface="Microsoft Sans Serif" pitchFamily="34" charset="0"/>
-              </a:rPr>
-              <a:t>：</a:t>
-            </a:r>
-            <a:r>
-              <a:rPr lang="en-US" altLang="zh-CN" dirty="0" smtClean="0">
-                <a:solidFill>
-                  <a:schemeClr val="tx1">
-                    <a:lumMod val="85000"/>
-                    <a:lumOff val="15000"/>
-                  </a:schemeClr>
-                </a:solidFill>
-                <a:latin typeface="Microsoft Sans Serif" pitchFamily="34" charset="0"/>
-                <a:ea typeface="微软雅黑" pitchFamily="34" charset="-122"/>
-                <a:cs typeface="Microsoft Sans Serif" pitchFamily="34" charset="0"/>
-              </a:rPr>
-              <a:t>shulai.zhang@sungard.com</a:t>
-            </a:r>
-          </a:p>
-          <a:p>
-            <a:pPr lvl="1">
-              <a:lnSpc>
-                <a:spcPct val="200000"/>
-              </a:lnSpc>
-              <a:buFont typeface="Arial" pitchFamily="34" charset="0"/>
-              <a:buChar char="•"/>
-            </a:pPr>
-            <a:endParaRPr lang="en-US" altLang="zh-CN" dirty="0">
-              <a:solidFill>
-                <a:schemeClr val="tx1">
-                  <a:lumMod val="85000"/>
-                  <a:lumOff val="15000"/>
-                </a:schemeClr>
-              </a:solidFill>
-              <a:latin typeface="Microsoft Sans Serif" pitchFamily="34" charset="0"/>
-              <a:ea typeface="微软雅黑" pitchFamily="34" charset="-122"/>
-              <a:cs typeface="Microsoft Sans Serif" pitchFamily="34" charset="0"/>
-            </a:endParaRPr>
-          </a:p>
-        </p:txBody>
-      </p:sp>
-      <p:sp>
-        <p:nvSpPr>
-          <p:cNvPr id="7" name="Title 1"/>
-          <p:cNvSpPr>
-            <a:spLocks noGrp="1"/>
-          </p:cNvSpPr>
-          <p:nvPr>
-            <p:ph type="title"/>
-          </p:nvPr>
-        </p:nvSpPr>
-        <p:spPr>
-          <a:xfrm>
-            <a:off x="1447801" y="526800"/>
-            <a:ext cx="7696200" cy="540000"/>
-          </a:xfrm>
-        </p:spPr>
-        <p:txBody>
-          <a:bodyPr/>
-          <a:lstStyle/>
-          <a:p>
-            <a:r>
-              <a:rPr lang="zh-CN" altLang="en-US" dirty="0" smtClean="0">
-                <a:latin typeface="微软雅黑" panose="020B0503020204020204" pitchFamily="34" charset="-122"/>
-                <a:ea typeface="微软雅黑" panose="020B0503020204020204" pitchFamily="34" charset="-122"/>
-                <a:cs typeface="Microsoft Sans Serif" pitchFamily="34" charset="0"/>
-              </a:rPr>
-              <a:t>技术总部</a:t>
-            </a:r>
-            <a:r>
-              <a:rPr lang="en-US" altLang="zh-CN" dirty="0" smtClean="0">
-                <a:latin typeface="微软雅黑" panose="020B0503020204020204" pitchFamily="34" charset="-122"/>
-                <a:ea typeface="微软雅黑" panose="020B0503020204020204" pitchFamily="34" charset="-122"/>
-                <a:cs typeface="Microsoft Sans Serif" pitchFamily="34" charset="0"/>
-              </a:rPr>
-              <a:t>NGBF</a:t>
-            </a:r>
-            <a:r>
-              <a:rPr lang="zh-CN" altLang="en-US" dirty="0" smtClean="0">
-                <a:latin typeface="微软雅黑" panose="020B0503020204020204" pitchFamily="34" charset="-122"/>
-                <a:ea typeface="微软雅黑" panose="020B0503020204020204" pitchFamily="34" charset="-122"/>
-                <a:cs typeface="Microsoft Sans Serif" pitchFamily="34" charset="0"/>
-              </a:rPr>
-              <a:t>团队</a:t>
-            </a:r>
-            <a:endParaRPr lang="en-US" dirty="0">
-              <a:latin typeface="微软雅黑" panose="020B0503020204020204" pitchFamily="34" charset="-122"/>
-              <a:ea typeface="微软雅黑" panose="020B0503020204020204" pitchFamily="34" charset="-122"/>
-              <a:cs typeface="Microsoft Sans Serif" pitchFamily="34" charset="0"/>
-            </a:endParaRPr>
-          </a:p>
-        </p:txBody>
-      </p:sp>
-      <p:pic>
-        <p:nvPicPr>
-          <p:cNvPr id="10" name="图片 9" descr="Messenger_006.png"/>
-          <p:cNvPicPr>
-            <a:picLocks noChangeAspect="1"/>
-          </p:cNvPicPr>
-          <p:nvPr/>
-        </p:nvPicPr>
-        <p:blipFill>
-          <a:blip r:embed="rId2" cstate="print"/>
-          <a:stretch>
-            <a:fillRect/>
-          </a:stretch>
-        </p:blipFill>
-        <p:spPr>
-          <a:xfrm>
-            <a:off x="7315200" y="4380646"/>
-            <a:ext cx="1083458" cy="1181954"/>
-          </a:xfrm>
-          <a:prstGeom prst="rect">
-            <a:avLst/>
-          </a:prstGeom>
-        </p:spPr>
-      </p:pic>
-      <p:pic>
-        <p:nvPicPr>
-          <p:cNvPr id="11" name="图片 10" descr="Messenger_008.png"/>
-          <p:cNvPicPr>
-            <a:picLocks noChangeAspect="1"/>
-          </p:cNvPicPr>
-          <p:nvPr/>
-        </p:nvPicPr>
-        <p:blipFill>
-          <a:blip r:embed="rId3" cstate="print"/>
-          <a:stretch>
-            <a:fillRect/>
-          </a:stretch>
-        </p:blipFill>
-        <p:spPr>
-          <a:xfrm>
-            <a:off x="7997042" y="4722692"/>
-            <a:ext cx="1083458" cy="1181954"/>
-          </a:xfrm>
-          <a:prstGeom prst="rect">
-            <a:avLst/>
-          </a:prstGeom>
-        </p:spPr>
-      </p:pic>
-      <p:pic>
-        <p:nvPicPr>
-          <p:cNvPr id="12" name="图片 11" descr="Messenger_011.png"/>
-          <p:cNvPicPr>
-            <a:picLocks noChangeAspect="1"/>
-          </p:cNvPicPr>
-          <p:nvPr/>
-        </p:nvPicPr>
-        <p:blipFill>
-          <a:blip r:embed="rId4" cstate="print"/>
-          <a:stretch>
-            <a:fillRect/>
-          </a:stretch>
-        </p:blipFill>
-        <p:spPr>
-          <a:xfrm>
-            <a:off x="7162800" y="5066446"/>
-            <a:ext cx="1083458" cy="1181954"/>
-          </a:xfrm>
-          <a:prstGeom prst="rect">
-            <a:avLst/>
-          </a:prstGeom>
-        </p:spPr>
-      </p:pic>
-      <p:pic>
-        <p:nvPicPr>
-          <p:cNvPr id="8" name="图片 7"/>
-          <p:cNvPicPr>
-            <a:picLocks noChangeAspect="1"/>
-          </p:cNvPicPr>
-          <p:nvPr/>
-        </p:nvPicPr>
-        <p:blipFill>
-          <a:blip r:embed="rId5">
-            <a:extLst>
-              <a:ext uri="{28A0092B-C50C-407E-A947-70E740481C1C}">
-                <a14:useLocalDpi xmlns:a14="http://schemas.microsoft.com/office/drawing/2010/main" val="0"/>
-              </a:ext>
-            </a:extLst>
-          </a:blip>
-          <a:stretch>
-            <a:fillRect/>
-          </a:stretch>
-        </p:blipFill>
-        <p:spPr>
-          <a:xfrm>
-            <a:off x="-36512" y="6452423"/>
-            <a:ext cx="1219042" cy="389874"/>
-          </a:xfrm>
-          <a:prstGeom prst="rect">
-            <a:avLst/>
-          </a:prstGeom>
-        </p:spPr>
-      </p:pic>
-    </p:spTree>
-    <p:extLst>
-      <p:ext uri="{BB962C8B-B14F-4D97-AF65-F5344CB8AC3E}">
-        <p14:creationId xmlns:p14="http://schemas.microsoft.com/office/powerpoint/2010/main" val="1879513955"/>
-      </p:ext>
-    </p:extLst>
-  </p:cSld>
-  <p:clrMapOvr>
-    <a:masterClrMapping/>
-  </p:clrMapOvr>
-  <p:transition spd="slow">
-    <p:pull/>
-  </p:transition>
-  <p:timing>
-    <p:tnLst>
-      <p:par>
-        <p:cTn id="1" dur="indefinite" restart="never" nodeType="tmRoot"/>
-      </p:par>
-    </p:tnLst>
-  </p:timing>
-</p:sld>
-</file>
-
-<file path=ppt/slides/slide9.xml><?xml version="1.0" encoding="utf-8"?>
-<p:sld xmlns:a="http://schemas.openxmlformats.org/drawingml/2006/main" xmlns:r="http://schemas.openxmlformats.org/officeDocument/2006/relationships" xmlns:p="http://schemas.openxmlformats.org/presentationml/2006/main">
-  <p:cSld>
-    <p:spTree>
-      <p:nvGrpSpPr>
-        <p:cNvPr id="1" name=""/>
-        <p:cNvGrpSpPr/>
-        <p:nvPr/>
-      </p:nvGrpSpPr>
-      <p:grpSpPr>
-        <a:xfrm>
-          <a:off x="0" y="0"/>
-          <a:ext cx="0" cy="0"/>
-          <a:chOff x="0" y="0"/>
-          <a:chExt cx="0" cy="0"/>
-        </a:xfrm>
-      </p:grpSpPr>
-      <p:sp>
-        <p:nvSpPr>
           <p:cNvPr id="6" name="标题 1"/>
           <p:cNvSpPr txBox="1">
             <a:spLocks/>
@@ -10674,8 +8376,9 @@
                 <a:solidFill>
                   <a:schemeClr val="tx1"/>
                 </a:solidFill>
-                <a:latin typeface="微软雅黑" pitchFamily="34" charset="-122"/>
+                <a:latin typeface="Times New Roman" panose="02020603050405020304" pitchFamily="18" charset="0"/>
                 <a:ea typeface="微软雅黑" pitchFamily="34" charset="-122"/>
+                <a:cs typeface="Times New Roman" panose="02020603050405020304" pitchFamily="18" charset="0"/>
               </a:rPr>
               <a:t>Thanks!</a:t>
             </a:r>
@@ -10683,8 +8386,9 @@
               <a:solidFill>
                 <a:schemeClr val="tx1"/>
               </a:solidFill>
-              <a:latin typeface="微软雅黑" pitchFamily="34" charset="-122"/>
+              <a:latin typeface="Times New Roman" panose="02020603050405020304" pitchFamily="18" charset="0"/>
               <a:ea typeface="微软雅黑" pitchFamily="34" charset="-122"/>
+              <a:cs typeface="Times New Roman" panose="02020603050405020304" pitchFamily="18" charset="0"/>
             </a:endParaRPr>
           </a:p>
         </p:txBody>
@@ -11870,7 +9574,8 @@
 </file>
 
 <file path=customXml/item1.xml><?xml version="1.0" encoding="utf-8"?>
-<LongProperties xmlns="http://schemas.microsoft.com/office/2006/metadata/longProperties"/>
+<?mso-contentType ?>
+<SharedContentType xmlns="Microsoft.SharePoint.Taxonomy.ContentTypeSync" SourceId="cb790b53-786d-48b1-8e5a-cf42d98d02be" ContentTypeId="0x010100F747F0A4A2AC4F43A96974FBC4135483" PreviousValue="false"/>
 </file>
 
 <file path=customXml/item2.xml><?xml version="1.0" encoding="utf-8"?>
@@ -11933,20 +9638,10 @@
 </file>
 
 <file path=customXml/item3.xml><?xml version="1.0" encoding="utf-8"?>
-<?mso-contentType ?>
-<SharedContentType xmlns="Microsoft.SharePoint.Taxonomy.ContentTypeSync" SourceId="cb790b53-786d-48b1-8e5a-cf42d98d02be" ContentTypeId="0x010100F747F0A4A2AC4F43A96974FBC4135483" PreviousValue="false"/>
+<LongProperties xmlns="http://schemas.microsoft.com/office/2006/metadata/longProperties"/>
 </file>
 
 <file path=customXml/item4.xml><?xml version="1.0" encoding="utf-8"?>
-<?mso-contentType ?>
-<FormTemplates xmlns="http://schemas.microsoft.com/sharepoint/v3/contenttype/forms">
-  <Display>DocumentLibraryForm</Display>
-  <Edit>DocumentLibraryForm</Edit>
-  <New>DocumentLibraryForm</New>
-</FormTemplates>
-</file>
-
-<file path=customXml/item5.xml><?xml version="1.0" encoding="utf-8"?>
 <ct:contentTypeSchema xmlns:ct="http://schemas.microsoft.com/office/2006/metadata/contentType" xmlns:ma="http://schemas.microsoft.com/office/2006/metadata/properties/metaAttributes" ct:_="" ma:_="" ma:contentTypeName="SunGard Document" ma:contentTypeID="0x010100F747F0A4A2AC4F43A96974FBC41354830047A788811A755C4FA4D88A0DC54B042C" ma:contentTypeVersion="12" ma:contentTypeDescription="" ma:contentTypeScope="" ma:versionID="f46c736619651390699ef47bc512b05d">
   <xsd:schema xmlns:xsd="http://www.w3.org/2001/XMLSchema" xmlns:xs="http://www.w3.org/2001/XMLSchema" xmlns:p="http://schemas.microsoft.com/office/2006/metadata/properties" xmlns:ns1="http://schemas.microsoft.com/sharepoint/v3" xmlns:ns2="69ce00d2-868e-4dc3-a3de-4109d45e9c9d" targetNamespace="http://schemas.microsoft.com/office/2006/metadata/properties" ma:root="true" ma:fieldsID="27abf0307c5ed468f57dfeb83c584c58" ns1:_="" ns2:_="">
     <xsd:import namespace="http://schemas.microsoft.com/sharepoint/v3"/>
@@ -12181,10 +9876,19 @@
 </ct:contentTypeSchema>
 </file>
 
+<file path=customXml/item5.xml><?xml version="1.0" encoding="utf-8"?>
+<?mso-contentType ?>
+<FormTemplates xmlns="http://schemas.microsoft.com/sharepoint/v3/contenttype/forms">
+  <Display>DocumentLibraryForm</Display>
+  <Edit>DocumentLibraryForm</Edit>
+  <New>DocumentLibraryForm</New>
+</FormTemplates>
+</file>
+
 <file path=customXml/itemProps1.xml><?xml version="1.0" encoding="utf-8"?>
-<ds:datastoreItem xmlns:ds="http://schemas.openxmlformats.org/officeDocument/2006/customXml" ds:itemID="{667F2D5B-921B-4C4A-A69B-1D7D67634477}">
+<ds:datastoreItem xmlns:ds="http://schemas.openxmlformats.org/officeDocument/2006/customXml" ds:itemID="{40148513-1A80-42ED-934D-3B27E718971D}">
   <ds:schemaRefs>
-    <ds:schemaRef ds:uri="http://schemas.microsoft.com/office/2006/metadata/longProperties"/>
+    <ds:schemaRef ds:uri="Microsoft.SharePoint.Taxonomy.ContentTypeSync"/>
   </ds:schemaRefs>
 </ds:datastoreItem>
 </file>
@@ -12207,22 +9911,14 @@
 </file>
 
 <file path=customXml/itemProps3.xml><?xml version="1.0" encoding="utf-8"?>
-<ds:datastoreItem xmlns:ds="http://schemas.openxmlformats.org/officeDocument/2006/customXml" ds:itemID="{40148513-1A80-42ED-934D-3B27E718971D}">
+<ds:datastoreItem xmlns:ds="http://schemas.openxmlformats.org/officeDocument/2006/customXml" ds:itemID="{667F2D5B-921B-4C4A-A69B-1D7D67634477}">
   <ds:schemaRefs>
-    <ds:schemaRef ds:uri="Microsoft.SharePoint.Taxonomy.ContentTypeSync"/>
+    <ds:schemaRef ds:uri="http://schemas.microsoft.com/office/2006/metadata/longProperties"/>
   </ds:schemaRefs>
 </ds:datastoreItem>
 </file>
 
 <file path=customXml/itemProps4.xml><?xml version="1.0" encoding="utf-8"?>
-<ds:datastoreItem xmlns:ds="http://schemas.openxmlformats.org/officeDocument/2006/customXml" ds:itemID="{1662C062-ADFA-46F5-BAD0-31A86FE27B36}">
-  <ds:schemaRefs>
-    <ds:schemaRef ds:uri="http://schemas.microsoft.com/sharepoint/v3/contenttype/forms"/>
-  </ds:schemaRefs>
-</ds:datastoreItem>
-</file>
-
-<file path=customXml/itemProps5.xml><?xml version="1.0" encoding="utf-8"?>
 <ds:datastoreItem xmlns:ds="http://schemas.openxmlformats.org/officeDocument/2006/customXml" ds:itemID="{E0CC1514-C4B1-4758-AD27-E8E6D405E6C8}">
   <ds:schemaRefs>
     <ds:schemaRef ds:uri="http://schemas.microsoft.com/office/2006/metadata/contentType"/>
@@ -12239,4 +9935,12 @@
     <ds:schemaRef ds:uri="http://schemas.microsoft.com/internal/obd"/>
   </ds:schemaRefs>
 </ds:datastoreItem>
+</file>
+
+<file path=customXml/itemProps5.xml><?xml version="1.0" encoding="utf-8"?>
+<ds:datastoreItem xmlns:ds="http://schemas.openxmlformats.org/officeDocument/2006/customXml" ds:itemID="{1662C062-ADFA-46F5-BAD0-31A86FE27B36}">
+  <ds:schemaRefs>
+    <ds:schemaRef ds:uri="http://schemas.microsoft.com/sharepoint/v3/contenttype/forms"/>
+  </ds:schemaRefs>
+</ds:datastoreItem>
 </file>